--- a/src/tools/Vue.jsプロジェクト向け 最適テストツールの推奨.pptx
+++ b/src/tools/Vue.jsプロジェクト向け 最適テストツールの推奨.pptx
@@ -2,13 +2,12 @@
 <file path=ppt/presentation.xml><?xml version="1.0" encoding="utf-8"?>
 <p:presentation xmlns:a="http://schemas.openxmlformats.org/drawingml/2006/main" xmlns:r="http://schemas.openxmlformats.org/officeDocument/2006/relationships" xmlns:p="http://schemas.openxmlformats.org/presentationml/2006/main" saveSubsetFonts="1">
   <p:sldMasterIdLst>
-    <p:sldMasterId id="2147483648" r:id="rId1"/>
+    <p:sldMasterId id="2147484357" r:id="rId1"/>
   </p:sldMasterIdLst>
   <p:sldIdLst>
     <p:sldId id="256" r:id="rId2"/>
     <p:sldId id="257" r:id="rId3"/>
     <p:sldId id="258" r:id="rId4"/>
-    <p:sldId id="259" r:id="rId5"/>
   </p:sldIdLst>
   <p:sldSz cx="12192000" cy="6858000"/>
   <p:notesSz cx="6858000" cy="9144000"/>
@@ -16,7 +15,7 @@
     <a:defPPr>
       <a:defRPr lang="en-US"/>
     </a:defPPr>
-    <a:lvl1pPr marL="0" algn="l" defTabSz="914400" rtl="0" eaLnBrk="1" latinLnBrk="0" hangingPunct="1">
+    <a:lvl1pPr marL="0" algn="l" defTabSz="457200" rtl="0" eaLnBrk="1" latinLnBrk="0" hangingPunct="1">
       <a:defRPr sz="1800" kern="1200">
         <a:solidFill>
           <a:schemeClr val="tx1"/>
@@ -26,7 +25,7 @@
         <a:cs typeface="+mn-cs"/>
       </a:defRPr>
     </a:lvl1pPr>
-    <a:lvl2pPr marL="457200" algn="l" defTabSz="914400" rtl="0" eaLnBrk="1" latinLnBrk="0" hangingPunct="1">
+    <a:lvl2pPr marL="457200" algn="l" defTabSz="457200" rtl="0" eaLnBrk="1" latinLnBrk="0" hangingPunct="1">
       <a:defRPr sz="1800" kern="1200">
         <a:solidFill>
           <a:schemeClr val="tx1"/>
@@ -36,7 +35,7 @@
         <a:cs typeface="+mn-cs"/>
       </a:defRPr>
     </a:lvl2pPr>
-    <a:lvl3pPr marL="914400" algn="l" defTabSz="914400" rtl="0" eaLnBrk="1" latinLnBrk="0" hangingPunct="1">
+    <a:lvl3pPr marL="914400" algn="l" defTabSz="457200" rtl="0" eaLnBrk="1" latinLnBrk="0" hangingPunct="1">
       <a:defRPr sz="1800" kern="1200">
         <a:solidFill>
           <a:schemeClr val="tx1"/>
@@ -46,7 +45,7 @@
         <a:cs typeface="+mn-cs"/>
       </a:defRPr>
     </a:lvl3pPr>
-    <a:lvl4pPr marL="1371600" algn="l" defTabSz="914400" rtl="0" eaLnBrk="1" latinLnBrk="0" hangingPunct="1">
+    <a:lvl4pPr marL="1371600" algn="l" defTabSz="457200" rtl="0" eaLnBrk="1" latinLnBrk="0" hangingPunct="1">
       <a:defRPr sz="1800" kern="1200">
         <a:solidFill>
           <a:schemeClr val="tx1"/>
@@ -56,7 +55,7 @@
         <a:cs typeface="+mn-cs"/>
       </a:defRPr>
     </a:lvl4pPr>
-    <a:lvl5pPr marL="1828800" algn="l" defTabSz="914400" rtl="0" eaLnBrk="1" latinLnBrk="0" hangingPunct="1">
+    <a:lvl5pPr marL="1828800" algn="l" defTabSz="457200" rtl="0" eaLnBrk="1" latinLnBrk="0" hangingPunct="1">
       <a:defRPr sz="1800" kern="1200">
         <a:solidFill>
           <a:schemeClr val="tx1"/>
@@ -66,7 +65,7 @@
         <a:cs typeface="+mn-cs"/>
       </a:defRPr>
     </a:lvl5pPr>
-    <a:lvl6pPr marL="2286000" algn="l" defTabSz="914400" rtl="0" eaLnBrk="1" latinLnBrk="0" hangingPunct="1">
+    <a:lvl6pPr marL="2286000" algn="l" defTabSz="457200" rtl="0" eaLnBrk="1" latinLnBrk="0" hangingPunct="1">
       <a:defRPr sz="1800" kern="1200">
         <a:solidFill>
           <a:schemeClr val="tx1"/>
@@ -76,7 +75,7 @@
         <a:cs typeface="+mn-cs"/>
       </a:defRPr>
     </a:lvl6pPr>
-    <a:lvl7pPr marL="2743200" algn="l" defTabSz="914400" rtl="0" eaLnBrk="1" latinLnBrk="0" hangingPunct="1">
+    <a:lvl7pPr marL="2743200" algn="l" defTabSz="457200" rtl="0" eaLnBrk="1" latinLnBrk="0" hangingPunct="1">
       <a:defRPr sz="1800" kern="1200">
         <a:solidFill>
           <a:schemeClr val="tx1"/>
@@ -86,7 +85,7 @@
         <a:cs typeface="+mn-cs"/>
       </a:defRPr>
     </a:lvl7pPr>
-    <a:lvl8pPr marL="3200400" algn="l" defTabSz="914400" rtl="0" eaLnBrk="1" latinLnBrk="0" hangingPunct="1">
+    <a:lvl8pPr marL="3200400" algn="l" defTabSz="457200" rtl="0" eaLnBrk="1" latinLnBrk="0" hangingPunct="1">
       <a:defRPr sz="1800" kern="1200">
         <a:solidFill>
           <a:schemeClr val="tx1"/>
@@ -96,7 +95,7 @@
         <a:cs typeface="+mn-cs"/>
       </a:defRPr>
     </a:lvl8pPr>
-    <a:lvl9pPr marL="3657600" algn="l" defTabSz="914400" rtl="0" eaLnBrk="1" latinLnBrk="0" hangingPunct="1">
+    <a:lvl9pPr marL="3657600" algn="l" defTabSz="457200" rtl="0" eaLnBrk="1" latinLnBrk="0" hangingPunct="1">
       <a:defRPr sz="1800" kern="1200">
         <a:solidFill>
           <a:schemeClr val="tx1"/>
@@ -134,13 +133,7 @@
       </p:grpSpPr>
       <p:sp>
         <p:nvSpPr>
-          <p:cNvPr id="2" name="タイトル 1">
-            <a:extLst>
-              <a:ext uri="{FF2B5EF4-FFF2-40B4-BE49-F238E27FC236}">
-                <a16:creationId xmlns:a16="http://schemas.microsoft.com/office/drawing/2014/main" id="{12A1F2C8-58CF-4B5E-B51A-8CB0F30240EA}"/>
-              </a:ext>
-            </a:extLst>
-          </p:cNvPr>
+          <p:cNvPr id="2" name="Title 1"/>
           <p:cNvSpPr>
             <a:spLocks noGrp="1"/>
           </p:cNvSpPr>
@@ -150,15 +143,17 @@
         </p:nvSpPr>
         <p:spPr>
           <a:xfrm>
-            <a:off x="1524000" y="1122363"/>
-            <a:ext cx="9144000" cy="2387600"/>
+            <a:off x="2589213" y="2514600"/>
+            <a:ext cx="8915399" cy="2262781"/>
           </a:xfrm>
         </p:spPr>
         <p:txBody>
-          <a:bodyPr anchor="b"/>
+          <a:bodyPr anchor="b">
+            <a:normAutofit/>
+          </a:bodyPr>
           <a:lstStyle>
-            <a:lvl1pPr algn="ctr">
-              <a:defRPr sz="6000"/>
+            <a:lvl1pPr>
+              <a:defRPr sz="5400"/>
             </a:lvl1pPr>
           </a:lstStyle>
           <a:p>
@@ -166,19 +161,13 @@
               <a:rPr lang="ja-JP" altLang="en-US"/>
               <a:t>マスター タイトルの書式設定</a:t>
             </a:r>
-            <a:endParaRPr lang="en-US"/>
-          </a:p>
-        </p:txBody>
-      </p:sp>
-      <p:sp>
-        <p:nvSpPr>
-          <p:cNvPr id="3" name="字幕 2">
-            <a:extLst>
-              <a:ext uri="{FF2B5EF4-FFF2-40B4-BE49-F238E27FC236}">
-                <a16:creationId xmlns:a16="http://schemas.microsoft.com/office/drawing/2014/main" id="{90AA3488-AEBA-46E1-9DF7-04B8D5E34785}"/>
-              </a:ext>
-            </a:extLst>
-          </p:cNvPr>
+            <a:endParaRPr lang="en-US" dirty="0"/>
+          </a:p>
+        </p:txBody>
+      </p:sp>
+      <p:sp>
+        <p:nvSpPr>
+          <p:cNvPr id="3" name="Subtitle 2"/>
           <p:cNvSpPr>
             <a:spLocks noGrp="1"/>
           </p:cNvSpPr>
@@ -188,48 +177,103 @@
         </p:nvSpPr>
         <p:spPr>
           <a:xfrm>
-            <a:off x="1524000" y="3602038"/>
-            <a:ext cx="9144000" cy="1655762"/>
+            <a:off x="2589213" y="4777379"/>
+            <a:ext cx="8915399" cy="1126283"/>
           </a:xfrm>
         </p:spPr>
         <p:txBody>
-          <a:bodyPr/>
+          <a:bodyPr anchor="t"/>
           <a:lstStyle>
-            <a:lvl1pPr marL="0" indent="0" algn="ctr">
-              <a:buNone/>
-              <a:defRPr sz="2400"/>
+            <a:lvl1pPr marL="0" indent="0" algn="l">
+              <a:buNone/>
+              <a:defRPr>
+                <a:solidFill>
+                  <a:schemeClr val="tx1">
+                    <a:lumMod val="65000"/>
+                    <a:lumOff val="35000"/>
+                  </a:schemeClr>
+                </a:solidFill>
+              </a:defRPr>
             </a:lvl1pPr>
             <a:lvl2pPr marL="457200" indent="0" algn="ctr">
               <a:buNone/>
-              <a:defRPr sz="2000"/>
+              <a:defRPr>
+                <a:solidFill>
+                  <a:schemeClr val="tx1">
+                    <a:tint val="75000"/>
+                  </a:schemeClr>
+                </a:solidFill>
+              </a:defRPr>
             </a:lvl2pPr>
             <a:lvl3pPr marL="914400" indent="0" algn="ctr">
               <a:buNone/>
-              <a:defRPr sz="1800"/>
+              <a:defRPr>
+                <a:solidFill>
+                  <a:schemeClr val="tx1">
+                    <a:tint val="75000"/>
+                  </a:schemeClr>
+                </a:solidFill>
+              </a:defRPr>
             </a:lvl3pPr>
             <a:lvl4pPr marL="1371600" indent="0" algn="ctr">
               <a:buNone/>
-              <a:defRPr sz="1600"/>
+              <a:defRPr>
+                <a:solidFill>
+                  <a:schemeClr val="tx1">
+                    <a:tint val="75000"/>
+                  </a:schemeClr>
+                </a:solidFill>
+              </a:defRPr>
             </a:lvl4pPr>
             <a:lvl5pPr marL="1828800" indent="0" algn="ctr">
               <a:buNone/>
-              <a:defRPr sz="1600"/>
+              <a:defRPr>
+                <a:solidFill>
+                  <a:schemeClr val="tx1">
+                    <a:tint val="75000"/>
+                  </a:schemeClr>
+                </a:solidFill>
+              </a:defRPr>
             </a:lvl5pPr>
             <a:lvl6pPr marL="2286000" indent="0" algn="ctr">
               <a:buNone/>
-              <a:defRPr sz="1600"/>
+              <a:defRPr>
+                <a:solidFill>
+                  <a:schemeClr val="tx1">
+                    <a:tint val="75000"/>
+                  </a:schemeClr>
+                </a:solidFill>
+              </a:defRPr>
             </a:lvl6pPr>
             <a:lvl7pPr marL="2743200" indent="0" algn="ctr">
               <a:buNone/>
-              <a:defRPr sz="1600"/>
+              <a:defRPr>
+                <a:solidFill>
+                  <a:schemeClr val="tx1">
+                    <a:tint val="75000"/>
+                  </a:schemeClr>
+                </a:solidFill>
+              </a:defRPr>
             </a:lvl7pPr>
             <a:lvl8pPr marL="3200400" indent="0" algn="ctr">
               <a:buNone/>
-              <a:defRPr sz="1600"/>
+              <a:defRPr>
+                <a:solidFill>
+                  <a:schemeClr val="tx1">
+                    <a:tint val="75000"/>
+                  </a:schemeClr>
+                </a:solidFill>
+              </a:defRPr>
             </a:lvl8pPr>
             <a:lvl9pPr marL="3657600" indent="0" algn="ctr">
               <a:buNone/>
-              <a:defRPr sz="1600"/>
+              <a:defRPr>
+                <a:solidFill>
+                  <a:schemeClr val="tx1">
+                    <a:tint val="75000"/>
+                  </a:schemeClr>
+                </a:solidFill>
+              </a:defRPr>
             </a:lvl9pPr>
           </a:lstStyle>
           <a:p>
@@ -237,19 +281,13 @@
               <a:rPr lang="ja-JP" altLang="en-US"/>
               <a:t>マスター サブタイトルの書式設定</a:t>
             </a:r>
-            <a:endParaRPr lang="en-US"/>
-          </a:p>
-        </p:txBody>
-      </p:sp>
-      <p:sp>
-        <p:nvSpPr>
-          <p:cNvPr id="4" name="日付プレースホルダー 3">
-            <a:extLst>
-              <a:ext uri="{FF2B5EF4-FFF2-40B4-BE49-F238E27FC236}">
-                <a16:creationId xmlns:a16="http://schemas.microsoft.com/office/drawing/2014/main" id="{CCB8B838-C3AA-4E32-B319-315C754691C2}"/>
-              </a:ext>
-            </a:extLst>
-          </p:cNvPr>
+            <a:endParaRPr lang="en-US" dirty="0"/>
+          </a:p>
+        </p:txBody>
+      </p:sp>
+      <p:sp>
+        <p:nvSpPr>
+          <p:cNvPr id="4" name="Date Placeholder 3"/>
           <p:cNvSpPr>
             <a:spLocks noGrp="1"/>
           </p:cNvSpPr>
@@ -264,7 +302,7 @@
           <a:p>
             <a:fld id="{925E6D9D-9AD4-4F5D-AD35-0F310E293712}" type="datetimeFigureOut">
               <a:rPr lang="en-US" smtClean="0"/>
-              <a:t>3/18/2025</a:t>
+              <a:t>3/20/2025</a:t>
             </a:fld>
             <a:endParaRPr lang="en-US"/>
           </a:p>
@@ -272,13 +310,7 @@
       </p:sp>
       <p:sp>
         <p:nvSpPr>
-          <p:cNvPr id="5" name="フッター プレースホルダー 4">
-            <a:extLst>
-              <a:ext uri="{FF2B5EF4-FFF2-40B4-BE49-F238E27FC236}">
-                <a16:creationId xmlns:a16="http://schemas.microsoft.com/office/drawing/2014/main" id="{08E73569-83C4-4E51-80E0-4842408F46AF}"/>
-              </a:ext>
-            </a:extLst>
-          </p:cNvPr>
+          <p:cNvPr id="5" name="Footer Placeholder 4"/>
           <p:cNvSpPr>
             <a:spLocks noGrp="1"/>
           </p:cNvSpPr>
@@ -297,13 +329,89 @@
       </p:sp>
       <p:sp>
         <p:nvSpPr>
-          <p:cNvPr id="6" name="スライド番号プレースホルダー 5">
-            <a:extLst>
-              <a:ext uri="{FF2B5EF4-FFF2-40B4-BE49-F238E27FC236}">
-                <a16:creationId xmlns:a16="http://schemas.microsoft.com/office/drawing/2014/main" id="{FA92E512-5284-4007-82A2-F16AA4252D77}"/>
-              </a:ext>
-            </a:extLst>
-          </p:cNvPr>
+          <p:cNvPr id="7" name="Freeform 6"/>
+          <p:cNvSpPr/>
+          <p:nvPr/>
+        </p:nvSpPr>
+        <p:spPr bwMode="auto">
+          <a:xfrm>
+            <a:off x="0" y="4323810"/>
+            <a:ext cx="1744652" cy="778589"/>
+          </a:xfrm>
+          <a:custGeom>
+            <a:avLst/>
+            <a:gdLst/>
+            <a:ahLst/>
+            <a:cxnLst/>
+            <a:rect l="0" t="0" r="r" b="b"/>
+            <a:pathLst>
+              <a:path w="372" h="166">
+                <a:moveTo>
+                  <a:pt x="287" y="166"/>
+                </a:moveTo>
+                <a:cubicBezTo>
+                  <a:pt x="290" y="166"/>
+                  <a:pt x="292" y="165"/>
+                  <a:pt x="293" y="164"/>
+                </a:cubicBezTo>
+                <a:cubicBezTo>
+                  <a:pt x="293" y="163"/>
+                  <a:pt x="294" y="163"/>
+                  <a:pt x="294" y="163"/>
+                </a:cubicBezTo>
+                <a:cubicBezTo>
+                  <a:pt x="370" y="87"/>
+                  <a:pt x="370" y="87"/>
+                  <a:pt x="370" y="87"/>
+                </a:cubicBezTo>
+                <a:cubicBezTo>
+                  <a:pt x="372" y="85"/>
+                  <a:pt x="372" y="81"/>
+                  <a:pt x="370" y="78"/>
+                </a:cubicBezTo>
+                <a:cubicBezTo>
+                  <a:pt x="294" y="3"/>
+                  <a:pt x="294" y="3"/>
+                  <a:pt x="294" y="3"/>
+                </a:cubicBezTo>
+                <a:cubicBezTo>
+                  <a:pt x="294" y="2"/>
+                  <a:pt x="293" y="2"/>
+                  <a:pt x="293" y="2"/>
+                </a:cubicBezTo>
+                <a:cubicBezTo>
+                  <a:pt x="292" y="1"/>
+                  <a:pt x="290" y="0"/>
+                  <a:pt x="287" y="0"/>
+                </a:cubicBezTo>
+                <a:cubicBezTo>
+                  <a:pt x="0" y="0"/>
+                  <a:pt x="0" y="0"/>
+                  <a:pt x="0" y="0"/>
+                </a:cubicBezTo>
+                <a:cubicBezTo>
+                  <a:pt x="0" y="166"/>
+                  <a:pt x="0" y="166"/>
+                  <a:pt x="0" y="166"/>
+                </a:cubicBezTo>
+                <a:lnTo>
+                  <a:pt x="287" y="166"/>
+                </a:lnTo>
+                <a:close/>
+              </a:path>
+            </a:pathLst>
+          </a:custGeom>
+          <a:solidFill>
+            <a:schemeClr val="accent1"/>
+          </a:solidFill>
+          <a:ln>
+            <a:noFill/>
+          </a:ln>
+        </p:spPr>
+      </p:sp>
+      <p:sp>
+        <p:nvSpPr>
+          <p:cNvPr id="6" name="Slide Number Placeholder 5"/>
           <p:cNvSpPr>
             <a:spLocks noGrp="1"/>
           </p:cNvSpPr>
@@ -311,7 +419,12 @@
             <p:ph type="sldNum" sz="quarter" idx="12"/>
           </p:nvPr>
         </p:nvSpPr>
-        <p:spPr/>
+        <p:spPr>
+          <a:xfrm>
+            <a:off x="531812" y="4529540"/>
+            <a:ext cx="779767" cy="365125"/>
+          </a:xfrm>
+        </p:spPr>
         <p:txBody>
           <a:bodyPr/>
           <a:lstStyle/>
@@ -327,7 +440,7 @@
     </p:spTree>
     <p:extLst>
       <p:ext uri="{BB962C8B-B14F-4D97-AF65-F5344CB8AC3E}">
-        <p14:creationId xmlns:p14="http://schemas.microsoft.com/office/powerpoint/2010/main" val="3438240357"/>
+        <p14:creationId xmlns:p14="http://schemas.microsoft.com/office/powerpoint/2010/main" val="1066890011"/>
       </p:ext>
     </p:extLst>
   </p:cSld>
@@ -338,6 +451,1797 @@
 </file>
 
 <file path=ppt/slideLayouts/slideLayout10.xml><?xml version="1.0" encoding="utf-8"?>
+<p:sldLayout xmlns:a="http://schemas.openxmlformats.org/drawingml/2006/main" xmlns:r="http://schemas.openxmlformats.org/officeDocument/2006/relationships" xmlns:p="http://schemas.openxmlformats.org/presentationml/2006/main" preserve="1">
+  <p:cSld name="タイトルとキャプション">
+    <p:spTree>
+      <p:nvGrpSpPr>
+        <p:cNvPr id="1" name=""/>
+        <p:cNvGrpSpPr/>
+        <p:nvPr/>
+      </p:nvGrpSpPr>
+      <p:grpSpPr>
+        <a:xfrm>
+          <a:off x="0" y="0"/>
+          <a:ext cx="0" cy="0"/>
+          <a:chOff x="0" y="0"/>
+          <a:chExt cx="0" cy="0"/>
+        </a:xfrm>
+      </p:grpSpPr>
+      <p:sp>
+        <p:nvSpPr>
+          <p:cNvPr id="2" name="Title 1"/>
+          <p:cNvSpPr>
+            <a:spLocks noGrp="1"/>
+          </p:cNvSpPr>
+          <p:nvPr>
+            <p:ph type="title"/>
+          </p:nvPr>
+        </p:nvSpPr>
+        <p:spPr>
+          <a:xfrm>
+            <a:off x="2589212" y="609600"/>
+            <a:ext cx="8915399" cy="3117040"/>
+          </a:xfrm>
+        </p:spPr>
+        <p:txBody>
+          <a:bodyPr anchor="ctr">
+            <a:normAutofit/>
+          </a:bodyPr>
+          <a:lstStyle>
+            <a:lvl1pPr algn="l">
+              <a:defRPr sz="4800" b="0" cap="none"/>
+            </a:lvl1pPr>
+          </a:lstStyle>
+          <a:p>
+            <a:r>
+              <a:rPr lang="ja-JP" altLang="en-US"/>
+              <a:t>マスター タイトルの書式設定</a:t>
+            </a:r>
+            <a:endParaRPr lang="en-US" dirty="0"/>
+          </a:p>
+        </p:txBody>
+      </p:sp>
+      <p:sp>
+        <p:nvSpPr>
+          <p:cNvPr id="3" name="Text Placeholder 2"/>
+          <p:cNvSpPr>
+            <a:spLocks noGrp="1"/>
+          </p:cNvSpPr>
+          <p:nvPr>
+            <p:ph type="body" idx="1"/>
+          </p:nvPr>
+        </p:nvSpPr>
+        <p:spPr>
+          <a:xfrm>
+            <a:off x="2589212" y="4354046"/>
+            <a:ext cx="8915399" cy="1555864"/>
+          </a:xfrm>
+        </p:spPr>
+        <p:txBody>
+          <a:bodyPr anchor="ctr">
+            <a:normAutofit/>
+          </a:bodyPr>
+          <a:lstStyle>
+            <a:lvl1pPr marL="0" indent="0" algn="l">
+              <a:buNone/>
+              <a:defRPr sz="1800">
+                <a:solidFill>
+                  <a:schemeClr val="tx1">
+                    <a:lumMod val="65000"/>
+                    <a:lumOff val="35000"/>
+                  </a:schemeClr>
+                </a:solidFill>
+              </a:defRPr>
+            </a:lvl1pPr>
+            <a:lvl2pPr marL="457200" indent="0">
+              <a:buNone/>
+              <a:defRPr sz="1800">
+                <a:solidFill>
+                  <a:schemeClr val="tx1">
+                    <a:tint val="75000"/>
+                  </a:schemeClr>
+                </a:solidFill>
+              </a:defRPr>
+            </a:lvl2pPr>
+            <a:lvl3pPr marL="914400" indent="0">
+              <a:buNone/>
+              <a:defRPr sz="1600">
+                <a:solidFill>
+                  <a:schemeClr val="tx1">
+                    <a:tint val="75000"/>
+                  </a:schemeClr>
+                </a:solidFill>
+              </a:defRPr>
+            </a:lvl3pPr>
+            <a:lvl4pPr marL="1371600" indent="0">
+              <a:buNone/>
+              <a:defRPr sz="1400">
+                <a:solidFill>
+                  <a:schemeClr val="tx1">
+                    <a:tint val="75000"/>
+                  </a:schemeClr>
+                </a:solidFill>
+              </a:defRPr>
+            </a:lvl4pPr>
+            <a:lvl5pPr marL="1828800" indent="0">
+              <a:buNone/>
+              <a:defRPr sz="1400">
+                <a:solidFill>
+                  <a:schemeClr val="tx1">
+                    <a:tint val="75000"/>
+                  </a:schemeClr>
+                </a:solidFill>
+              </a:defRPr>
+            </a:lvl5pPr>
+            <a:lvl6pPr marL="2286000" indent="0">
+              <a:buNone/>
+              <a:defRPr sz="1400">
+                <a:solidFill>
+                  <a:schemeClr val="tx1">
+                    <a:tint val="75000"/>
+                  </a:schemeClr>
+                </a:solidFill>
+              </a:defRPr>
+            </a:lvl6pPr>
+            <a:lvl7pPr marL="2743200" indent="0">
+              <a:buNone/>
+              <a:defRPr sz="1400">
+                <a:solidFill>
+                  <a:schemeClr val="tx1">
+                    <a:tint val="75000"/>
+                  </a:schemeClr>
+                </a:solidFill>
+              </a:defRPr>
+            </a:lvl7pPr>
+            <a:lvl8pPr marL="3200400" indent="0">
+              <a:buNone/>
+              <a:defRPr sz="1400">
+                <a:solidFill>
+                  <a:schemeClr val="tx1">
+                    <a:tint val="75000"/>
+                  </a:schemeClr>
+                </a:solidFill>
+              </a:defRPr>
+            </a:lvl8pPr>
+            <a:lvl9pPr marL="3657600" indent="0">
+              <a:buNone/>
+              <a:defRPr sz="1400">
+                <a:solidFill>
+                  <a:schemeClr val="tx1">
+                    <a:tint val="75000"/>
+                  </a:schemeClr>
+                </a:solidFill>
+              </a:defRPr>
+            </a:lvl9pPr>
+          </a:lstStyle>
+          <a:p>
+            <a:pPr lvl="0"/>
+            <a:r>
+              <a:rPr lang="ja-JP" altLang="en-US"/>
+              <a:t>マスター テキストの書式設定</a:t>
+            </a:r>
+          </a:p>
+        </p:txBody>
+      </p:sp>
+      <p:sp>
+        <p:nvSpPr>
+          <p:cNvPr id="4" name="Date Placeholder 3"/>
+          <p:cNvSpPr>
+            <a:spLocks noGrp="1"/>
+          </p:cNvSpPr>
+          <p:nvPr>
+            <p:ph type="dt" sz="half" idx="10"/>
+          </p:nvPr>
+        </p:nvSpPr>
+        <p:spPr/>
+        <p:txBody>
+          <a:bodyPr/>
+          <a:lstStyle/>
+          <a:p>
+            <a:fld id="{925E6D9D-9AD4-4F5D-AD35-0F310E293712}" type="datetimeFigureOut">
+              <a:rPr lang="en-US" smtClean="0"/>
+              <a:t>3/20/2025</a:t>
+            </a:fld>
+            <a:endParaRPr lang="en-US"/>
+          </a:p>
+        </p:txBody>
+      </p:sp>
+      <p:sp>
+        <p:nvSpPr>
+          <p:cNvPr id="5" name="Footer Placeholder 4"/>
+          <p:cNvSpPr>
+            <a:spLocks noGrp="1"/>
+          </p:cNvSpPr>
+          <p:nvPr>
+            <p:ph type="ftr" sz="quarter" idx="11"/>
+          </p:nvPr>
+        </p:nvSpPr>
+        <p:spPr/>
+        <p:txBody>
+          <a:bodyPr/>
+          <a:lstStyle/>
+          <a:p>
+            <a:endParaRPr lang="en-US"/>
+          </a:p>
+        </p:txBody>
+      </p:sp>
+      <p:sp>
+        <p:nvSpPr>
+          <p:cNvPr id="9" name="Freeform 11"/>
+          <p:cNvSpPr/>
+          <p:nvPr/>
+        </p:nvSpPr>
+        <p:spPr bwMode="auto">
+          <a:xfrm flipV="1">
+            <a:off x="-4189" y="3178175"/>
+            <a:ext cx="1588527" cy="507297"/>
+          </a:xfrm>
+          <a:custGeom>
+            <a:avLst/>
+            <a:gdLst/>
+            <a:ahLst/>
+            <a:cxnLst/>
+            <a:rect l="l" t="t" r="r" b="b"/>
+            <a:pathLst>
+              <a:path w="9248" h="10000">
+                <a:moveTo>
+                  <a:pt x="9248" y="4701"/>
+                </a:moveTo>
+                <a:lnTo>
+                  <a:pt x="7915" y="188"/>
+                </a:lnTo>
+                <a:cubicBezTo>
+                  <a:pt x="7906" y="156"/>
+                  <a:pt x="7895" y="126"/>
+                  <a:pt x="7886" y="94"/>
+                </a:cubicBezTo>
+                <a:cubicBezTo>
+                  <a:pt x="7859" y="0"/>
+                  <a:pt x="7831" y="0"/>
+                  <a:pt x="7803" y="0"/>
+                </a:cubicBezTo>
+                <a:lnTo>
+                  <a:pt x="7275" y="0"/>
+                </a:lnTo>
+                <a:lnTo>
+                  <a:pt x="0" y="70"/>
+                </a:lnTo>
+                <a:cubicBezTo>
+                  <a:pt x="8" y="3380"/>
+                  <a:pt x="17" y="6690"/>
+                  <a:pt x="25" y="10000"/>
+                </a:cubicBezTo>
+                <a:lnTo>
+                  <a:pt x="7275" y="9966"/>
+                </a:lnTo>
+                <a:lnTo>
+                  <a:pt x="7803" y="9966"/>
+                </a:lnTo>
+                <a:cubicBezTo>
+                  <a:pt x="7831" y="9966"/>
+                  <a:pt x="7859" y="9872"/>
+                  <a:pt x="7886" y="9872"/>
+                </a:cubicBezTo>
+                <a:cubicBezTo>
+                  <a:pt x="7886" y="9778"/>
+                  <a:pt x="7915" y="9778"/>
+                  <a:pt x="7915" y="9778"/>
+                </a:cubicBezTo>
+                <a:lnTo>
+                  <a:pt x="9248" y="5265"/>
+                </a:lnTo>
+                <a:cubicBezTo>
+                  <a:pt x="9303" y="5077"/>
+                  <a:pt x="9303" y="4889"/>
+                  <a:pt x="9248" y="4701"/>
+                </a:cubicBezTo>
+                <a:close/>
+              </a:path>
+            </a:pathLst>
+          </a:custGeom>
+          <a:solidFill>
+            <a:schemeClr val="accent1"/>
+          </a:solidFill>
+          <a:ln>
+            <a:noFill/>
+          </a:ln>
+        </p:spPr>
+      </p:sp>
+      <p:sp>
+        <p:nvSpPr>
+          <p:cNvPr id="6" name="Slide Number Placeholder 5"/>
+          <p:cNvSpPr>
+            <a:spLocks noGrp="1"/>
+          </p:cNvSpPr>
+          <p:nvPr>
+            <p:ph type="sldNum" sz="quarter" idx="12"/>
+          </p:nvPr>
+        </p:nvSpPr>
+        <p:spPr>
+          <a:xfrm>
+            <a:off x="531812" y="3244139"/>
+            <a:ext cx="779767" cy="365125"/>
+          </a:xfrm>
+        </p:spPr>
+        <p:txBody>
+          <a:bodyPr/>
+          <a:lstStyle/>
+          <a:p>
+            <a:fld id="{DFB5B85A-3DB8-4CD4-B53F-296D1B79C848}" type="slidenum">
+              <a:rPr lang="en-US" smtClean="0"/>
+              <a:t>‹#›</a:t>
+            </a:fld>
+            <a:endParaRPr lang="en-US"/>
+          </a:p>
+        </p:txBody>
+      </p:sp>
+    </p:spTree>
+    <p:extLst>
+      <p:ext uri="{BB962C8B-B14F-4D97-AF65-F5344CB8AC3E}">
+        <p14:creationId xmlns:p14="http://schemas.microsoft.com/office/powerpoint/2010/main" val="1583034400"/>
+      </p:ext>
+    </p:extLst>
+  </p:cSld>
+  <p:clrMapOvr>
+    <a:masterClrMapping/>
+  </p:clrMapOvr>
+</p:sldLayout>
+</file>
+
+<file path=ppt/slideLayouts/slideLayout11.xml><?xml version="1.0" encoding="utf-8"?>
+<p:sldLayout xmlns:a="http://schemas.openxmlformats.org/drawingml/2006/main" xmlns:r="http://schemas.openxmlformats.org/officeDocument/2006/relationships" xmlns:p="http://schemas.openxmlformats.org/presentationml/2006/main" preserve="1">
+  <p:cSld name="引用 (キャプション付き)">
+    <p:spTree>
+      <p:nvGrpSpPr>
+        <p:cNvPr id="1" name=""/>
+        <p:cNvGrpSpPr/>
+        <p:nvPr/>
+      </p:nvGrpSpPr>
+      <p:grpSpPr>
+        <a:xfrm>
+          <a:off x="0" y="0"/>
+          <a:ext cx="0" cy="0"/>
+          <a:chOff x="0" y="0"/>
+          <a:chExt cx="0" cy="0"/>
+        </a:xfrm>
+      </p:grpSpPr>
+      <p:sp>
+        <p:nvSpPr>
+          <p:cNvPr id="2" name="Title 1"/>
+          <p:cNvSpPr>
+            <a:spLocks noGrp="1"/>
+          </p:cNvSpPr>
+          <p:nvPr>
+            <p:ph type="title"/>
+          </p:nvPr>
+        </p:nvSpPr>
+        <p:spPr>
+          <a:xfrm>
+            <a:off x="2849949" y="609600"/>
+            <a:ext cx="8393926" cy="2895600"/>
+          </a:xfrm>
+        </p:spPr>
+        <p:txBody>
+          <a:bodyPr anchor="ctr">
+            <a:normAutofit/>
+          </a:bodyPr>
+          <a:lstStyle>
+            <a:lvl1pPr algn="l">
+              <a:defRPr sz="4800" b="0" cap="none"/>
+            </a:lvl1pPr>
+          </a:lstStyle>
+          <a:p>
+            <a:r>
+              <a:rPr lang="ja-JP" altLang="en-US"/>
+              <a:t>マスター タイトルの書式設定</a:t>
+            </a:r>
+            <a:endParaRPr lang="en-US" dirty="0"/>
+          </a:p>
+        </p:txBody>
+      </p:sp>
+      <p:sp>
+        <p:nvSpPr>
+          <p:cNvPr id="13" name="Text Placeholder 9"/>
+          <p:cNvSpPr>
+            <a:spLocks noGrp="1"/>
+          </p:cNvSpPr>
+          <p:nvPr>
+            <p:ph type="body" sz="quarter" idx="13"/>
+          </p:nvPr>
+        </p:nvSpPr>
+        <p:spPr>
+          <a:xfrm>
+            <a:off x="3275012" y="3505200"/>
+            <a:ext cx="7536554" cy="381000"/>
+          </a:xfrm>
+        </p:spPr>
+        <p:txBody>
+          <a:bodyPr anchor="ctr">
+            <a:noAutofit/>
+          </a:bodyPr>
+          <a:lstStyle>
+            <a:lvl1pPr marL="0" indent="0">
+              <a:buFontTx/>
+              <a:buNone/>
+              <a:defRPr sz="1600">
+                <a:solidFill>
+                  <a:schemeClr val="tx1">
+                    <a:lumMod val="50000"/>
+                    <a:lumOff val="50000"/>
+                  </a:schemeClr>
+                </a:solidFill>
+              </a:defRPr>
+            </a:lvl1pPr>
+            <a:lvl2pPr marL="457200" indent="0">
+              <a:buFontTx/>
+              <a:buNone/>
+              <a:defRPr/>
+            </a:lvl2pPr>
+            <a:lvl3pPr marL="914400" indent="0">
+              <a:buFontTx/>
+              <a:buNone/>
+              <a:defRPr/>
+            </a:lvl3pPr>
+            <a:lvl4pPr marL="1371600" indent="0">
+              <a:buFontTx/>
+              <a:buNone/>
+              <a:defRPr/>
+            </a:lvl4pPr>
+            <a:lvl5pPr marL="1828800" indent="0">
+              <a:buFontTx/>
+              <a:buNone/>
+              <a:defRPr/>
+            </a:lvl5pPr>
+          </a:lstStyle>
+          <a:p>
+            <a:pPr lvl="0"/>
+            <a:r>
+              <a:rPr lang="ja-JP" altLang="en-US"/>
+              <a:t>マスター テキストの書式設定</a:t>
+            </a:r>
+          </a:p>
+        </p:txBody>
+      </p:sp>
+      <p:sp>
+        <p:nvSpPr>
+          <p:cNvPr id="3" name="Text Placeholder 2"/>
+          <p:cNvSpPr>
+            <a:spLocks noGrp="1"/>
+          </p:cNvSpPr>
+          <p:nvPr>
+            <p:ph type="body" idx="1"/>
+          </p:nvPr>
+        </p:nvSpPr>
+        <p:spPr>
+          <a:xfrm>
+            <a:off x="2589212" y="4354046"/>
+            <a:ext cx="8915399" cy="1555864"/>
+          </a:xfrm>
+        </p:spPr>
+        <p:txBody>
+          <a:bodyPr anchor="ctr">
+            <a:normAutofit/>
+          </a:bodyPr>
+          <a:lstStyle>
+            <a:lvl1pPr marL="0" indent="0" algn="l">
+              <a:buNone/>
+              <a:defRPr sz="1800">
+                <a:solidFill>
+                  <a:schemeClr val="tx1">
+                    <a:lumMod val="65000"/>
+                    <a:lumOff val="35000"/>
+                  </a:schemeClr>
+                </a:solidFill>
+              </a:defRPr>
+            </a:lvl1pPr>
+            <a:lvl2pPr marL="457200" indent="0">
+              <a:buNone/>
+              <a:defRPr sz="1800">
+                <a:solidFill>
+                  <a:schemeClr val="tx1">
+                    <a:tint val="75000"/>
+                  </a:schemeClr>
+                </a:solidFill>
+              </a:defRPr>
+            </a:lvl2pPr>
+            <a:lvl3pPr marL="914400" indent="0">
+              <a:buNone/>
+              <a:defRPr sz="1600">
+                <a:solidFill>
+                  <a:schemeClr val="tx1">
+                    <a:tint val="75000"/>
+                  </a:schemeClr>
+                </a:solidFill>
+              </a:defRPr>
+            </a:lvl3pPr>
+            <a:lvl4pPr marL="1371600" indent="0">
+              <a:buNone/>
+              <a:defRPr sz="1400">
+                <a:solidFill>
+                  <a:schemeClr val="tx1">
+                    <a:tint val="75000"/>
+                  </a:schemeClr>
+                </a:solidFill>
+              </a:defRPr>
+            </a:lvl4pPr>
+            <a:lvl5pPr marL="1828800" indent="0">
+              <a:buNone/>
+              <a:defRPr sz="1400">
+                <a:solidFill>
+                  <a:schemeClr val="tx1">
+                    <a:tint val="75000"/>
+                  </a:schemeClr>
+                </a:solidFill>
+              </a:defRPr>
+            </a:lvl5pPr>
+            <a:lvl6pPr marL="2286000" indent="0">
+              <a:buNone/>
+              <a:defRPr sz="1400">
+                <a:solidFill>
+                  <a:schemeClr val="tx1">
+                    <a:tint val="75000"/>
+                  </a:schemeClr>
+                </a:solidFill>
+              </a:defRPr>
+            </a:lvl6pPr>
+            <a:lvl7pPr marL="2743200" indent="0">
+              <a:buNone/>
+              <a:defRPr sz="1400">
+                <a:solidFill>
+                  <a:schemeClr val="tx1">
+                    <a:tint val="75000"/>
+                  </a:schemeClr>
+                </a:solidFill>
+              </a:defRPr>
+            </a:lvl7pPr>
+            <a:lvl8pPr marL="3200400" indent="0">
+              <a:buNone/>
+              <a:defRPr sz="1400">
+                <a:solidFill>
+                  <a:schemeClr val="tx1">
+                    <a:tint val="75000"/>
+                  </a:schemeClr>
+                </a:solidFill>
+              </a:defRPr>
+            </a:lvl8pPr>
+            <a:lvl9pPr marL="3657600" indent="0">
+              <a:buNone/>
+              <a:defRPr sz="1400">
+                <a:solidFill>
+                  <a:schemeClr val="tx1">
+                    <a:tint val="75000"/>
+                  </a:schemeClr>
+                </a:solidFill>
+              </a:defRPr>
+            </a:lvl9pPr>
+          </a:lstStyle>
+          <a:p>
+            <a:pPr lvl="0"/>
+            <a:r>
+              <a:rPr lang="ja-JP" altLang="en-US"/>
+              <a:t>マスター テキストの書式設定</a:t>
+            </a:r>
+          </a:p>
+        </p:txBody>
+      </p:sp>
+      <p:sp>
+        <p:nvSpPr>
+          <p:cNvPr id="4" name="Date Placeholder 3"/>
+          <p:cNvSpPr>
+            <a:spLocks noGrp="1"/>
+          </p:cNvSpPr>
+          <p:nvPr>
+            <p:ph type="dt" sz="half" idx="10"/>
+          </p:nvPr>
+        </p:nvSpPr>
+        <p:spPr/>
+        <p:txBody>
+          <a:bodyPr/>
+          <a:lstStyle/>
+          <a:p>
+            <a:fld id="{925E6D9D-9AD4-4F5D-AD35-0F310E293712}" type="datetimeFigureOut">
+              <a:rPr lang="en-US" smtClean="0"/>
+              <a:t>3/20/2025</a:t>
+            </a:fld>
+            <a:endParaRPr lang="en-US"/>
+          </a:p>
+        </p:txBody>
+      </p:sp>
+      <p:sp>
+        <p:nvSpPr>
+          <p:cNvPr id="5" name="Footer Placeholder 4"/>
+          <p:cNvSpPr>
+            <a:spLocks noGrp="1"/>
+          </p:cNvSpPr>
+          <p:nvPr>
+            <p:ph type="ftr" sz="quarter" idx="11"/>
+          </p:nvPr>
+        </p:nvSpPr>
+        <p:spPr/>
+        <p:txBody>
+          <a:bodyPr/>
+          <a:lstStyle/>
+          <a:p>
+            <a:endParaRPr lang="en-US"/>
+          </a:p>
+        </p:txBody>
+      </p:sp>
+      <p:sp>
+        <p:nvSpPr>
+          <p:cNvPr id="11" name="Freeform 11"/>
+          <p:cNvSpPr/>
+          <p:nvPr/>
+        </p:nvSpPr>
+        <p:spPr bwMode="auto">
+          <a:xfrm flipV="1">
+            <a:off x="-4189" y="3178175"/>
+            <a:ext cx="1588527" cy="507297"/>
+          </a:xfrm>
+          <a:custGeom>
+            <a:avLst/>
+            <a:gdLst/>
+            <a:ahLst/>
+            <a:cxnLst/>
+            <a:rect l="l" t="t" r="r" b="b"/>
+            <a:pathLst>
+              <a:path w="9248" h="10000">
+                <a:moveTo>
+                  <a:pt x="9248" y="4701"/>
+                </a:moveTo>
+                <a:lnTo>
+                  <a:pt x="7915" y="188"/>
+                </a:lnTo>
+                <a:cubicBezTo>
+                  <a:pt x="7906" y="156"/>
+                  <a:pt x="7895" y="126"/>
+                  <a:pt x="7886" y="94"/>
+                </a:cubicBezTo>
+                <a:cubicBezTo>
+                  <a:pt x="7859" y="0"/>
+                  <a:pt x="7831" y="0"/>
+                  <a:pt x="7803" y="0"/>
+                </a:cubicBezTo>
+                <a:lnTo>
+                  <a:pt x="7275" y="0"/>
+                </a:lnTo>
+                <a:lnTo>
+                  <a:pt x="0" y="70"/>
+                </a:lnTo>
+                <a:cubicBezTo>
+                  <a:pt x="8" y="3380"/>
+                  <a:pt x="17" y="6690"/>
+                  <a:pt x="25" y="10000"/>
+                </a:cubicBezTo>
+                <a:lnTo>
+                  <a:pt x="7275" y="9966"/>
+                </a:lnTo>
+                <a:lnTo>
+                  <a:pt x="7803" y="9966"/>
+                </a:lnTo>
+                <a:cubicBezTo>
+                  <a:pt x="7831" y="9966"/>
+                  <a:pt x="7859" y="9872"/>
+                  <a:pt x="7886" y="9872"/>
+                </a:cubicBezTo>
+                <a:cubicBezTo>
+                  <a:pt x="7886" y="9778"/>
+                  <a:pt x="7915" y="9778"/>
+                  <a:pt x="7915" y="9778"/>
+                </a:cubicBezTo>
+                <a:lnTo>
+                  <a:pt x="9248" y="5265"/>
+                </a:lnTo>
+                <a:cubicBezTo>
+                  <a:pt x="9303" y="5077"/>
+                  <a:pt x="9303" y="4889"/>
+                  <a:pt x="9248" y="4701"/>
+                </a:cubicBezTo>
+                <a:close/>
+              </a:path>
+            </a:pathLst>
+          </a:custGeom>
+          <a:solidFill>
+            <a:schemeClr val="accent1"/>
+          </a:solidFill>
+          <a:ln>
+            <a:noFill/>
+          </a:ln>
+        </p:spPr>
+      </p:sp>
+      <p:sp>
+        <p:nvSpPr>
+          <p:cNvPr id="6" name="Slide Number Placeholder 5"/>
+          <p:cNvSpPr>
+            <a:spLocks noGrp="1"/>
+          </p:cNvSpPr>
+          <p:nvPr>
+            <p:ph type="sldNum" sz="quarter" idx="12"/>
+          </p:nvPr>
+        </p:nvSpPr>
+        <p:spPr>
+          <a:xfrm>
+            <a:off x="531812" y="3244139"/>
+            <a:ext cx="779767" cy="365125"/>
+          </a:xfrm>
+        </p:spPr>
+        <p:txBody>
+          <a:bodyPr/>
+          <a:lstStyle/>
+          <a:p>
+            <a:fld id="{DFB5B85A-3DB8-4CD4-B53F-296D1B79C848}" type="slidenum">
+              <a:rPr lang="en-US" smtClean="0"/>
+              <a:t>‹#›</a:t>
+            </a:fld>
+            <a:endParaRPr lang="en-US"/>
+          </a:p>
+        </p:txBody>
+      </p:sp>
+      <p:sp>
+        <p:nvSpPr>
+          <p:cNvPr id="14" name="TextBox 13"/>
+          <p:cNvSpPr txBox="1"/>
+          <p:nvPr/>
+        </p:nvSpPr>
+        <p:spPr>
+          <a:xfrm>
+            <a:off x="2467652" y="648005"/>
+            <a:ext cx="609600" cy="584776"/>
+          </a:xfrm>
+          <a:prstGeom prst="rect">
+            <a:avLst/>
+          </a:prstGeom>
+        </p:spPr>
+        <p:txBody>
+          <a:bodyPr vert="horz" lIns="91440" tIns="45720" rIns="91440" bIns="45720" rtlCol="0" anchor="ctr">
+            <a:noAutofit/>
+          </a:bodyPr>
+          <a:lstStyle/>
+          <a:p>
+            <a:pPr lvl="0"/>
+            <a:r>
+              <a:rPr lang="en-US" sz="8000" baseline="0" dirty="0">
+                <a:ln w="3175" cmpd="sng">
+                  <a:noFill/>
+                </a:ln>
+                <a:solidFill>
+                  <a:schemeClr val="accent1"/>
+                </a:solidFill>
+                <a:effectLst/>
+                <a:latin typeface="Arial"/>
+              </a:rPr>
+              <a:t>“</a:t>
+            </a:r>
+          </a:p>
+        </p:txBody>
+      </p:sp>
+      <p:sp>
+        <p:nvSpPr>
+          <p:cNvPr id="15" name="TextBox 14"/>
+          <p:cNvSpPr txBox="1"/>
+          <p:nvPr/>
+        </p:nvSpPr>
+        <p:spPr>
+          <a:xfrm>
+            <a:off x="11114852" y="2905306"/>
+            <a:ext cx="609600" cy="584776"/>
+          </a:xfrm>
+          <a:prstGeom prst="rect">
+            <a:avLst/>
+          </a:prstGeom>
+        </p:spPr>
+        <p:txBody>
+          <a:bodyPr vert="horz" lIns="91440" tIns="45720" rIns="91440" bIns="45720" rtlCol="0" anchor="ctr">
+            <a:noAutofit/>
+          </a:bodyPr>
+          <a:lstStyle/>
+          <a:p>
+            <a:pPr lvl="0"/>
+            <a:r>
+              <a:rPr lang="en-US" sz="8000" baseline="0" dirty="0">
+                <a:ln w="3175" cmpd="sng">
+                  <a:noFill/>
+                </a:ln>
+                <a:solidFill>
+                  <a:schemeClr val="accent1"/>
+                </a:solidFill>
+                <a:effectLst/>
+                <a:latin typeface="Arial"/>
+              </a:rPr>
+              <a:t>”</a:t>
+            </a:r>
+          </a:p>
+        </p:txBody>
+      </p:sp>
+    </p:spTree>
+    <p:extLst>
+      <p:ext uri="{BB962C8B-B14F-4D97-AF65-F5344CB8AC3E}">
+        <p14:creationId xmlns:p14="http://schemas.microsoft.com/office/powerpoint/2010/main" val="3351081836"/>
+      </p:ext>
+    </p:extLst>
+  </p:cSld>
+  <p:clrMapOvr>
+    <a:masterClrMapping/>
+  </p:clrMapOvr>
+</p:sldLayout>
+</file>
+
+<file path=ppt/slideLayouts/slideLayout12.xml><?xml version="1.0" encoding="utf-8"?>
+<p:sldLayout xmlns:a="http://schemas.openxmlformats.org/drawingml/2006/main" xmlns:r="http://schemas.openxmlformats.org/officeDocument/2006/relationships" xmlns:p="http://schemas.openxmlformats.org/presentationml/2006/main" preserve="1">
+  <p:cSld name="名札">
+    <p:spTree>
+      <p:nvGrpSpPr>
+        <p:cNvPr id="1" name=""/>
+        <p:cNvGrpSpPr/>
+        <p:nvPr/>
+      </p:nvGrpSpPr>
+      <p:grpSpPr>
+        <a:xfrm>
+          <a:off x="0" y="0"/>
+          <a:ext cx="0" cy="0"/>
+          <a:chOff x="0" y="0"/>
+          <a:chExt cx="0" cy="0"/>
+        </a:xfrm>
+      </p:grpSpPr>
+      <p:sp>
+        <p:nvSpPr>
+          <p:cNvPr id="2" name="Title 1"/>
+          <p:cNvSpPr>
+            <a:spLocks noGrp="1"/>
+          </p:cNvSpPr>
+          <p:nvPr>
+            <p:ph type="title"/>
+          </p:nvPr>
+        </p:nvSpPr>
+        <p:spPr>
+          <a:xfrm>
+            <a:off x="2589213" y="2438400"/>
+            <a:ext cx="8915400" cy="2724845"/>
+          </a:xfrm>
+        </p:spPr>
+        <p:txBody>
+          <a:bodyPr anchor="b">
+            <a:normAutofit/>
+          </a:bodyPr>
+          <a:lstStyle>
+            <a:lvl1pPr algn="l">
+              <a:defRPr sz="4800" b="0"/>
+            </a:lvl1pPr>
+          </a:lstStyle>
+          <a:p>
+            <a:r>
+              <a:rPr lang="ja-JP" altLang="en-US"/>
+              <a:t>マスター タイトルの書式設定</a:t>
+            </a:r>
+            <a:endParaRPr lang="en-US" dirty="0"/>
+          </a:p>
+        </p:txBody>
+      </p:sp>
+      <p:sp>
+        <p:nvSpPr>
+          <p:cNvPr id="4" name="Text Placeholder 3"/>
+          <p:cNvSpPr>
+            <a:spLocks noGrp="1"/>
+          </p:cNvSpPr>
+          <p:nvPr>
+            <p:ph type="body" sz="half" idx="2"/>
+          </p:nvPr>
+        </p:nvSpPr>
+        <p:spPr>
+          <a:xfrm>
+            <a:off x="2589213" y="5181600"/>
+            <a:ext cx="8915400" cy="729622"/>
+          </a:xfrm>
+        </p:spPr>
+        <p:txBody>
+          <a:bodyPr vert="horz" lIns="91440" tIns="45720" rIns="91440" bIns="45720" rtlCol="0" anchor="t">
+            <a:normAutofit/>
+          </a:bodyPr>
+          <a:lstStyle>
+            <a:lvl1pPr>
+              <a:buNone/>
+              <a:defRPr lang="en-US">
+                <a:solidFill>
+                  <a:schemeClr val="tx1">
+                    <a:lumMod val="65000"/>
+                    <a:lumOff val="35000"/>
+                  </a:schemeClr>
+                </a:solidFill>
+              </a:defRPr>
+            </a:lvl1pPr>
+          </a:lstStyle>
+          <a:p>
+            <a:pPr marL="0" lvl="0" indent="0">
+              <a:buNone/>
+            </a:pPr>
+            <a:r>
+              <a:rPr lang="ja-JP" altLang="en-US"/>
+              <a:t>マスター テキストの書式設定</a:t>
+            </a:r>
+          </a:p>
+        </p:txBody>
+      </p:sp>
+      <p:sp>
+        <p:nvSpPr>
+          <p:cNvPr id="5" name="Date Placeholder 4"/>
+          <p:cNvSpPr>
+            <a:spLocks noGrp="1"/>
+          </p:cNvSpPr>
+          <p:nvPr>
+            <p:ph type="dt" sz="half" idx="10"/>
+          </p:nvPr>
+        </p:nvSpPr>
+        <p:spPr/>
+        <p:txBody>
+          <a:bodyPr/>
+          <a:lstStyle/>
+          <a:p>
+            <a:fld id="{925E6D9D-9AD4-4F5D-AD35-0F310E293712}" type="datetimeFigureOut">
+              <a:rPr lang="en-US" smtClean="0"/>
+              <a:t>3/20/2025</a:t>
+            </a:fld>
+            <a:endParaRPr lang="en-US"/>
+          </a:p>
+        </p:txBody>
+      </p:sp>
+      <p:sp>
+        <p:nvSpPr>
+          <p:cNvPr id="6" name="Footer Placeholder 5"/>
+          <p:cNvSpPr>
+            <a:spLocks noGrp="1"/>
+          </p:cNvSpPr>
+          <p:nvPr>
+            <p:ph type="ftr" sz="quarter" idx="11"/>
+          </p:nvPr>
+        </p:nvSpPr>
+        <p:spPr/>
+        <p:txBody>
+          <a:bodyPr/>
+          <a:lstStyle/>
+          <a:p>
+            <a:endParaRPr lang="en-US"/>
+          </a:p>
+        </p:txBody>
+      </p:sp>
+      <p:sp>
+        <p:nvSpPr>
+          <p:cNvPr id="9" name="Freeform 11"/>
+          <p:cNvSpPr/>
+          <p:nvPr/>
+        </p:nvSpPr>
+        <p:spPr bwMode="auto">
+          <a:xfrm flipV="1">
+            <a:off x="-4189" y="4911725"/>
+            <a:ext cx="1588527" cy="507297"/>
+          </a:xfrm>
+          <a:custGeom>
+            <a:avLst/>
+            <a:gdLst/>
+            <a:ahLst/>
+            <a:cxnLst/>
+            <a:rect l="l" t="t" r="r" b="b"/>
+            <a:pathLst>
+              <a:path w="9248" h="10000">
+                <a:moveTo>
+                  <a:pt x="9248" y="4701"/>
+                </a:moveTo>
+                <a:lnTo>
+                  <a:pt x="7915" y="188"/>
+                </a:lnTo>
+                <a:cubicBezTo>
+                  <a:pt x="7906" y="156"/>
+                  <a:pt x="7895" y="126"/>
+                  <a:pt x="7886" y="94"/>
+                </a:cubicBezTo>
+                <a:cubicBezTo>
+                  <a:pt x="7859" y="0"/>
+                  <a:pt x="7831" y="0"/>
+                  <a:pt x="7803" y="0"/>
+                </a:cubicBezTo>
+                <a:lnTo>
+                  <a:pt x="7275" y="0"/>
+                </a:lnTo>
+                <a:lnTo>
+                  <a:pt x="0" y="70"/>
+                </a:lnTo>
+                <a:cubicBezTo>
+                  <a:pt x="8" y="3380"/>
+                  <a:pt x="17" y="6690"/>
+                  <a:pt x="25" y="10000"/>
+                </a:cubicBezTo>
+                <a:lnTo>
+                  <a:pt x="7275" y="9966"/>
+                </a:lnTo>
+                <a:lnTo>
+                  <a:pt x="7803" y="9966"/>
+                </a:lnTo>
+                <a:cubicBezTo>
+                  <a:pt x="7831" y="9966"/>
+                  <a:pt x="7859" y="9872"/>
+                  <a:pt x="7886" y="9872"/>
+                </a:cubicBezTo>
+                <a:cubicBezTo>
+                  <a:pt x="7886" y="9778"/>
+                  <a:pt x="7915" y="9778"/>
+                  <a:pt x="7915" y="9778"/>
+                </a:cubicBezTo>
+                <a:lnTo>
+                  <a:pt x="9248" y="5265"/>
+                </a:lnTo>
+                <a:cubicBezTo>
+                  <a:pt x="9303" y="5077"/>
+                  <a:pt x="9303" y="4889"/>
+                  <a:pt x="9248" y="4701"/>
+                </a:cubicBezTo>
+                <a:close/>
+              </a:path>
+            </a:pathLst>
+          </a:custGeom>
+          <a:solidFill>
+            <a:schemeClr val="accent1"/>
+          </a:solidFill>
+          <a:ln>
+            <a:noFill/>
+          </a:ln>
+        </p:spPr>
+      </p:sp>
+      <p:sp>
+        <p:nvSpPr>
+          <p:cNvPr id="7" name="Slide Number Placeholder 6"/>
+          <p:cNvSpPr>
+            <a:spLocks noGrp="1"/>
+          </p:cNvSpPr>
+          <p:nvPr>
+            <p:ph type="sldNum" sz="quarter" idx="12"/>
+          </p:nvPr>
+        </p:nvSpPr>
+        <p:spPr>
+          <a:xfrm>
+            <a:off x="531812" y="4983087"/>
+            <a:ext cx="779767" cy="365125"/>
+          </a:xfrm>
+        </p:spPr>
+        <p:txBody>
+          <a:bodyPr/>
+          <a:lstStyle/>
+          <a:p>
+            <a:fld id="{DFB5B85A-3DB8-4CD4-B53F-296D1B79C848}" type="slidenum">
+              <a:rPr lang="en-US" smtClean="0"/>
+              <a:t>‹#›</a:t>
+            </a:fld>
+            <a:endParaRPr lang="en-US"/>
+          </a:p>
+        </p:txBody>
+      </p:sp>
+    </p:spTree>
+    <p:extLst>
+      <p:ext uri="{BB962C8B-B14F-4D97-AF65-F5344CB8AC3E}">
+        <p14:creationId xmlns:p14="http://schemas.microsoft.com/office/powerpoint/2010/main" val="4009680184"/>
+      </p:ext>
+    </p:extLst>
+  </p:cSld>
+  <p:clrMapOvr>
+    <a:masterClrMapping/>
+  </p:clrMapOvr>
+</p:sldLayout>
+</file>
+
+<file path=ppt/slideLayouts/slideLayout13.xml><?xml version="1.0" encoding="utf-8"?>
+<p:sldLayout xmlns:a="http://schemas.openxmlformats.org/drawingml/2006/main" xmlns:r="http://schemas.openxmlformats.org/officeDocument/2006/relationships" xmlns:p="http://schemas.openxmlformats.org/presentationml/2006/main" preserve="1">
+  <p:cSld name="引用付きの名札">
+    <p:spTree>
+      <p:nvGrpSpPr>
+        <p:cNvPr id="1" name=""/>
+        <p:cNvGrpSpPr/>
+        <p:nvPr/>
+      </p:nvGrpSpPr>
+      <p:grpSpPr>
+        <a:xfrm>
+          <a:off x="0" y="0"/>
+          <a:ext cx="0" cy="0"/>
+          <a:chOff x="0" y="0"/>
+          <a:chExt cx="0" cy="0"/>
+        </a:xfrm>
+      </p:grpSpPr>
+      <p:sp>
+        <p:nvSpPr>
+          <p:cNvPr id="12" name="Title 1"/>
+          <p:cNvSpPr>
+            <a:spLocks noGrp="1"/>
+          </p:cNvSpPr>
+          <p:nvPr>
+            <p:ph type="title"/>
+          </p:nvPr>
+        </p:nvSpPr>
+        <p:spPr>
+          <a:xfrm>
+            <a:off x="2849949" y="609600"/>
+            <a:ext cx="8393926" cy="2895600"/>
+          </a:xfrm>
+        </p:spPr>
+        <p:txBody>
+          <a:bodyPr anchor="ctr">
+            <a:normAutofit/>
+          </a:bodyPr>
+          <a:lstStyle>
+            <a:lvl1pPr algn="l">
+              <a:defRPr sz="4800" b="0" cap="none"/>
+            </a:lvl1pPr>
+          </a:lstStyle>
+          <a:p>
+            <a:r>
+              <a:rPr lang="ja-JP" altLang="en-US"/>
+              <a:t>マスター タイトルの書式設定</a:t>
+            </a:r>
+            <a:endParaRPr lang="en-US" dirty="0"/>
+          </a:p>
+        </p:txBody>
+      </p:sp>
+      <p:sp>
+        <p:nvSpPr>
+          <p:cNvPr id="21" name="Text Placeholder 9"/>
+          <p:cNvSpPr>
+            <a:spLocks noGrp="1"/>
+          </p:cNvSpPr>
+          <p:nvPr>
+            <p:ph type="body" sz="quarter" idx="13"/>
+          </p:nvPr>
+        </p:nvSpPr>
+        <p:spPr>
+          <a:xfrm>
+            <a:off x="2589212" y="4343400"/>
+            <a:ext cx="8915400" cy="838200"/>
+          </a:xfrm>
+        </p:spPr>
+        <p:txBody>
+          <a:bodyPr anchor="b">
+            <a:noAutofit/>
+          </a:bodyPr>
+          <a:lstStyle>
+            <a:lvl1pPr marL="0" indent="0">
+              <a:buFontTx/>
+              <a:buNone/>
+              <a:defRPr sz="2400">
+                <a:solidFill>
+                  <a:schemeClr val="accent1"/>
+                </a:solidFill>
+              </a:defRPr>
+            </a:lvl1pPr>
+            <a:lvl2pPr marL="457200" indent="0">
+              <a:buFontTx/>
+              <a:buNone/>
+              <a:defRPr/>
+            </a:lvl2pPr>
+            <a:lvl3pPr marL="914400" indent="0">
+              <a:buFontTx/>
+              <a:buNone/>
+              <a:defRPr/>
+            </a:lvl3pPr>
+            <a:lvl4pPr marL="1371600" indent="0">
+              <a:buFontTx/>
+              <a:buNone/>
+              <a:defRPr/>
+            </a:lvl4pPr>
+            <a:lvl5pPr marL="1828800" indent="0">
+              <a:buFontTx/>
+              <a:buNone/>
+              <a:defRPr/>
+            </a:lvl5pPr>
+          </a:lstStyle>
+          <a:p>
+            <a:pPr lvl="0"/>
+            <a:r>
+              <a:rPr lang="ja-JP" altLang="en-US"/>
+              <a:t>マスター テキストの書式設定</a:t>
+            </a:r>
+          </a:p>
+        </p:txBody>
+      </p:sp>
+      <p:sp>
+        <p:nvSpPr>
+          <p:cNvPr id="4" name="Text Placeholder 3"/>
+          <p:cNvSpPr>
+            <a:spLocks noGrp="1"/>
+          </p:cNvSpPr>
+          <p:nvPr>
+            <p:ph type="body" sz="half" idx="2"/>
+          </p:nvPr>
+        </p:nvSpPr>
+        <p:spPr>
+          <a:xfrm>
+            <a:off x="2589213" y="5181600"/>
+            <a:ext cx="8915400" cy="729622"/>
+          </a:xfrm>
+        </p:spPr>
+        <p:txBody>
+          <a:bodyPr vert="horz" lIns="91440" tIns="45720" rIns="91440" bIns="45720" rtlCol="0" anchor="t">
+            <a:normAutofit/>
+          </a:bodyPr>
+          <a:lstStyle>
+            <a:lvl1pPr>
+              <a:buNone/>
+              <a:defRPr lang="en-US">
+                <a:solidFill>
+                  <a:schemeClr val="tx1">
+                    <a:lumMod val="65000"/>
+                    <a:lumOff val="35000"/>
+                  </a:schemeClr>
+                </a:solidFill>
+              </a:defRPr>
+            </a:lvl1pPr>
+          </a:lstStyle>
+          <a:p>
+            <a:pPr marL="0" lvl="0" indent="0">
+              <a:buNone/>
+            </a:pPr>
+            <a:r>
+              <a:rPr lang="ja-JP" altLang="en-US"/>
+              <a:t>マスター テキストの書式設定</a:t>
+            </a:r>
+          </a:p>
+        </p:txBody>
+      </p:sp>
+      <p:sp>
+        <p:nvSpPr>
+          <p:cNvPr id="5" name="Date Placeholder 4"/>
+          <p:cNvSpPr>
+            <a:spLocks noGrp="1"/>
+          </p:cNvSpPr>
+          <p:nvPr>
+            <p:ph type="dt" sz="half" idx="10"/>
+          </p:nvPr>
+        </p:nvSpPr>
+        <p:spPr/>
+        <p:txBody>
+          <a:bodyPr/>
+          <a:lstStyle/>
+          <a:p>
+            <a:fld id="{925E6D9D-9AD4-4F5D-AD35-0F310E293712}" type="datetimeFigureOut">
+              <a:rPr lang="en-US" smtClean="0"/>
+              <a:t>3/20/2025</a:t>
+            </a:fld>
+            <a:endParaRPr lang="en-US"/>
+          </a:p>
+        </p:txBody>
+      </p:sp>
+      <p:sp>
+        <p:nvSpPr>
+          <p:cNvPr id="6" name="Footer Placeholder 5"/>
+          <p:cNvSpPr>
+            <a:spLocks noGrp="1"/>
+          </p:cNvSpPr>
+          <p:nvPr>
+            <p:ph type="ftr" sz="quarter" idx="11"/>
+          </p:nvPr>
+        </p:nvSpPr>
+        <p:spPr/>
+        <p:txBody>
+          <a:bodyPr/>
+          <a:lstStyle/>
+          <a:p>
+            <a:endParaRPr lang="en-US"/>
+          </a:p>
+        </p:txBody>
+      </p:sp>
+      <p:sp>
+        <p:nvSpPr>
+          <p:cNvPr id="11" name="Freeform 11"/>
+          <p:cNvSpPr/>
+          <p:nvPr/>
+        </p:nvSpPr>
+        <p:spPr bwMode="auto">
+          <a:xfrm flipV="1">
+            <a:off x="-4189" y="4911725"/>
+            <a:ext cx="1588527" cy="507297"/>
+          </a:xfrm>
+          <a:custGeom>
+            <a:avLst/>
+            <a:gdLst/>
+            <a:ahLst/>
+            <a:cxnLst/>
+            <a:rect l="l" t="t" r="r" b="b"/>
+            <a:pathLst>
+              <a:path w="9248" h="10000">
+                <a:moveTo>
+                  <a:pt x="9248" y="4701"/>
+                </a:moveTo>
+                <a:lnTo>
+                  <a:pt x="7915" y="188"/>
+                </a:lnTo>
+                <a:cubicBezTo>
+                  <a:pt x="7906" y="156"/>
+                  <a:pt x="7895" y="126"/>
+                  <a:pt x="7886" y="94"/>
+                </a:cubicBezTo>
+                <a:cubicBezTo>
+                  <a:pt x="7859" y="0"/>
+                  <a:pt x="7831" y="0"/>
+                  <a:pt x="7803" y="0"/>
+                </a:cubicBezTo>
+                <a:lnTo>
+                  <a:pt x="7275" y="0"/>
+                </a:lnTo>
+                <a:lnTo>
+                  <a:pt x="0" y="70"/>
+                </a:lnTo>
+                <a:cubicBezTo>
+                  <a:pt x="8" y="3380"/>
+                  <a:pt x="17" y="6690"/>
+                  <a:pt x="25" y="10000"/>
+                </a:cubicBezTo>
+                <a:lnTo>
+                  <a:pt x="7275" y="9966"/>
+                </a:lnTo>
+                <a:lnTo>
+                  <a:pt x="7803" y="9966"/>
+                </a:lnTo>
+                <a:cubicBezTo>
+                  <a:pt x="7831" y="9966"/>
+                  <a:pt x="7859" y="9872"/>
+                  <a:pt x="7886" y="9872"/>
+                </a:cubicBezTo>
+                <a:cubicBezTo>
+                  <a:pt x="7886" y="9778"/>
+                  <a:pt x="7915" y="9778"/>
+                  <a:pt x="7915" y="9778"/>
+                </a:cubicBezTo>
+                <a:lnTo>
+                  <a:pt x="9248" y="5265"/>
+                </a:lnTo>
+                <a:cubicBezTo>
+                  <a:pt x="9303" y="5077"/>
+                  <a:pt x="9303" y="4889"/>
+                  <a:pt x="9248" y="4701"/>
+                </a:cubicBezTo>
+                <a:close/>
+              </a:path>
+            </a:pathLst>
+          </a:custGeom>
+          <a:solidFill>
+            <a:schemeClr val="accent1"/>
+          </a:solidFill>
+          <a:ln>
+            <a:noFill/>
+          </a:ln>
+        </p:spPr>
+      </p:sp>
+      <p:sp>
+        <p:nvSpPr>
+          <p:cNvPr id="7" name="Slide Number Placeholder 6"/>
+          <p:cNvSpPr>
+            <a:spLocks noGrp="1"/>
+          </p:cNvSpPr>
+          <p:nvPr>
+            <p:ph type="sldNum" sz="quarter" idx="12"/>
+          </p:nvPr>
+        </p:nvSpPr>
+        <p:spPr>
+          <a:xfrm>
+            <a:off x="531812" y="4983087"/>
+            <a:ext cx="779767" cy="365125"/>
+          </a:xfrm>
+        </p:spPr>
+        <p:txBody>
+          <a:bodyPr/>
+          <a:lstStyle/>
+          <a:p>
+            <a:fld id="{DFB5B85A-3DB8-4CD4-B53F-296D1B79C848}" type="slidenum">
+              <a:rPr lang="en-US" smtClean="0"/>
+              <a:t>‹#›</a:t>
+            </a:fld>
+            <a:endParaRPr lang="en-US"/>
+          </a:p>
+        </p:txBody>
+      </p:sp>
+      <p:sp>
+        <p:nvSpPr>
+          <p:cNvPr id="17" name="TextBox 16"/>
+          <p:cNvSpPr txBox="1"/>
+          <p:nvPr/>
+        </p:nvSpPr>
+        <p:spPr>
+          <a:xfrm>
+            <a:off x="2467652" y="648005"/>
+            <a:ext cx="609600" cy="584776"/>
+          </a:xfrm>
+          <a:prstGeom prst="rect">
+            <a:avLst/>
+          </a:prstGeom>
+        </p:spPr>
+        <p:txBody>
+          <a:bodyPr vert="horz" lIns="91440" tIns="45720" rIns="91440" bIns="45720" rtlCol="0" anchor="ctr">
+            <a:noAutofit/>
+          </a:bodyPr>
+          <a:lstStyle/>
+          <a:p>
+            <a:pPr lvl="0"/>
+            <a:r>
+              <a:rPr lang="en-US" sz="8000" baseline="0" dirty="0">
+                <a:ln w="3175" cmpd="sng">
+                  <a:noFill/>
+                </a:ln>
+                <a:solidFill>
+                  <a:schemeClr val="accent1"/>
+                </a:solidFill>
+                <a:effectLst/>
+                <a:latin typeface="Arial"/>
+              </a:rPr>
+              <a:t>“</a:t>
+            </a:r>
+          </a:p>
+        </p:txBody>
+      </p:sp>
+      <p:sp>
+        <p:nvSpPr>
+          <p:cNvPr id="18" name="TextBox 17"/>
+          <p:cNvSpPr txBox="1"/>
+          <p:nvPr/>
+        </p:nvSpPr>
+        <p:spPr>
+          <a:xfrm>
+            <a:off x="11114852" y="2905306"/>
+            <a:ext cx="609600" cy="584776"/>
+          </a:xfrm>
+          <a:prstGeom prst="rect">
+            <a:avLst/>
+          </a:prstGeom>
+        </p:spPr>
+        <p:txBody>
+          <a:bodyPr vert="horz" lIns="91440" tIns="45720" rIns="91440" bIns="45720" rtlCol="0" anchor="ctr">
+            <a:noAutofit/>
+          </a:bodyPr>
+          <a:lstStyle/>
+          <a:p>
+            <a:pPr lvl="0"/>
+            <a:r>
+              <a:rPr lang="en-US" sz="8000" baseline="0" dirty="0">
+                <a:ln w="3175" cmpd="sng">
+                  <a:noFill/>
+                </a:ln>
+                <a:solidFill>
+                  <a:schemeClr val="accent1"/>
+                </a:solidFill>
+                <a:effectLst/>
+                <a:latin typeface="Arial"/>
+              </a:rPr>
+              <a:t>”</a:t>
+            </a:r>
+          </a:p>
+        </p:txBody>
+      </p:sp>
+    </p:spTree>
+    <p:extLst>
+      <p:ext uri="{BB962C8B-B14F-4D97-AF65-F5344CB8AC3E}">
+        <p14:creationId xmlns:p14="http://schemas.microsoft.com/office/powerpoint/2010/main" val="3715460194"/>
+      </p:ext>
+    </p:extLst>
+  </p:cSld>
+  <p:clrMapOvr>
+    <a:masterClrMapping/>
+  </p:clrMapOvr>
+</p:sldLayout>
+</file>
+
+<file path=ppt/slideLayouts/slideLayout14.xml><?xml version="1.0" encoding="utf-8"?>
+<p:sldLayout xmlns:a="http://schemas.openxmlformats.org/drawingml/2006/main" xmlns:r="http://schemas.openxmlformats.org/officeDocument/2006/relationships" xmlns:p="http://schemas.openxmlformats.org/presentationml/2006/main" preserve="1">
+  <p:cSld name="真または偽">
+    <p:spTree>
+      <p:nvGrpSpPr>
+        <p:cNvPr id="1" name=""/>
+        <p:cNvGrpSpPr/>
+        <p:nvPr/>
+      </p:nvGrpSpPr>
+      <p:grpSpPr>
+        <a:xfrm>
+          <a:off x="0" y="0"/>
+          <a:ext cx="0" cy="0"/>
+          <a:chOff x="0" y="0"/>
+          <a:chExt cx="0" cy="0"/>
+        </a:xfrm>
+      </p:grpSpPr>
+      <p:sp>
+        <p:nvSpPr>
+          <p:cNvPr id="2" name="Title 1"/>
+          <p:cNvSpPr>
+            <a:spLocks noGrp="1"/>
+          </p:cNvSpPr>
+          <p:nvPr>
+            <p:ph type="title"/>
+          </p:nvPr>
+        </p:nvSpPr>
+        <p:spPr>
+          <a:xfrm>
+            <a:off x="2589212" y="627407"/>
+            <a:ext cx="8915399" cy="2880020"/>
+          </a:xfrm>
+        </p:spPr>
+        <p:txBody>
+          <a:bodyPr anchor="ctr">
+            <a:normAutofit/>
+          </a:bodyPr>
+          <a:lstStyle>
+            <a:lvl1pPr algn="l">
+              <a:defRPr sz="4800" b="0"/>
+            </a:lvl1pPr>
+          </a:lstStyle>
+          <a:p>
+            <a:r>
+              <a:rPr lang="ja-JP" altLang="en-US"/>
+              <a:t>マスター タイトルの書式設定</a:t>
+            </a:r>
+            <a:endParaRPr lang="en-US" dirty="0"/>
+          </a:p>
+        </p:txBody>
+      </p:sp>
+      <p:sp>
+        <p:nvSpPr>
+          <p:cNvPr id="21" name="Text Placeholder 9"/>
+          <p:cNvSpPr>
+            <a:spLocks noGrp="1"/>
+          </p:cNvSpPr>
+          <p:nvPr>
+            <p:ph type="body" sz="quarter" idx="13"/>
+          </p:nvPr>
+        </p:nvSpPr>
+        <p:spPr>
+          <a:xfrm>
+            <a:off x="2589212" y="4343400"/>
+            <a:ext cx="8915400" cy="838200"/>
+          </a:xfrm>
+        </p:spPr>
+        <p:txBody>
+          <a:bodyPr anchor="b">
+            <a:noAutofit/>
+          </a:bodyPr>
+          <a:lstStyle>
+            <a:lvl1pPr marL="0" indent="0">
+              <a:buFontTx/>
+              <a:buNone/>
+              <a:defRPr sz="2400">
+                <a:solidFill>
+                  <a:schemeClr val="accent1"/>
+                </a:solidFill>
+              </a:defRPr>
+            </a:lvl1pPr>
+            <a:lvl2pPr marL="457200" indent="0">
+              <a:buFontTx/>
+              <a:buNone/>
+              <a:defRPr/>
+            </a:lvl2pPr>
+            <a:lvl3pPr marL="914400" indent="0">
+              <a:buFontTx/>
+              <a:buNone/>
+              <a:defRPr/>
+            </a:lvl3pPr>
+            <a:lvl4pPr marL="1371600" indent="0">
+              <a:buFontTx/>
+              <a:buNone/>
+              <a:defRPr/>
+            </a:lvl4pPr>
+            <a:lvl5pPr marL="1828800" indent="0">
+              <a:buFontTx/>
+              <a:buNone/>
+              <a:defRPr/>
+            </a:lvl5pPr>
+          </a:lstStyle>
+          <a:p>
+            <a:pPr lvl="0"/>
+            <a:r>
+              <a:rPr lang="ja-JP" altLang="en-US"/>
+              <a:t>マスター テキストの書式設定</a:t>
+            </a:r>
+          </a:p>
+        </p:txBody>
+      </p:sp>
+      <p:sp>
+        <p:nvSpPr>
+          <p:cNvPr id="4" name="Text Placeholder 3"/>
+          <p:cNvSpPr>
+            <a:spLocks noGrp="1"/>
+          </p:cNvSpPr>
+          <p:nvPr>
+            <p:ph type="body" sz="half" idx="2"/>
+          </p:nvPr>
+        </p:nvSpPr>
+        <p:spPr>
+          <a:xfrm>
+            <a:off x="2589213" y="5181600"/>
+            <a:ext cx="8915400" cy="729622"/>
+          </a:xfrm>
+        </p:spPr>
+        <p:txBody>
+          <a:bodyPr vert="horz" lIns="91440" tIns="45720" rIns="91440" bIns="45720" rtlCol="0" anchor="t">
+            <a:normAutofit/>
+          </a:bodyPr>
+          <a:lstStyle>
+            <a:lvl1pPr>
+              <a:buNone/>
+              <a:defRPr lang="en-US">
+                <a:solidFill>
+                  <a:schemeClr val="tx1">
+                    <a:lumMod val="65000"/>
+                    <a:lumOff val="35000"/>
+                  </a:schemeClr>
+                </a:solidFill>
+              </a:defRPr>
+            </a:lvl1pPr>
+          </a:lstStyle>
+          <a:p>
+            <a:pPr marL="0" lvl="0" indent="0">
+              <a:buNone/>
+            </a:pPr>
+            <a:r>
+              <a:rPr lang="ja-JP" altLang="en-US"/>
+              <a:t>マスター テキストの書式設定</a:t>
+            </a:r>
+          </a:p>
+        </p:txBody>
+      </p:sp>
+      <p:sp>
+        <p:nvSpPr>
+          <p:cNvPr id="5" name="Date Placeholder 4"/>
+          <p:cNvSpPr>
+            <a:spLocks noGrp="1"/>
+          </p:cNvSpPr>
+          <p:nvPr>
+            <p:ph type="dt" sz="half" idx="10"/>
+          </p:nvPr>
+        </p:nvSpPr>
+        <p:spPr/>
+        <p:txBody>
+          <a:bodyPr/>
+          <a:lstStyle/>
+          <a:p>
+            <a:fld id="{925E6D9D-9AD4-4F5D-AD35-0F310E293712}" type="datetimeFigureOut">
+              <a:rPr lang="en-US" smtClean="0"/>
+              <a:t>3/20/2025</a:t>
+            </a:fld>
+            <a:endParaRPr lang="en-US"/>
+          </a:p>
+        </p:txBody>
+      </p:sp>
+      <p:sp>
+        <p:nvSpPr>
+          <p:cNvPr id="6" name="Footer Placeholder 5"/>
+          <p:cNvSpPr>
+            <a:spLocks noGrp="1"/>
+          </p:cNvSpPr>
+          <p:nvPr>
+            <p:ph type="ftr" sz="quarter" idx="11"/>
+          </p:nvPr>
+        </p:nvSpPr>
+        <p:spPr/>
+        <p:txBody>
+          <a:bodyPr/>
+          <a:lstStyle/>
+          <a:p>
+            <a:endParaRPr lang="en-US"/>
+          </a:p>
+        </p:txBody>
+      </p:sp>
+      <p:sp>
+        <p:nvSpPr>
+          <p:cNvPr id="9" name="Freeform 11"/>
+          <p:cNvSpPr/>
+          <p:nvPr/>
+        </p:nvSpPr>
+        <p:spPr bwMode="auto">
+          <a:xfrm flipV="1">
+            <a:off x="-4189" y="4911725"/>
+            <a:ext cx="1588527" cy="507297"/>
+          </a:xfrm>
+          <a:custGeom>
+            <a:avLst/>
+            <a:gdLst/>
+            <a:ahLst/>
+            <a:cxnLst/>
+            <a:rect l="l" t="t" r="r" b="b"/>
+            <a:pathLst>
+              <a:path w="9248" h="10000">
+                <a:moveTo>
+                  <a:pt x="9248" y="4701"/>
+                </a:moveTo>
+                <a:lnTo>
+                  <a:pt x="7915" y="188"/>
+                </a:lnTo>
+                <a:cubicBezTo>
+                  <a:pt x="7906" y="156"/>
+                  <a:pt x="7895" y="126"/>
+                  <a:pt x="7886" y="94"/>
+                </a:cubicBezTo>
+                <a:cubicBezTo>
+                  <a:pt x="7859" y="0"/>
+                  <a:pt x="7831" y="0"/>
+                  <a:pt x="7803" y="0"/>
+                </a:cubicBezTo>
+                <a:lnTo>
+                  <a:pt x="7275" y="0"/>
+                </a:lnTo>
+                <a:lnTo>
+                  <a:pt x="0" y="70"/>
+                </a:lnTo>
+                <a:cubicBezTo>
+                  <a:pt x="8" y="3380"/>
+                  <a:pt x="17" y="6690"/>
+                  <a:pt x="25" y="10000"/>
+                </a:cubicBezTo>
+                <a:lnTo>
+                  <a:pt x="7275" y="9966"/>
+                </a:lnTo>
+                <a:lnTo>
+                  <a:pt x="7803" y="9966"/>
+                </a:lnTo>
+                <a:cubicBezTo>
+                  <a:pt x="7831" y="9966"/>
+                  <a:pt x="7859" y="9872"/>
+                  <a:pt x="7886" y="9872"/>
+                </a:cubicBezTo>
+                <a:cubicBezTo>
+                  <a:pt x="7886" y="9778"/>
+                  <a:pt x="7915" y="9778"/>
+                  <a:pt x="7915" y="9778"/>
+                </a:cubicBezTo>
+                <a:lnTo>
+                  <a:pt x="9248" y="5265"/>
+                </a:lnTo>
+                <a:cubicBezTo>
+                  <a:pt x="9303" y="5077"/>
+                  <a:pt x="9303" y="4889"/>
+                  <a:pt x="9248" y="4701"/>
+                </a:cubicBezTo>
+                <a:close/>
+              </a:path>
+            </a:pathLst>
+          </a:custGeom>
+          <a:solidFill>
+            <a:schemeClr val="accent1"/>
+          </a:solidFill>
+          <a:ln>
+            <a:noFill/>
+          </a:ln>
+        </p:spPr>
+      </p:sp>
+      <p:sp>
+        <p:nvSpPr>
+          <p:cNvPr id="7" name="Slide Number Placeholder 6"/>
+          <p:cNvSpPr>
+            <a:spLocks noGrp="1"/>
+          </p:cNvSpPr>
+          <p:nvPr>
+            <p:ph type="sldNum" sz="quarter" idx="12"/>
+          </p:nvPr>
+        </p:nvSpPr>
+        <p:spPr>
+          <a:xfrm>
+            <a:off x="531812" y="4983087"/>
+            <a:ext cx="779767" cy="365125"/>
+          </a:xfrm>
+        </p:spPr>
+        <p:txBody>
+          <a:bodyPr/>
+          <a:lstStyle/>
+          <a:p>
+            <a:fld id="{DFB5B85A-3DB8-4CD4-B53F-296D1B79C848}" type="slidenum">
+              <a:rPr lang="en-US" smtClean="0"/>
+              <a:t>‹#›</a:t>
+            </a:fld>
+            <a:endParaRPr lang="en-US"/>
+          </a:p>
+        </p:txBody>
+      </p:sp>
+    </p:spTree>
+    <p:extLst>
+      <p:ext uri="{BB962C8B-B14F-4D97-AF65-F5344CB8AC3E}">
+        <p14:creationId xmlns:p14="http://schemas.microsoft.com/office/powerpoint/2010/main" val="137250126"/>
+      </p:ext>
+    </p:extLst>
+  </p:cSld>
+  <p:clrMapOvr>
+    <a:masterClrMapping/>
+  </p:clrMapOvr>
+</p:sldLayout>
+</file>
+
+<file path=ppt/slideLayouts/slideLayout15.xml><?xml version="1.0" encoding="utf-8"?>
 <p:sldLayout xmlns:a="http://schemas.openxmlformats.org/drawingml/2006/main" xmlns:r="http://schemas.openxmlformats.org/officeDocument/2006/relationships" xmlns:p="http://schemas.openxmlformats.org/presentationml/2006/main" type="vertTx" preserve="1">
   <p:cSld name="タイトルと縦書きテキスト">
     <p:spTree>
@@ -356,13 +2260,7 @@
       </p:grpSpPr>
       <p:sp>
         <p:nvSpPr>
-          <p:cNvPr id="2" name="タイトル 1">
-            <a:extLst>
-              <a:ext uri="{FF2B5EF4-FFF2-40B4-BE49-F238E27FC236}">
-                <a16:creationId xmlns:a16="http://schemas.microsoft.com/office/drawing/2014/main" id="{217771E8-93F5-40A6-B383-D2EF6443F381}"/>
-              </a:ext>
-            </a:extLst>
-          </p:cNvPr>
+          <p:cNvPr id="2" name="Title 1"/>
           <p:cNvSpPr>
             <a:spLocks noGrp="1"/>
           </p:cNvSpPr>
@@ -379,19 +2277,13 @@
               <a:rPr lang="ja-JP" altLang="en-US"/>
               <a:t>マスター タイトルの書式設定</a:t>
             </a:r>
-            <a:endParaRPr lang="en-US"/>
-          </a:p>
-        </p:txBody>
-      </p:sp>
-      <p:sp>
-        <p:nvSpPr>
-          <p:cNvPr id="3" name="縦書きテキスト プレースホルダー 2">
-            <a:extLst>
-              <a:ext uri="{FF2B5EF4-FFF2-40B4-BE49-F238E27FC236}">
-                <a16:creationId xmlns:a16="http://schemas.microsoft.com/office/drawing/2014/main" id="{BAC2A9B1-4ADF-4876-BB20-9AEF6305EC0D}"/>
-              </a:ext>
-            </a:extLst>
-          </p:cNvPr>
+            <a:endParaRPr lang="en-US" dirty="0"/>
+          </a:p>
+        </p:txBody>
+      </p:sp>
+      <p:sp>
+        <p:nvSpPr>
+          <p:cNvPr id="3" name="Vertical Text Placeholder 2"/>
           <p:cNvSpPr>
             <a:spLocks noGrp="1"/>
           </p:cNvSpPr>
@@ -401,7 +2293,7 @@
         </p:nvSpPr>
         <p:spPr/>
         <p:txBody>
-          <a:bodyPr vert="eaVert"/>
+          <a:bodyPr vert="eaVert" anchor="t"/>
           <a:lstStyle/>
           <a:p>
             <a:pPr lvl="0"/>
@@ -469,19 +2361,13 @@
               <a:rPr lang="ja-JP" altLang="en-US"/>
               <a:t>レベル</a:t>
             </a:r>
-            <a:endParaRPr lang="en-US"/>
-          </a:p>
-        </p:txBody>
-      </p:sp>
-      <p:sp>
-        <p:nvSpPr>
-          <p:cNvPr id="4" name="日付プレースホルダー 3">
-            <a:extLst>
-              <a:ext uri="{FF2B5EF4-FFF2-40B4-BE49-F238E27FC236}">
-                <a16:creationId xmlns:a16="http://schemas.microsoft.com/office/drawing/2014/main" id="{F74C58FE-D7B8-409D-BA58-E1644E71EE29}"/>
-              </a:ext>
-            </a:extLst>
-          </p:cNvPr>
+            <a:endParaRPr lang="en-US" dirty="0"/>
+          </a:p>
+        </p:txBody>
+      </p:sp>
+      <p:sp>
+        <p:nvSpPr>
+          <p:cNvPr id="4" name="Date Placeholder 3"/>
           <p:cNvSpPr>
             <a:spLocks noGrp="1"/>
           </p:cNvSpPr>
@@ -496,7 +2382,7 @@
           <a:p>
             <a:fld id="{925E6D9D-9AD4-4F5D-AD35-0F310E293712}" type="datetimeFigureOut">
               <a:rPr lang="en-US" smtClean="0"/>
-              <a:t>3/18/2025</a:t>
+              <a:t>3/20/2025</a:t>
             </a:fld>
             <a:endParaRPr lang="en-US"/>
           </a:p>
@@ -504,13 +2390,7 @@
       </p:sp>
       <p:sp>
         <p:nvSpPr>
-          <p:cNvPr id="5" name="フッター プレースホルダー 4">
-            <a:extLst>
-              <a:ext uri="{FF2B5EF4-FFF2-40B4-BE49-F238E27FC236}">
-                <a16:creationId xmlns:a16="http://schemas.microsoft.com/office/drawing/2014/main" id="{1F92F6EC-BF20-4B85-9DA4-8CAEC8B2282A}"/>
-              </a:ext>
-            </a:extLst>
-          </p:cNvPr>
+          <p:cNvPr id="5" name="Footer Placeholder 4"/>
           <p:cNvSpPr>
             <a:spLocks noGrp="1"/>
           </p:cNvSpPr>
@@ -529,13 +2409,89 @@
       </p:sp>
       <p:sp>
         <p:nvSpPr>
-          <p:cNvPr id="6" name="スライド番号プレースホルダー 5">
-            <a:extLst>
-              <a:ext uri="{FF2B5EF4-FFF2-40B4-BE49-F238E27FC236}">
-                <a16:creationId xmlns:a16="http://schemas.microsoft.com/office/drawing/2014/main" id="{98E5775F-8B5C-4411-ABF9-AC7708AE0254}"/>
-              </a:ext>
-            </a:extLst>
-          </p:cNvPr>
+          <p:cNvPr id="8" name="Freeform 11"/>
+          <p:cNvSpPr/>
+          <p:nvPr/>
+        </p:nvSpPr>
+        <p:spPr bwMode="auto">
+          <a:xfrm flipV="1">
+            <a:off x="-4189" y="714375"/>
+            <a:ext cx="1588527" cy="507297"/>
+          </a:xfrm>
+          <a:custGeom>
+            <a:avLst/>
+            <a:gdLst/>
+            <a:ahLst/>
+            <a:cxnLst/>
+            <a:rect l="l" t="t" r="r" b="b"/>
+            <a:pathLst>
+              <a:path w="9248" h="10000">
+                <a:moveTo>
+                  <a:pt x="9248" y="4701"/>
+                </a:moveTo>
+                <a:lnTo>
+                  <a:pt x="7915" y="188"/>
+                </a:lnTo>
+                <a:cubicBezTo>
+                  <a:pt x="7906" y="156"/>
+                  <a:pt x="7895" y="126"/>
+                  <a:pt x="7886" y="94"/>
+                </a:cubicBezTo>
+                <a:cubicBezTo>
+                  <a:pt x="7859" y="0"/>
+                  <a:pt x="7831" y="0"/>
+                  <a:pt x="7803" y="0"/>
+                </a:cubicBezTo>
+                <a:lnTo>
+                  <a:pt x="7275" y="0"/>
+                </a:lnTo>
+                <a:lnTo>
+                  <a:pt x="0" y="70"/>
+                </a:lnTo>
+                <a:cubicBezTo>
+                  <a:pt x="8" y="3380"/>
+                  <a:pt x="17" y="6690"/>
+                  <a:pt x="25" y="10000"/>
+                </a:cubicBezTo>
+                <a:lnTo>
+                  <a:pt x="7275" y="9966"/>
+                </a:lnTo>
+                <a:lnTo>
+                  <a:pt x="7803" y="9966"/>
+                </a:lnTo>
+                <a:cubicBezTo>
+                  <a:pt x="7831" y="9966"/>
+                  <a:pt x="7859" y="9872"/>
+                  <a:pt x="7886" y="9872"/>
+                </a:cubicBezTo>
+                <a:cubicBezTo>
+                  <a:pt x="7886" y="9778"/>
+                  <a:pt x="7915" y="9778"/>
+                  <a:pt x="7915" y="9778"/>
+                </a:cubicBezTo>
+                <a:lnTo>
+                  <a:pt x="9248" y="5265"/>
+                </a:lnTo>
+                <a:cubicBezTo>
+                  <a:pt x="9303" y="5077"/>
+                  <a:pt x="9303" y="4889"/>
+                  <a:pt x="9248" y="4701"/>
+                </a:cubicBezTo>
+                <a:close/>
+              </a:path>
+            </a:pathLst>
+          </a:custGeom>
+          <a:solidFill>
+            <a:schemeClr val="accent1"/>
+          </a:solidFill>
+          <a:ln>
+            <a:noFill/>
+          </a:ln>
+        </p:spPr>
+      </p:sp>
+      <p:sp>
+        <p:nvSpPr>
+          <p:cNvPr id="6" name="Slide Number Placeholder 5"/>
           <p:cNvSpPr>
             <a:spLocks noGrp="1"/>
           </p:cNvSpPr>
@@ -559,7 +2515,7 @@
     </p:spTree>
     <p:extLst>
       <p:ext uri="{BB962C8B-B14F-4D97-AF65-F5344CB8AC3E}">
-        <p14:creationId xmlns:p14="http://schemas.microsoft.com/office/powerpoint/2010/main" val="1735159367"/>
+        <p14:creationId xmlns:p14="http://schemas.microsoft.com/office/powerpoint/2010/main" val="1569110038"/>
       </p:ext>
     </p:extLst>
   </p:cSld>
@@ -569,7 +2525,7 @@
 </p:sldLayout>
 </file>
 
-<file path=ppt/slideLayouts/slideLayout11.xml><?xml version="1.0" encoding="utf-8"?>
+<file path=ppt/slideLayouts/slideLayout16.xml><?xml version="1.0" encoding="utf-8"?>
 <p:sldLayout xmlns:a="http://schemas.openxmlformats.org/drawingml/2006/main" xmlns:r="http://schemas.openxmlformats.org/officeDocument/2006/relationships" xmlns:p="http://schemas.openxmlformats.org/presentationml/2006/main" type="vertTitleAndTx" preserve="1">
   <p:cSld name="縦書きタイトルと&#10;縦書きテキスト">
     <p:spTree>
@@ -588,13 +2544,7 @@
       </p:grpSpPr>
       <p:sp>
         <p:nvSpPr>
-          <p:cNvPr id="2" name="縦書きタイトル 1">
-            <a:extLst>
-              <a:ext uri="{FF2B5EF4-FFF2-40B4-BE49-F238E27FC236}">
-                <a16:creationId xmlns:a16="http://schemas.microsoft.com/office/drawing/2014/main" id="{B0AE678B-9B94-42B1-9540-D92B0272741C}"/>
-              </a:ext>
-            </a:extLst>
-          </p:cNvPr>
+          <p:cNvPr id="2" name="Vertical Title 1"/>
           <p:cNvSpPr>
             <a:spLocks noGrp="1"/>
           </p:cNvSpPr>
@@ -604,48 +2554,42 @@
         </p:nvSpPr>
         <p:spPr>
           <a:xfrm>
-            <a:off x="8724900" y="365125"/>
-            <a:ext cx="2628900" cy="5811838"/>
+            <a:off x="9294812" y="627405"/>
+            <a:ext cx="2207601" cy="5283817"/>
           </a:xfrm>
         </p:spPr>
         <p:txBody>
+          <a:bodyPr vert="eaVert" anchor="ctr"/>
+          <a:lstStyle/>
+          <a:p>
+            <a:r>
+              <a:rPr lang="ja-JP" altLang="en-US"/>
+              <a:t>マスター タイトルの書式設定</a:t>
+            </a:r>
+            <a:endParaRPr lang="en-US" dirty="0"/>
+          </a:p>
+        </p:txBody>
+      </p:sp>
+      <p:sp>
+        <p:nvSpPr>
+          <p:cNvPr id="3" name="Vertical Text Placeholder 2"/>
+          <p:cNvSpPr>
+            <a:spLocks noGrp="1"/>
+          </p:cNvSpPr>
+          <p:nvPr>
+            <p:ph type="body" orient="vert" idx="1"/>
+          </p:nvPr>
+        </p:nvSpPr>
+        <p:spPr>
+          <a:xfrm>
+            <a:off x="2589212" y="627405"/>
+            <a:ext cx="6477000" cy="5283817"/>
+          </a:xfrm>
+        </p:spPr>
+        <p:txBody>
           <a:bodyPr vert="eaVert"/>
           <a:lstStyle/>
           <a:p>
-            <a:r>
-              <a:rPr lang="ja-JP" altLang="en-US"/>
-              <a:t>マスター タイトルの書式設定</a:t>
-            </a:r>
-            <a:endParaRPr lang="en-US"/>
-          </a:p>
-        </p:txBody>
-      </p:sp>
-      <p:sp>
-        <p:nvSpPr>
-          <p:cNvPr id="3" name="縦書きテキスト プレースホルダー 2">
-            <a:extLst>
-              <a:ext uri="{FF2B5EF4-FFF2-40B4-BE49-F238E27FC236}">
-                <a16:creationId xmlns:a16="http://schemas.microsoft.com/office/drawing/2014/main" id="{F94783CD-7851-42FB-A806-58AD72C36400}"/>
-              </a:ext>
-            </a:extLst>
-          </p:cNvPr>
-          <p:cNvSpPr>
-            <a:spLocks noGrp="1"/>
-          </p:cNvSpPr>
-          <p:nvPr>
-            <p:ph type="body" orient="vert" idx="1"/>
-          </p:nvPr>
-        </p:nvSpPr>
-        <p:spPr>
-          <a:xfrm>
-            <a:off x="838200" y="365125"/>
-            <a:ext cx="7734300" cy="5811838"/>
-          </a:xfrm>
-        </p:spPr>
-        <p:txBody>
-          <a:bodyPr vert="eaVert"/>
-          <a:lstStyle/>
-          <a:p>
             <a:pPr lvl="0"/>
             <a:r>
               <a:rPr lang="ja-JP" altLang="en-US"/>
@@ -711,19 +2655,13 @@
               <a:rPr lang="ja-JP" altLang="en-US"/>
               <a:t>レベル</a:t>
             </a:r>
-            <a:endParaRPr lang="en-US"/>
-          </a:p>
-        </p:txBody>
-      </p:sp>
-      <p:sp>
-        <p:nvSpPr>
-          <p:cNvPr id="4" name="日付プレースホルダー 3">
-            <a:extLst>
-              <a:ext uri="{FF2B5EF4-FFF2-40B4-BE49-F238E27FC236}">
-                <a16:creationId xmlns:a16="http://schemas.microsoft.com/office/drawing/2014/main" id="{E31EC5E4-72E9-4CA2-B7A2-992273124D5A}"/>
-              </a:ext>
-            </a:extLst>
-          </p:cNvPr>
+            <a:endParaRPr lang="en-US" dirty="0"/>
+          </a:p>
+        </p:txBody>
+      </p:sp>
+      <p:sp>
+        <p:nvSpPr>
+          <p:cNvPr id="4" name="Date Placeholder 3"/>
           <p:cNvSpPr>
             <a:spLocks noGrp="1"/>
           </p:cNvSpPr>
@@ -738,7 +2676,7 @@
           <a:p>
             <a:fld id="{925E6D9D-9AD4-4F5D-AD35-0F310E293712}" type="datetimeFigureOut">
               <a:rPr lang="en-US" smtClean="0"/>
-              <a:t>3/18/2025</a:t>
+              <a:t>3/20/2025</a:t>
             </a:fld>
             <a:endParaRPr lang="en-US"/>
           </a:p>
@@ -746,13 +2684,7 @@
       </p:sp>
       <p:sp>
         <p:nvSpPr>
-          <p:cNvPr id="5" name="フッター プレースホルダー 4">
-            <a:extLst>
-              <a:ext uri="{FF2B5EF4-FFF2-40B4-BE49-F238E27FC236}">
-                <a16:creationId xmlns:a16="http://schemas.microsoft.com/office/drawing/2014/main" id="{139FA5B9-43AA-4D49-86C6-744965A39822}"/>
-              </a:ext>
-            </a:extLst>
-          </p:cNvPr>
+          <p:cNvPr id="5" name="Footer Placeholder 4"/>
           <p:cNvSpPr>
             <a:spLocks noGrp="1"/>
           </p:cNvSpPr>
@@ -771,13 +2703,89 @@
       </p:sp>
       <p:sp>
         <p:nvSpPr>
-          <p:cNvPr id="6" name="スライド番号プレースホルダー 5">
-            <a:extLst>
-              <a:ext uri="{FF2B5EF4-FFF2-40B4-BE49-F238E27FC236}">
-                <a16:creationId xmlns:a16="http://schemas.microsoft.com/office/drawing/2014/main" id="{85997E10-B2C7-4968-8A56-3F5FEFE1EB3E}"/>
-              </a:ext>
-            </a:extLst>
-          </p:cNvPr>
+          <p:cNvPr id="8" name="Freeform 11"/>
+          <p:cNvSpPr/>
+          <p:nvPr/>
+        </p:nvSpPr>
+        <p:spPr bwMode="auto">
+          <a:xfrm flipV="1">
+            <a:off x="-4189" y="714375"/>
+            <a:ext cx="1588527" cy="507297"/>
+          </a:xfrm>
+          <a:custGeom>
+            <a:avLst/>
+            <a:gdLst/>
+            <a:ahLst/>
+            <a:cxnLst/>
+            <a:rect l="l" t="t" r="r" b="b"/>
+            <a:pathLst>
+              <a:path w="9248" h="10000">
+                <a:moveTo>
+                  <a:pt x="9248" y="4701"/>
+                </a:moveTo>
+                <a:lnTo>
+                  <a:pt x="7915" y="188"/>
+                </a:lnTo>
+                <a:cubicBezTo>
+                  <a:pt x="7906" y="156"/>
+                  <a:pt x="7895" y="126"/>
+                  <a:pt x="7886" y="94"/>
+                </a:cubicBezTo>
+                <a:cubicBezTo>
+                  <a:pt x="7859" y="0"/>
+                  <a:pt x="7831" y="0"/>
+                  <a:pt x="7803" y="0"/>
+                </a:cubicBezTo>
+                <a:lnTo>
+                  <a:pt x="7275" y="0"/>
+                </a:lnTo>
+                <a:lnTo>
+                  <a:pt x="0" y="70"/>
+                </a:lnTo>
+                <a:cubicBezTo>
+                  <a:pt x="8" y="3380"/>
+                  <a:pt x="17" y="6690"/>
+                  <a:pt x="25" y="10000"/>
+                </a:cubicBezTo>
+                <a:lnTo>
+                  <a:pt x="7275" y="9966"/>
+                </a:lnTo>
+                <a:lnTo>
+                  <a:pt x="7803" y="9966"/>
+                </a:lnTo>
+                <a:cubicBezTo>
+                  <a:pt x="7831" y="9966"/>
+                  <a:pt x="7859" y="9872"/>
+                  <a:pt x="7886" y="9872"/>
+                </a:cubicBezTo>
+                <a:cubicBezTo>
+                  <a:pt x="7886" y="9778"/>
+                  <a:pt x="7915" y="9778"/>
+                  <a:pt x="7915" y="9778"/>
+                </a:cubicBezTo>
+                <a:lnTo>
+                  <a:pt x="9248" y="5265"/>
+                </a:lnTo>
+                <a:cubicBezTo>
+                  <a:pt x="9303" y="5077"/>
+                  <a:pt x="9303" y="4889"/>
+                  <a:pt x="9248" y="4701"/>
+                </a:cubicBezTo>
+                <a:close/>
+              </a:path>
+            </a:pathLst>
+          </a:custGeom>
+          <a:solidFill>
+            <a:schemeClr val="accent1"/>
+          </a:solidFill>
+          <a:ln>
+            <a:noFill/>
+          </a:ln>
+        </p:spPr>
+      </p:sp>
+      <p:sp>
+        <p:nvSpPr>
+          <p:cNvPr id="6" name="Slide Number Placeholder 5"/>
           <p:cNvSpPr>
             <a:spLocks noGrp="1"/>
           </p:cNvSpPr>
@@ -801,7 +2809,7 @@
     </p:spTree>
     <p:extLst>
       <p:ext uri="{BB962C8B-B14F-4D97-AF65-F5344CB8AC3E}">
-        <p14:creationId xmlns:p14="http://schemas.microsoft.com/office/powerpoint/2010/main" val="1156778838"/>
+        <p14:creationId xmlns:p14="http://schemas.microsoft.com/office/powerpoint/2010/main" val="2174299480"/>
       </p:ext>
     </p:extLst>
   </p:cSld>
@@ -830,13 +2838,7 @@
       </p:grpSpPr>
       <p:sp>
         <p:nvSpPr>
-          <p:cNvPr id="2" name="タイトル 1">
-            <a:extLst>
-              <a:ext uri="{FF2B5EF4-FFF2-40B4-BE49-F238E27FC236}">
-                <a16:creationId xmlns:a16="http://schemas.microsoft.com/office/drawing/2014/main" id="{04C4D43B-1130-4B52-A059-1945737834A0}"/>
-              </a:ext>
-            </a:extLst>
-          </p:cNvPr>
+          <p:cNvPr id="2" name="Title 1"/>
           <p:cNvSpPr>
             <a:spLocks noGrp="1"/>
           </p:cNvSpPr>
@@ -844,7 +2846,12 @@
             <p:ph type="title"/>
           </p:nvPr>
         </p:nvSpPr>
-        <p:spPr/>
+        <p:spPr>
+          <a:xfrm>
+            <a:off x="2592925" y="624110"/>
+            <a:ext cx="8911687" cy="1280890"/>
+          </a:xfrm>
+        </p:spPr>
         <p:txBody>
           <a:bodyPr/>
           <a:lstStyle/>
@@ -853,19 +2860,13 @@
               <a:rPr lang="ja-JP" altLang="en-US"/>
               <a:t>マスター タイトルの書式設定</a:t>
             </a:r>
-            <a:endParaRPr lang="en-US"/>
-          </a:p>
-        </p:txBody>
-      </p:sp>
-      <p:sp>
-        <p:nvSpPr>
-          <p:cNvPr id="3" name="コンテンツ プレースホルダー 2">
-            <a:extLst>
-              <a:ext uri="{FF2B5EF4-FFF2-40B4-BE49-F238E27FC236}">
-                <a16:creationId xmlns:a16="http://schemas.microsoft.com/office/drawing/2014/main" id="{10E40CDE-B626-460A-A247-CFA935684ED2}"/>
-              </a:ext>
-            </a:extLst>
-          </p:cNvPr>
+            <a:endParaRPr lang="en-US" dirty="0"/>
+          </a:p>
+        </p:txBody>
+      </p:sp>
+      <p:sp>
+        <p:nvSpPr>
+          <p:cNvPr id="3" name="Content Placeholder 2"/>
           <p:cNvSpPr>
             <a:spLocks noGrp="1"/>
           </p:cNvSpPr>
@@ -873,7 +2874,12 @@
             <p:ph idx="1"/>
           </p:nvPr>
         </p:nvSpPr>
-        <p:spPr/>
+        <p:spPr>
+          <a:xfrm>
+            <a:off x="2589212" y="2133600"/>
+            <a:ext cx="8915400" cy="3777622"/>
+          </a:xfrm>
+        </p:spPr>
         <p:txBody>
           <a:bodyPr/>
           <a:lstStyle/>
@@ -943,19 +2949,13 @@
               <a:rPr lang="ja-JP" altLang="en-US"/>
               <a:t>レベル</a:t>
             </a:r>
-            <a:endParaRPr lang="en-US"/>
-          </a:p>
-        </p:txBody>
-      </p:sp>
-      <p:sp>
-        <p:nvSpPr>
-          <p:cNvPr id="4" name="日付プレースホルダー 3">
-            <a:extLst>
-              <a:ext uri="{FF2B5EF4-FFF2-40B4-BE49-F238E27FC236}">
-                <a16:creationId xmlns:a16="http://schemas.microsoft.com/office/drawing/2014/main" id="{C9934AFA-9512-4BEC-8F27-B0BFF95789B2}"/>
-              </a:ext>
-            </a:extLst>
-          </p:cNvPr>
+            <a:endParaRPr lang="en-US" dirty="0"/>
+          </a:p>
+        </p:txBody>
+      </p:sp>
+      <p:sp>
+        <p:nvSpPr>
+          <p:cNvPr id="4" name="Date Placeholder 3"/>
           <p:cNvSpPr>
             <a:spLocks noGrp="1"/>
           </p:cNvSpPr>
@@ -970,7 +2970,7 @@
           <a:p>
             <a:fld id="{925E6D9D-9AD4-4F5D-AD35-0F310E293712}" type="datetimeFigureOut">
               <a:rPr lang="en-US" smtClean="0"/>
-              <a:t>3/18/2025</a:t>
+              <a:t>3/20/2025</a:t>
             </a:fld>
             <a:endParaRPr lang="en-US"/>
           </a:p>
@@ -978,13 +2978,7 @@
       </p:sp>
       <p:sp>
         <p:nvSpPr>
-          <p:cNvPr id="5" name="フッター プレースホルダー 4">
-            <a:extLst>
-              <a:ext uri="{FF2B5EF4-FFF2-40B4-BE49-F238E27FC236}">
-                <a16:creationId xmlns:a16="http://schemas.microsoft.com/office/drawing/2014/main" id="{14F7510E-5ED0-4557-BDFF-39979ABFD003}"/>
-              </a:ext>
-            </a:extLst>
-          </p:cNvPr>
+          <p:cNvPr id="5" name="Footer Placeholder 4"/>
           <p:cNvSpPr>
             <a:spLocks noGrp="1"/>
           </p:cNvSpPr>
@@ -1003,13 +2997,89 @@
       </p:sp>
       <p:sp>
         <p:nvSpPr>
-          <p:cNvPr id="6" name="スライド番号プレースホルダー 5">
-            <a:extLst>
-              <a:ext uri="{FF2B5EF4-FFF2-40B4-BE49-F238E27FC236}">
-                <a16:creationId xmlns:a16="http://schemas.microsoft.com/office/drawing/2014/main" id="{CD918289-3CA5-44F6-AF18-4218DC222DD5}"/>
-              </a:ext>
-            </a:extLst>
-          </p:cNvPr>
+          <p:cNvPr id="8" name="Freeform 11"/>
+          <p:cNvSpPr/>
+          <p:nvPr/>
+        </p:nvSpPr>
+        <p:spPr bwMode="auto">
+          <a:xfrm flipV="1">
+            <a:off x="-4189" y="714375"/>
+            <a:ext cx="1588527" cy="507297"/>
+          </a:xfrm>
+          <a:custGeom>
+            <a:avLst/>
+            <a:gdLst/>
+            <a:ahLst/>
+            <a:cxnLst/>
+            <a:rect l="l" t="t" r="r" b="b"/>
+            <a:pathLst>
+              <a:path w="9248" h="10000">
+                <a:moveTo>
+                  <a:pt x="9248" y="4701"/>
+                </a:moveTo>
+                <a:lnTo>
+                  <a:pt x="7915" y="188"/>
+                </a:lnTo>
+                <a:cubicBezTo>
+                  <a:pt x="7906" y="156"/>
+                  <a:pt x="7895" y="126"/>
+                  <a:pt x="7886" y="94"/>
+                </a:cubicBezTo>
+                <a:cubicBezTo>
+                  <a:pt x="7859" y="0"/>
+                  <a:pt x="7831" y="0"/>
+                  <a:pt x="7803" y="0"/>
+                </a:cubicBezTo>
+                <a:lnTo>
+                  <a:pt x="7275" y="0"/>
+                </a:lnTo>
+                <a:lnTo>
+                  <a:pt x="0" y="70"/>
+                </a:lnTo>
+                <a:cubicBezTo>
+                  <a:pt x="8" y="3380"/>
+                  <a:pt x="17" y="6690"/>
+                  <a:pt x="25" y="10000"/>
+                </a:cubicBezTo>
+                <a:lnTo>
+                  <a:pt x="7275" y="9966"/>
+                </a:lnTo>
+                <a:lnTo>
+                  <a:pt x="7803" y="9966"/>
+                </a:lnTo>
+                <a:cubicBezTo>
+                  <a:pt x="7831" y="9966"/>
+                  <a:pt x="7859" y="9872"/>
+                  <a:pt x="7886" y="9872"/>
+                </a:cubicBezTo>
+                <a:cubicBezTo>
+                  <a:pt x="7886" y="9778"/>
+                  <a:pt x="7915" y="9778"/>
+                  <a:pt x="7915" y="9778"/>
+                </a:cubicBezTo>
+                <a:lnTo>
+                  <a:pt x="9248" y="5265"/>
+                </a:lnTo>
+                <a:cubicBezTo>
+                  <a:pt x="9303" y="5077"/>
+                  <a:pt x="9303" y="4889"/>
+                  <a:pt x="9248" y="4701"/>
+                </a:cubicBezTo>
+                <a:close/>
+              </a:path>
+            </a:pathLst>
+          </a:custGeom>
+          <a:solidFill>
+            <a:schemeClr val="accent1"/>
+          </a:solidFill>
+          <a:ln>
+            <a:noFill/>
+          </a:ln>
+        </p:spPr>
+      </p:sp>
+      <p:sp>
+        <p:nvSpPr>
+          <p:cNvPr id="6" name="Slide Number Placeholder 5"/>
           <p:cNvSpPr>
             <a:spLocks noGrp="1"/>
           </p:cNvSpPr>
@@ -1033,7 +3103,7 @@
     </p:spTree>
     <p:extLst>
       <p:ext uri="{BB962C8B-B14F-4D97-AF65-F5344CB8AC3E}">
-        <p14:creationId xmlns:p14="http://schemas.microsoft.com/office/powerpoint/2010/main" val="24395775"/>
+        <p14:creationId xmlns:p14="http://schemas.microsoft.com/office/powerpoint/2010/main" val="1059618277"/>
       </p:ext>
     </p:extLst>
   </p:cSld>
@@ -1062,13 +3132,7 @@
       </p:grpSpPr>
       <p:sp>
         <p:nvSpPr>
-          <p:cNvPr id="2" name="タイトル 1">
-            <a:extLst>
-              <a:ext uri="{FF2B5EF4-FFF2-40B4-BE49-F238E27FC236}">
-                <a16:creationId xmlns:a16="http://schemas.microsoft.com/office/drawing/2014/main" id="{FC95E149-248B-4BE6-BAA2-57831F7FE615}"/>
-              </a:ext>
-            </a:extLst>
-          </p:cNvPr>
+          <p:cNvPr id="2" name="Title 1"/>
           <p:cNvSpPr>
             <a:spLocks noGrp="1"/>
           </p:cNvSpPr>
@@ -1078,15 +3142,15 @@
         </p:nvSpPr>
         <p:spPr>
           <a:xfrm>
-            <a:off x="831850" y="1709738"/>
-            <a:ext cx="10515600" cy="2852737"/>
+            <a:off x="2589212" y="2058750"/>
+            <a:ext cx="8915399" cy="1468800"/>
           </a:xfrm>
         </p:spPr>
         <p:txBody>
           <a:bodyPr anchor="b"/>
           <a:lstStyle>
-            <a:lvl1pPr>
-              <a:defRPr sz="6000"/>
+            <a:lvl1pPr algn="l">
+              <a:defRPr sz="4000" b="0" cap="none"/>
             </a:lvl1pPr>
           </a:lstStyle>
           <a:p>
@@ -1094,19 +3158,13 @@
               <a:rPr lang="ja-JP" altLang="en-US"/>
               <a:t>マスター タイトルの書式設定</a:t>
             </a:r>
-            <a:endParaRPr lang="en-US"/>
-          </a:p>
-        </p:txBody>
-      </p:sp>
-      <p:sp>
-        <p:nvSpPr>
-          <p:cNvPr id="3" name="テキスト プレースホルダー 2">
-            <a:extLst>
-              <a:ext uri="{FF2B5EF4-FFF2-40B4-BE49-F238E27FC236}">
-                <a16:creationId xmlns:a16="http://schemas.microsoft.com/office/drawing/2014/main" id="{E7B0DC8C-B82E-4650-A6C5-17DFD8007F8E}"/>
-              </a:ext>
-            </a:extLst>
-          </p:cNvPr>
+            <a:endParaRPr lang="en-US" dirty="0"/>
+          </a:p>
+        </p:txBody>
+      </p:sp>
+      <p:sp>
+        <p:nvSpPr>
+          <p:cNvPr id="3" name="Text Placeholder 2"/>
           <p:cNvSpPr>
             <a:spLocks noGrp="1"/>
           </p:cNvSpPr>
@@ -1116,26 +3174,27 @@
         </p:nvSpPr>
         <p:spPr>
           <a:xfrm>
-            <a:off x="831850" y="4589463"/>
-            <a:ext cx="10515600" cy="1500187"/>
+            <a:off x="2589212" y="3530129"/>
+            <a:ext cx="8915399" cy="860400"/>
           </a:xfrm>
         </p:spPr>
         <p:txBody>
-          <a:bodyPr/>
+          <a:bodyPr anchor="t"/>
           <a:lstStyle>
-            <a:lvl1pPr marL="0" indent="0">
-              <a:buNone/>
-              <a:defRPr sz="2400">
+            <a:lvl1pPr marL="0" indent="0" algn="l">
+              <a:buNone/>
+              <a:defRPr sz="2000">
                 <a:solidFill>
                   <a:schemeClr val="tx1">
-                    <a:tint val="75000"/>
+                    <a:lumMod val="65000"/>
+                    <a:lumOff val="35000"/>
                   </a:schemeClr>
                 </a:solidFill>
               </a:defRPr>
             </a:lvl1pPr>
             <a:lvl2pPr marL="457200" indent="0">
               <a:buNone/>
-              <a:defRPr sz="2000">
+              <a:defRPr sz="1800">
                 <a:solidFill>
                   <a:schemeClr val="tx1">
                     <a:tint val="75000"/>
@@ -1145,7 +3204,7 @@
             </a:lvl2pPr>
             <a:lvl3pPr marL="914400" indent="0">
               <a:buNone/>
-              <a:defRPr sz="1800">
+              <a:defRPr sz="1600">
                 <a:solidFill>
                   <a:schemeClr val="tx1">
                     <a:tint val="75000"/>
@@ -1155,7 +3214,7 @@
             </a:lvl3pPr>
             <a:lvl4pPr marL="1371600" indent="0">
               <a:buNone/>
-              <a:defRPr sz="1600">
+              <a:defRPr sz="1400">
                 <a:solidFill>
                   <a:schemeClr val="tx1">
                     <a:tint val="75000"/>
@@ -1165,7 +3224,7 @@
             </a:lvl4pPr>
             <a:lvl5pPr marL="1828800" indent="0">
               <a:buNone/>
-              <a:defRPr sz="1600">
+              <a:defRPr sz="1400">
                 <a:solidFill>
                   <a:schemeClr val="tx1">
                     <a:tint val="75000"/>
@@ -1175,7 +3234,7 @@
             </a:lvl5pPr>
             <a:lvl6pPr marL="2286000" indent="0">
               <a:buNone/>
-              <a:defRPr sz="1600">
+              <a:defRPr sz="1400">
                 <a:solidFill>
                   <a:schemeClr val="tx1">
                     <a:tint val="75000"/>
@@ -1185,7 +3244,7 @@
             </a:lvl6pPr>
             <a:lvl7pPr marL="2743200" indent="0">
               <a:buNone/>
-              <a:defRPr sz="1600">
+              <a:defRPr sz="1400">
                 <a:solidFill>
                   <a:schemeClr val="tx1">
                     <a:tint val="75000"/>
@@ -1195,7 +3254,7 @@
             </a:lvl7pPr>
             <a:lvl8pPr marL="3200400" indent="0">
               <a:buNone/>
-              <a:defRPr sz="1600">
+              <a:defRPr sz="1400">
                 <a:solidFill>
                   <a:schemeClr val="tx1">
                     <a:tint val="75000"/>
@@ -1205,7 +3264,7 @@
             </a:lvl8pPr>
             <a:lvl9pPr marL="3657600" indent="0">
               <a:buNone/>
-              <a:defRPr sz="1600">
+              <a:defRPr sz="1400">
                 <a:solidFill>
                   <a:schemeClr val="tx1">
                     <a:tint val="75000"/>
@@ -1225,13 +3284,7 @@
       </p:sp>
       <p:sp>
         <p:nvSpPr>
-          <p:cNvPr id="4" name="日付プレースホルダー 3">
-            <a:extLst>
-              <a:ext uri="{FF2B5EF4-FFF2-40B4-BE49-F238E27FC236}">
-                <a16:creationId xmlns:a16="http://schemas.microsoft.com/office/drawing/2014/main" id="{B57093D5-1D16-426C-8C60-3C1259BED831}"/>
-              </a:ext>
-            </a:extLst>
-          </p:cNvPr>
+          <p:cNvPr id="4" name="Date Placeholder 3"/>
           <p:cNvSpPr>
             <a:spLocks noGrp="1"/>
           </p:cNvSpPr>
@@ -1246,7 +3299,7 @@
           <a:p>
             <a:fld id="{925E6D9D-9AD4-4F5D-AD35-0F310E293712}" type="datetimeFigureOut">
               <a:rPr lang="en-US" smtClean="0"/>
-              <a:t>3/18/2025</a:t>
+              <a:t>3/20/2025</a:t>
             </a:fld>
             <a:endParaRPr lang="en-US"/>
           </a:p>
@@ -1254,13 +3307,7 @@
       </p:sp>
       <p:sp>
         <p:nvSpPr>
-          <p:cNvPr id="5" name="フッター プレースホルダー 4">
-            <a:extLst>
-              <a:ext uri="{FF2B5EF4-FFF2-40B4-BE49-F238E27FC236}">
-                <a16:creationId xmlns:a16="http://schemas.microsoft.com/office/drawing/2014/main" id="{59AE2CA7-DA6D-4A23-904C-8E94A8229FC0}"/>
-              </a:ext>
-            </a:extLst>
-          </p:cNvPr>
+          <p:cNvPr id="5" name="Footer Placeholder 4"/>
           <p:cNvSpPr>
             <a:spLocks noGrp="1"/>
           </p:cNvSpPr>
@@ -1279,13 +3326,89 @@
       </p:sp>
       <p:sp>
         <p:nvSpPr>
-          <p:cNvPr id="6" name="スライド番号プレースホルダー 5">
-            <a:extLst>
-              <a:ext uri="{FF2B5EF4-FFF2-40B4-BE49-F238E27FC236}">
-                <a16:creationId xmlns:a16="http://schemas.microsoft.com/office/drawing/2014/main" id="{083ABC5B-3AB2-4B4E-99EB-1D553D7F9509}"/>
-              </a:ext>
-            </a:extLst>
-          </p:cNvPr>
+          <p:cNvPr id="9" name="Freeform 11"/>
+          <p:cNvSpPr/>
+          <p:nvPr/>
+        </p:nvSpPr>
+        <p:spPr bwMode="auto">
+          <a:xfrm flipV="1">
+            <a:off x="-4189" y="3178175"/>
+            <a:ext cx="1588527" cy="507297"/>
+          </a:xfrm>
+          <a:custGeom>
+            <a:avLst/>
+            <a:gdLst/>
+            <a:ahLst/>
+            <a:cxnLst/>
+            <a:rect l="l" t="t" r="r" b="b"/>
+            <a:pathLst>
+              <a:path w="9248" h="10000">
+                <a:moveTo>
+                  <a:pt x="9248" y="4701"/>
+                </a:moveTo>
+                <a:lnTo>
+                  <a:pt x="7915" y="188"/>
+                </a:lnTo>
+                <a:cubicBezTo>
+                  <a:pt x="7906" y="156"/>
+                  <a:pt x="7895" y="126"/>
+                  <a:pt x="7886" y="94"/>
+                </a:cubicBezTo>
+                <a:cubicBezTo>
+                  <a:pt x="7859" y="0"/>
+                  <a:pt x="7831" y="0"/>
+                  <a:pt x="7803" y="0"/>
+                </a:cubicBezTo>
+                <a:lnTo>
+                  <a:pt x="7275" y="0"/>
+                </a:lnTo>
+                <a:lnTo>
+                  <a:pt x="0" y="70"/>
+                </a:lnTo>
+                <a:cubicBezTo>
+                  <a:pt x="8" y="3380"/>
+                  <a:pt x="17" y="6690"/>
+                  <a:pt x="25" y="10000"/>
+                </a:cubicBezTo>
+                <a:lnTo>
+                  <a:pt x="7275" y="9966"/>
+                </a:lnTo>
+                <a:lnTo>
+                  <a:pt x="7803" y="9966"/>
+                </a:lnTo>
+                <a:cubicBezTo>
+                  <a:pt x="7831" y="9966"/>
+                  <a:pt x="7859" y="9872"/>
+                  <a:pt x="7886" y="9872"/>
+                </a:cubicBezTo>
+                <a:cubicBezTo>
+                  <a:pt x="7886" y="9778"/>
+                  <a:pt x="7915" y="9778"/>
+                  <a:pt x="7915" y="9778"/>
+                </a:cubicBezTo>
+                <a:lnTo>
+                  <a:pt x="9248" y="5265"/>
+                </a:lnTo>
+                <a:cubicBezTo>
+                  <a:pt x="9303" y="5077"/>
+                  <a:pt x="9303" y="4889"/>
+                  <a:pt x="9248" y="4701"/>
+                </a:cubicBezTo>
+                <a:close/>
+              </a:path>
+            </a:pathLst>
+          </a:custGeom>
+          <a:solidFill>
+            <a:schemeClr val="accent1"/>
+          </a:solidFill>
+          <a:ln>
+            <a:noFill/>
+          </a:ln>
+        </p:spPr>
+      </p:sp>
+      <p:sp>
+        <p:nvSpPr>
+          <p:cNvPr id="6" name="Slide Number Placeholder 5"/>
           <p:cNvSpPr>
             <a:spLocks noGrp="1"/>
           </p:cNvSpPr>
@@ -1293,7 +3416,12 @@
             <p:ph type="sldNum" sz="quarter" idx="12"/>
           </p:nvPr>
         </p:nvSpPr>
-        <p:spPr/>
+        <p:spPr>
+          <a:xfrm>
+            <a:off x="531812" y="3244139"/>
+            <a:ext cx="779767" cy="365125"/>
+          </a:xfrm>
+        </p:spPr>
         <p:txBody>
           <a:bodyPr/>
           <a:lstStyle/>
@@ -1309,7 +3437,7 @@
     </p:spTree>
     <p:extLst>
       <p:ext uri="{BB962C8B-B14F-4D97-AF65-F5344CB8AC3E}">
-        <p14:creationId xmlns:p14="http://schemas.microsoft.com/office/powerpoint/2010/main" val="262209831"/>
+        <p14:creationId xmlns:p14="http://schemas.microsoft.com/office/powerpoint/2010/main" val="4066817328"/>
       </p:ext>
     </p:extLst>
   </p:cSld>
@@ -1338,13 +3466,7 @@
       </p:grpSpPr>
       <p:sp>
         <p:nvSpPr>
-          <p:cNvPr id="2" name="タイトル 1">
-            <a:extLst>
-              <a:ext uri="{FF2B5EF4-FFF2-40B4-BE49-F238E27FC236}">
-                <a16:creationId xmlns:a16="http://schemas.microsoft.com/office/drawing/2014/main" id="{DE3CA8EE-7311-409C-AE8C-5EBD11C9AEA9}"/>
-              </a:ext>
-            </a:extLst>
-          </p:cNvPr>
+          <p:cNvPr id="8" name="Title 7"/>
           <p:cNvSpPr>
             <a:spLocks noGrp="1"/>
           </p:cNvSpPr>
@@ -1361,19 +3483,13 @@
               <a:rPr lang="ja-JP" altLang="en-US"/>
               <a:t>マスター タイトルの書式設定</a:t>
             </a:r>
-            <a:endParaRPr lang="en-US"/>
-          </a:p>
-        </p:txBody>
-      </p:sp>
-      <p:sp>
-        <p:nvSpPr>
-          <p:cNvPr id="3" name="コンテンツ プレースホルダー 2">
-            <a:extLst>
-              <a:ext uri="{FF2B5EF4-FFF2-40B4-BE49-F238E27FC236}">
-                <a16:creationId xmlns:a16="http://schemas.microsoft.com/office/drawing/2014/main" id="{609ABECF-4441-4F34-B1EE-420A93309555}"/>
-              </a:ext>
-            </a:extLst>
-          </p:cNvPr>
+            <a:endParaRPr lang="en-US" dirty="0"/>
+          </a:p>
+        </p:txBody>
+      </p:sp>
+      <p:sp>
+        <p:nvSpPr>
+          <p:cNvPr id="3" name="Content Placeholder 2"/>
           <p:cNvSpPr>
             <a:spLocks noGrp="1"/>
           </p:cNvSpPr>
@@ -1383,249 +3499,316 @@
         </p:nvSpPr>
         <p:spPr>
           <a:xfrm>
-            <a:off x="838200" y="1825625"/>
-            <a:ext cx="5181600" cy="4351338"/>
+            <a:off x="2589212" y="2133600"/>
+            <a:ext cx="4313864" cy="3777622"/>
           </a:xfrm>
         </p:spPr>
         <p:txBody>
+          <a:bodyPr>
+            <a:normAutofit/>
+          </a:bodyPr>
+          <a:lstStyle/>
+          <a:p>
+            <a:pPr lvl="0"/>
+            <a:r>
+              <a:rPr lang="ja-JP" altLang="en-US"/>
+              <a:t>マスター テキストの書式設定</a:t>
+            </a:r>
+          </a:p>
+          <a:p>
+            <a:pPr lvl="1"/>
+            <a:r>
+              <a:rPr lang="ja-JP" altLang="en-US"/>
+              <a:t>第 </a:t>
+            </a:r>
+            <a:r>
+              <a:rPr lang="en-US" altLang="ja-JP"/>
+              <a:t>2 </a:t>
+            </a:r>
+            <a:r>
+              <a:rPr lang="ja-JP" altLang="en-US"/>
+              <a:t>レベル</a:t>
+            </a:r>
+          </a:p>
+          <a:p>
+            <a:pPr lvl="2"/>
+            <a:r>
+              <a:rPr lang="ja-JP" altLang="en-US"/>
+              <a:t>第 </a:t>
+            </a:r>
+            <a:r>
+              <a:rPr lang="en-US" altLang="ja-JP"/>
+              <a:t>3 </a:t>
+            </a:r>
+            <a:r>
+              <a:rPr lang="ja-JP" altLang="en-US"/>
+              <a:t>レベル</a:t>
+            </a:r>
+          </a:p>
+          <a:p>
+            <a:pPr lvl="3"/>
+            <a:r>
+              <a:rPr lang="ja-JP" altLang="en-US"/>
+              <a:t>第 </a:t>
+            </a:r>
+            <a:r>
+              <a:rPr lang="en-US" altLang="ja-JP"/>
+              <a:t>4 </a:t>
+            </a:r>
+            <a:r>
+              <a:rPr lang="ja-JP" altLang="en-US"/>
+              <a:t>レベル</a:t>
+            </a:r>
+          </a:p>
+          <a:p>
+            <a:pPr lvl="4"/>
+            <a:r>
+              <a:rPr lang="ja-JP" altLang="en-US"/>
+              <a:t>第 </a:t>
+            </a:r>
+            <a:r>
+              <a:rPr lang="en-US" altLang="ja-JP"/>
+              <a:t>5 </a:t>
+            </a:r>
+            <a:r>
+              <a:rPr lang="ja-JP" altLang="en-US"/>
+              <a:t>レベル</a:t>
+            </a:r>
+            <a:endParaRPr lang="en-US" dirty="0"/>
+          </a:p>
+        </p:txBody>
+      </p:sp>
+      <p:sp>
+        <p:nvSpPr>
+          <p:cNvPr id="4" name="Content Placeholder 3"/>
+          <p:cNvSpPr>
+            <a:spLocks noGrp="1"/>
+          </p:cNvSpPr>
+          <p:nvPr>
+            <p:ph sz="half" idx="2"/>
+          </p:nvPr>
+        </p:nvSpPr>
+        <p:spPr>
+          <a:xfrm>
+            <a:off x="7190747" y="2126222"/>
+            <a:ext cx="4313864" cy="3777622"/>
+          </a:xfrm>
+        </p:spPr>
+        <p:txBody>
+          <a:bodyPr>
+            <a:normAutofit/>
+          </a:bodyPr>
+          <a:lstStyle/>
+          <a:p>
+            <a:pPr lvl="0"/>
+            <a:r>
+              <a:rPr lang="ja-JP" altLang="en-US"/>
+              <a:t>マスター テキストの書式設定</a:t>
+            </a:r>
+          </a:p>
+          <a:p>
+            <a:pPr lvl="1"/>
+            <a:r>
+              <a:rPr lang="ja-JP" altLang="en-US"/>
+              <a:t>第 </a:t>
+            </a:r>
+            <a:r>
+              <a:rPr lang="en-US" altLang="ja-JP"/>
+              <a:t>2 </a:t>
+            </a:r>
+            <a:r>
+              <a:rPr lang="ja-JP" altLang="en-US"/>
+              <a:t>レベル</a:t>
+            </a:r>
+          </a:p>
+          <a:p>
+            <a:pPr lvl="2"/>
+            <a:r>
+              <a:rPr lang="ja-JP" altLang="en-US"/>
+              <a:t>第 </a:t>
+            </a:r>
+            <a:r>
+              <a:rPr lang="en-US" altLang="ja-JP"/>
+              <a:t>3 </a:t>
+            </a:r>
+            <a:r>
+              <a:rPr lang="ja-JP" altLang="en-US"/>
+              <a:t>レベル</a:t>
+            </a:r>
+          </a:p>
+          <a:p>
+            <a:pPr lvl="3"/>
+            <a:r>
+              <a:rPr lang="ja-JP" altLang="en-US"/>
+              <a:t>第 </a:t>
+            </a:r>
+            <a:r>
+              <a:rPr lang="en-US" altLang="ja-JP"/>
+              <a:t>4 </a:t>
+            </a:r>
+            <a:r>
+              <a:rPr lang="ja-JP" altLang="en-US"/>
+              <a:t>レベル</a:t>
+            </a:r>
+          </a:p>
+          <a:p>
+            <a:pPr lvl="4"/>
+            <a:r>
+              <a:rPr lang="ja-JP" altLang="en-US"/>
+              <a:t>第 </a:t>
+            </a:r>
+            <a:r>
+              <a:rPr lang="en-US" altLang="ja-JP"/>
+              <a:t>5 </a:t>
+            </a:r>
+            <a:r>
+              <a:rPr lang="ja-JP" altLang="en-US"/>
+              <a:t>レベル</a:t>
+            </a:r>
+            <a:endParaRPr lang="en-US" dirty="0"/>
+          </a:p>
+        </p:txBody>
+      </p:sp>
+      <p:sp>
+        <p:nvSpPr>
+          <p:cNvPr id="5" name="Date Placeholder 4"/>
+          <p:cNvSpPr>
+            <a:spLocks noGrp="1"/>
+          </p:cNvSpPr>
+          <p:nvPr>
+            <p:ph type="dt" sz="half" idx="10"/>
+          </p:nvPr>
+        </p:nvSpPr>
+        <p:spPr/>
+        <p:txBody>
           <a:bodyPr/>
           <a:lstStyle/>
           <a:p>
-            <a:pPr lvl="0"/>
-            <a:r>
-              <a:rPr lang="ja-JP" altLang="en-US"/>
-              <a:t>マスター テキストの書式設定</a:t>
-            </a:r>
-          </a:p>
-          <a:p>
-            <a:pPr lvl="1"/>
-            <a:r>
-              <a:rPr lang="ja-JP" altLang="en-US"/>
-              <a:t>第 </a:t>
-            </a:r>
-            <a:r>
-              <a:rPr lang="en-US" altLang="ja-JP"/>
-              <a:t>2 </a:t>
-            </a:r>
-            <a:r>
-              <a:rPr lang="ja-JP" altLang="en-US"/>
-              <a:t>レベル</a:t>
-            </a:r>
-          </a:p>
-          <a:p>
-            <a:pPr lvl="2"/>
-            <a:r>
-              <a:rPr lang="ja-JP" altLang="en-US"/>
-              <a:t>第 </a:t>
-            </a:r>
-            <a:r>
-              <a:rPr lang="en-US" altLang="ja-JP"/>
-              <a:t>3 </a:t>
-            </a:r>
-            <a:r>
-              <a:rPr lang="ja-JP" altLang="en-US"/>
-              <a:t>レベル</a:t>
-            </a:r>
-          </a:p>
-          <a:p>
-            <a:pPr lvl="3"/>
-            <a:r>
-              <a:rPr lang="ja-JP" altLang="en-US"/>
-              <a:t>第 </a:t>
-            </a:r>
-            <a:r>
-              <a:rPr lang="en-US" altLang="ja-JP"/>
-              <a:t>4 </a:t>
-            </a:r>
-            <a:r>
-              <a:rPr lang="ja-JP" altLang="en-US"/>
-              <a:t>レベル</a:t>
-            </a:r>
-          </a:p>
-          <a:p>
-            <a:pPr lvl="4"/>
-            <a:r>
-              <a:rPr lang="ja-JP" altLang="en-US"/>
-              <a:t>第 </a:t>
-            </a:r>
-            <a:r>
-              <a:rPr lang="en-US" altLang="ja-JP"/>
-              <a:t>5 </a:t>
-            </a:r>
-            <a:r>
-              <a:rPr lang="ja-JP" altLang="en-US"/>
-              <a:t>レベル</a:t>
-            </a:r>
+            <a:fld id="{925E6D9D-9AD4-4F5D-AD35-0F310E293712}" type="datetimeFigureOut">
+              <a:rPr lang="en-US" smtClean="0"/>
+              <a:t>3/20/2025</a:t>
+            </a:fld>
             <a:endParaRPr lang="en-US"/>
           </a:p>
         </p:txBody>
       </p:sp>
       <p:sp>
         <p:nvSpPr>
-          <p:cNvPr id="4" name="コンテンツ プレースホルダー 3">
-            <a:extLst>
-              <a:ext uri="{FF2B5EF4-FFF2-40B4-BE49-F238E27FC236}">
-                <a16:creationId xmlns:a16="http://schemas.microsoft.com/office/drawing/2014/main" id="{7A8AEB2E-3EE7-4338-BF7C-26876129E08F}"/>
-              </a:ext>
-            </a:extLst>
-          </p:cNvPr>
-          <p:cNvSpPr>
-            <a:spLocks noGrp="1"/>
-          </p:cNvSpPr>
-          <p:nvPr>
-            <p:ph sz="half" idx="2"/>
+          <p:cNvPr id="6" name="Footer Placeholder 5"/>
+          <p:cNvSpPr>
+            <a:spLocks noGrp="1"/>
+          </p:cNvSpPr>
+          <p:nvPr>
+            <p:ph type="ftr" sz="quarter" idx="11"/>
+          </p:nvPr>
+        </p:nvSpPr>
+        <p:spPr/>
+        <p:txBody>
+          <a:bodyPr/>
+          <a:lstStyle/>
+          <a:p>
+            <a:endParaRPr lang="en-US"/>
+          </a:p>
+        </p:txBody>
+      </p:sp>
+      <p:sp>
+        <p:nvSpPr>
+          <p:cNvPr id="10" name="Freeform 11"/>
+          <p:cNvSpPr/>
+          <p:nvPr/>
+        </p:nvSpPr>
+        <p:spPr bwMode="auto">
+          <a:xfrm flipV="1">
+            <a:off x="-4189" y="714375"/>
+            <a:ext cx="1588527" cy="507297"/>
+          </a:xfrm>
+          <a:custGeom>
+            <a:avLst/>
+            <a:gdLst/>
+            <a:ahLst/>
+            <a:cxnLst/>
+            <a:rect l="l" t="t" r="r" b="b"/>
+            <a:pathLst>
+              <a:path w="9248" h="10000">
+                <a:moveTo>
+                  <a:pt x="9248" y="4701"/>
+                </a:moveTo>
+                <a:lnTo>
+                  <a:pt x="7915" y="188"/>
+                </a:lnTo>
+                <a:cubicBezTo>
+                  <a:pt x="7906" y="156"/>
+                  <a:pt x="7895" y="126"/>
+                  <a:pt x="7886" y="94"/>
+                </a:cubicBezTo>
+                <a:cubicBezTo>
+                  <a:pt x="7859" y="0"/>
+                  <a:pt x="7831" y="0"/>
+                  <a:pt x="7803" y="0"/>
+                </a:cubicBezTo>
+                <a:lnTo>
+                  <a:pt x="7275" y="0"/>
+                </a:lnTo>
+                <a:lnTo>
+                  <a:pt x="0" y="70"/>
+                </a:lnTo>
+                <a:cubicBezTo>
+                  <a:pt x="8" y="3380"/>
+                  <a:pt x="17" y="6690"/>
+                  <a:pt x="25" y="10000"/>
+                </a:cubicBezTo>
+                <a:lnTo>
+                  <a:pt x="7275" y="9966"/>
+                </a:lnTo>
+                <a:lnTo>
+                  <a:pt x="7803" y="9966"/>
+                </a:lnTo>
+                <a:cubicBezTo>
+                  <a:pt x="7831" y="9966"/>
+                  <a:pt x="7859" y="9872"/>
+                  <a:pt x="7886" y="9872"/>
+                </a:cubicBezTo>
+                <a:cubicBezTo>
+                  <a:pt x="7886" y="9778"/>
+                  <a:pt x="7915" y="9778"/>
+                  <a:pt x="7915" y="9778"/>
+                </a:cubicBezTo>
+                <a:lnTo>
+                  <a:pt x="9248" y="5265"/>
+                </a:lnTo>
+                <a:cubicBezTo>
+                  <a:pt x="9303" y="5077"/>
+                  <a:pt x="9303" y="4889"/>
+                  <a:pt x="9248" y="4701"/>
+                </a:cubicBezTo>
+                <a:close/>
+              </a:path>
+            </a:pathLst>
+          </a:custGeom>
+          <a:solidFill>
+            <a:schemeClr val="accent1"/>
+          </a:solidFill>
+          <a:ln>
+            <a:noFill/>
+          </a:ln>
+        </p:spPr>
+      </p:sp>
+      <p:sp>
+        <p:nvSpPr>
+          <p:cNvPr id="11" name="Slide Number Placeholder 5"/>
+          <p:cNvSpPr>
+            <a:spLocks noGrp="1"/>
+          </p:cNvSpPr>
+          <p:nvPr>
+            <p:ph type="sldNum" sz="quarter" idx="12"/>
           </p:nvPr>
         </p:nvSpPr>
         <p:spPr>
           <a:xfrm>
-            <a:off x="6172200" y="1825625"/>
-            <a:ext cx="5181600" cy="4351338"/>
+            <a:off x="531812" y="787782"/>
+            <a:ext cx="779767" cy="365125"/>
           </a:xfrm>
         </p:spPr>
-        <p:txBody>
-          <a:bodyPr/>
-          <a:lstStyle/>
-          <a:p>
-            <a:pPr lvl="0"/>
-            <a:r>
-              <a:rPr lang="ja-JP" altLang="en-US"/>
-              <a:t>マスター テキストの書式設定</a:t>
-            </a:r>
-          </a:p>
-          <a:p>
-            <a:pPr lvl="1"/>
-            <a:r>
-              <a:rPr lang="ja-JP" altLang="en-US"/>
-              <a:t>第 </a:t>
-            </a:r>
-            <a:r>
-              <a:rPr lang="en-US" altLang="ja-JP"/>
-              <a:t>2 </a:t>
-            </a:r>
-            <a:r>
-              <a:rPr lang="ja-JP" altLang="en-US"/>
-              <a:t>レベル</a:t>
-            </a:r>
-          </a:p>
-          <a:p>
-            <a:pPr lvl="2"/>
-            <a:r>
-              <a:rPr lang="ja-JP" altLang="en-US"/>
-              <a:t>第 </a:t>
-            </a:r>
-            <a:r>
-              <a:rPr lang="en-US" altLang="ja-JP"/>
-              <a:t>3 </a:t>
-            </a:r>
-            <a:r>
-              <a:rPr lang="ja-JP" altLang="en-US"/>
-              <a:t>レベル</a:t>
-            </a:r>
-          </a:p>
-          <a:p>
-            <a:pPr lvl="3"/>
-            <a:r>
-              <a:rPr lang="ja-JP" altLang="en-US"/>
-              <a:t>第 </a:t>
-            </a:r>
-            <a:r>
-              <a:rPr lang="en-US" altLang="ja-JP"/>
-              <a:t>4 </a:t>
-            </a:r>
-            <a:r>
-              <a:rPr lang="ja-JP" altLang="en-US"/>
-              <a:t>レベル</a:t>
-            </a:r>
-          </a:p>
-          <a:p>
-            <a:pPr lvl="4"/>
-            <a:r>
-              <a:rPr lang="ja-JP" altLang="en-US"/>
-              <a:t>第 </a:t>
-            </a:r>
-            <a:r>
-              <a:rPr lang="en-US" altLang="ja-JP"/>
-              <a:t>5 </a:t>
-            </a:r>
-            <a:r>
-              <a:rPr lang="ja-JP" altLang="en-US"/>
-              <a:t>レベル</a:t>
-            </a:r>
-            <a:endParaRPr lang="en-US"/>
-          </a:p>
-        </p:txBody>
-      </p:sp>
-      <p:sp>
-        <p:nvSpPr>
-          <p:cNvPr id="5" name="日付プレースホルダー 4">
-            <a:extLst>
-              <a:ext uri="{FF2B5EF4-FFF2-40B4-BE49-F238E27FC236}">
-                <a16:creationId xmlns:a16="http://schemas.microsoft.com/office/drawing/2014/main" id="{20840629-57D1-4AA0-B7DD-05F2270A44C7}"/>
-              </a:ext>
-            </a:extLst>
-          </p:cNvPr>
-          <p:cNvSpPr>
-            <a:spLocks noGrp="1"/>
-          </p:cNvSpPr>
-          <p:nvPr>
-            <p:ph type="dt" sz="half" idx="10"/>
-          </p:nvPr>
-        </p:nvSpPr>
-        <p:spPr/>
-        <p:txBody>
-          <a:bodyPr/>
-          <a:lstStyle/>
-          <a:p>
-            <a:fld id="{925E6D9D-9AD4-4F5D-AD35-0F310E293712}" type="datetimeFigureOut">
-              <a:rPr lang="en-US" smtClean="0"/>
-              <a:t>3/18/2025</a:t>
-            </a:fld>
-            <a:endParaRPr lang="en-US"/>
-          </a:p>
-        </p:txBody>
-      </p:sp>
-      <p:sp>
-        <p:nvSpPr>
-          <p:cNvPr id="6" name="フッター プレースホルダー 5">
-            <a:extLst>
-              <a:ext uri="{FF2B5EF4-FFF2-40B4-BE49-F238E27FC236}">
-                <a16:creationId xmlns:a16="http://schemas.microsoft.com/office/drawing/2014/main" id="{E1A589AE-5AB2-468A-BF1F-604B319EF03A}"/>
-              </a:ext>
-            </a:extLst>
-          </p:cNvPr>
-          <p:cNvSpPr>
-            <a:spLocks noGrp="1"/>
-          </p:cNvSpPr>
-          <p:nvPr>
-            <p:ph type="ftr" sz="quarter" idx="11"/>
-          </p:nvPr>
-        </p:nvSpPr>
-        <p:spPr/>
-        <p:txBody>
-          <a:bodyPr/>
-          <a:lstStyle/>
-          <a:p>
-            <a:endParaRPr lang="en-US"/>
-          </a:p>
-        </p:txBody>
-      </p:sp>
-      <p:sp>
-        <p:nvSpPr>
-          <p:cNvPr id="7" name="スライド番号プレースホルダー 6">
-            <a:extLst>
-              <a:ext uri="{FF2B5EF4-FFF2-40B4-BE49-F238E27FC236}">
-                <a16:creationId xmlns:a16="http://schemas.microsoft.com/office/drawing/2014/main" id="{D39AC187-9B95-443D-88F7-F593315345A2}"/>
-              </a:ext>
-            </a:extLst>
-          </p:cNvPr>
-          <p:cNvSpPr>
-            <a:spLocks noGrp="1"/>
-          </p:cNvSpPr>
-          <p:nvPr>
-            <p:ph type="sldNum" sz="quarter" idx="12"/>
-          </p:nvPr>
-        </p:nvSpPr>
-        <p:spPr/>
         <p:txBody>
           <a:bodyPr/>
           <a:lstStyle/>
@@ -1641,13 +3824,18 @@
     </p:spTree>
     <p:extLst>
       <p:ext uri="{BB962C8B-B14F-4D97-AF65-F5344CB8AC3E}">
-        <p14:creationId xmlns:p14="http://schemas.microsoft.com/office/powerpoint/2010/main" val="238122328"/>
+        <p14:creationId xmlns:p14="http://schemas.microsoft.com/office/powerpoint/2010/main" val="2362145616"/>
       </p:ext>
     </p:extLst>
   </p:cSld>
   <p:clrMapOvr>
     <a:masterClrMapping/>
   </p:clrMapOvr>
+  <p:extLst>
+    <p:ext uri="{DCECCB84-F9BA-43D5-87BE-67443E8EF086}">
+      <p15:sldGuideLst xmlns:p15="http://schemas.microsoft.com/office/powerpoint/2012/main"/>
+    </p:ext>
+  </p:extLst>
 </p:sldLayout>
 </file>
 
@@ -1670,66 +3858,51 @@
       </p:grpSpPr>
       <p:sp>
         <p:nvSpPr>
-          <p:cNvPr id="2" name="タイトル 1">
-            <a:extLst>
-              <a:ext uri="{FF2B5EF4-FFF2-40B4-BE49-F238E27FC236}">
-                <a16:creationId xmlns:a16="http://schemas.microsoft.com/office/drawing/2014/main" id="{DFEEC640-3044-4EA1-A4FC-459C1FB66DFC}"/>
-              </a:ext>
-            </a:extLst>
-          </p:cNvPr>
+          <p:cNvPr id="10" name="Title 9"/>
           <p:cNvSpPr>
             <a:spLocks noGrp="1"/>
           </p:cNvSpPr>
           <p:nvPr>
             <p:ph type="title"/>
+          </p:nvPr>
+        </p:nvSpPr>
+        <p:spPr/>
+        <p:txBody>
+          <a:bodyPr/>
+          <a:lstStyle/>
+          <a:p>
+            <a:r>
+              <a:rPr lang="ja-JP" altLang="en-US"/>
+              <a:t>マスター タイトルの書式設定</a:t>
+            </a:r>
+            <a:endParaRPr lang="en-US" dirty="0"/>
+          </a:p>
+        </p:txBody>
+      </p:sp>
+      <p:sp>
+        <p:nvSpPr>
+          <p:cNvPr id="3" name="Text Placeholder 2"/>
+          <p:cNvSpPr>
+            <a:spLocks noGrp="1"/>
+          </p:cNvSpPr>
+          <p:nvPr>
+            <p:ph type="body" idx="1"/>
           </p:nvPr>
         </p:nvSpPr>
         <p:spPr>
           <a:xfrm>
-            <a:off x="839788" y="365125"/>
-            <a:ext cx="10515600" cy="1325563"/>
+            <a:off x="2939373" y="1972703"/>
+            <a:ext cx="3992732" cy="576262"/>
           </a:xfrm>
         </p:spPr>
         <p:txBody>
-          <a:bodyPr/>
-          <a:lstStyle/>
-          <a:p>
-            <a:r>
-              <a:rPr lang="ja-JP" altLang="en-US"/>
-              <a:t>マスター タイトルの書式設定</a:t>
-            </a:r>
-            <a:endParaRPr lang="en-US"/>
-          </a:p>
-        </p:txBody>
-      </p:sp>
-      <p:sp>
-        <p:nvSpPr>
-          <p:cNvPr id="3" name="テキスト プレースホルダー 2">
-            <a:extLst>
-              <a:ext uri="{FF2B5EF4-FFF2-40B4-BE49-F238E27FC236}">
-                <a16:creationId xmlns:a16="http://schemas.microsoft.com/office/drawing/2014/main" id="{EE3FAA75-E954-4917-9862-12DF4064AA5C}"/>
-              </a:ext>
-            </a:extLst>
-          </p:cNvPr>
-          <p:cNvSpPr>
-            <a:spLocks noGrp="1"/>
-          </p:cNvSpPr>
-          <p:nvPr>
-            <p:ph type="body" idx="1"/>
-          </p:nvPr>
-        </p:nvSpPr>
-        <p:spPr>
-          <a:xfrm>
-            <a:off x="839788" y="1681163"/>
-            <a:ext cx="5157787" cy="823912"/>
-          </a:xfrm>
-        </p:spPr>
-        <p:txBody>
-          <a:bodyPr anchor="b"/>
+          <a:bodyPr anchor="b">
+            <a:noAutofit/>
+          </a:bodyPr>
           <a:lstStyle>
             <a:lvl1pPr marL="0" indent="0">
               <a:buNone/>
-              <a:defRPr sz="2400" b="1"/>
+              <a:defRPr sz="2400" b="0"/>
             </a:lvl1pPr>
             <a:lvl2pPr marL="457200" indent="0">
               <a:buNone/>
@@ -1775,13 +3948,7 @@
       </p:sp>
       <p:sp>
         <p:nvSpPr>
-          <p:cNvPr id="4" name="コンテンツ プレースホルダー 3">
-            <a:extLst>
-              <a:ext uri="{FF2B5EF4-FFF2-40B4-BE49-F238E27FC236}">
-                <a16:creationId xmlns:a16="http://schemas.microsoft.com/office/drawing/2014/main" id="{83FDE8DE-D7AA-4BB3-B80F-8151F3175390}"/>
-              </a:ext>
-            </a:extLst>
-          </p:cNvPr>
+          <p:cNvPr id="4" name="Content Placeholder 3"/>
           <p:cNvSpPr>
             <a:spLocks noGrp="1"/>
           </p:cNvSpPr>
@@ -1791,12 +3958,14 @@
         </p:nvSpPr>
         <p:spPr>
           <a:xfrm>
-            <a:off x="839788" y="2505075"/>
-            <a:ext cx="5157787" cy="3684588"/>
+            <a:off x="2589212" y="2548966"/>
+            <a:ext cx="4342893" cy="3354060"/>
           </a:xfrm>
         </p:spPr>
         <p:txBody>
-          <a:bodyPr/>
+          <a:bodyPr>
+            <a:normAutofit/>
+          </a:bodyPr>
           <a:lstStyle/>
           <a:p>
             <a:pPr lvl="0"/>
@@ -1864,19 +4033,13 @@
               <a:rPr lang="ja-JP" altLang="en-US"/>
               <a:t>レベル</a:t>
             </a:r>
-            <a:endParaRPr lang="en-US"/>
-          </a:p>
-        </p:txBody>
-      </p:sp>
-      <p:sp>
-        <p:nvSpPr>
-          <p:cNvPr id="5" name="テキスト プレースホルダー 4">
-            <a:extLst>
-              <a:ext uri="{FF2B5EF4-FFF2-40B4-BE49-F238E27FC236}">
-                <a16:creationId xmlns:a16="http://schemas.microsoft.com/office/drawing/2014/main" id="{49AE6EB1-8CD1-4E83-BC4D-C56B16D58D0E}"/>
-              </a:ext>
-            </a:extLst>
-          </p:cNvPr>
+            <a:endParaRPr lang="en-US" dirty="0"/>
+          </a:p>
+        </p:txBody>
+      </p:sp>
+      <p:sp>
+        <p:nvSpPr>
+          <p:cNvPr id="5" name="Text Placeholder 4"/>
           <p:cNvSpPr>
             <a:spLocks noGrp="1"/>
           </p:cNvSpPr>
@@ -1886,16 +4049,18 @@
         </p:nvSpPr>
         <p:spPr>
           <a:xfrm>
-            <a:off x="6172200" y="1681163"/>
-            <a:ext cx="5183188" cy="823912"/>
+            <a:off x="7506629" y="1969475"/>
+            <a:ext cx="3999001" cy="576262"/>
           </a:xfrm>
         </p:spPr>
         <p:txBody>
-          <a:bodyPr anchor="b"/>
+          <a:bodyPr anchor="b">
+            <a:noAutofit/>
+          </a:bodyPr>
           <a:lstStyle>
             <a:lvl1pPr marL="0" indent="0">
               <a:buNone/>
-              <a:defRPr sz="2400" b="1"/>
+              <a:defRPr sz="2400" b="0"/>
             </a:lvl1pPr>
             <a:lvl2pPr marL="457200" indent="0">
               <a:buNone/>
@@ -1941,13 +4106,7 @@
       </p:sp>
       <p:sp>
         <p:nvSpPr>
-          <p:cNvPr id="6" name="コンテンツ プレースホルダー 5">
-            <a:extLst>
-              <a:ext uri="{FF2B5EF4-FFF2-40B4-BE49-F238E27FC236}">
-                <a16:creationId xmlns:a16="http://schemas.microsoft.com/office/drawing/2014/main" id="{A3BEDA93-169E-4955-9253-E6BDD6886121}"/>
-              </a:ext>
-            </a:extLst>
-          </p:cNvPr>
+          <p:cNvPr id="6" name="Content Placeholder 5"/>
           <p:cNvSpPr>
             <a:spLocks noGrp="1"/>
           </p:cNvSpPr>
@@ -1957,97 +4116,116 @@
         </p:nvSpPr>
         <p:spPr>
           <a:xfrm>
-            <a:off x="6172200" y="2505075"/>
-            <a:ext cx="5183188" cy="3684588"/>
+            <a:off x="7166957" y="2545738"/>
+            <a:ext cx="4338674" cy="3354060"/>
           </a:xfrm>
         </p:spPr>
         <p:txBody>
+          <a:bodyPr>
+            <a:normAutofit/>
+          </a:bodyPr>
+          <a:lstStyle/>
+          <a:p>
+            <a:pPr lvl="0"/>
+            <a:r>
+              <a:rPr lang="ja-JP" altLang="en-US"/>
+              <a:t>マスター テキストの書式設定</a:t>
+            </a:r>
+          </a:p>
+          <a:p>
+            <a:pPr lvl="1"/>
+            <a:r>
+              <a:rPr lang="ja-JP" altLang="en-US"/>
+              <a:t>第 </a:t>
+            </a:r>
+            <a:r>
+              <a:rPr lang="en-US" altLang="ja-JP"/>
+              <a:t>2 </a:t>
+            </a:r>
+            <a:r>
+              <a:rPr lang="ja-JP" altLang="en-US"/>
+              <a:t>レベル</a:t>
+            </a:r>
+          </a:p>
+          <a:p>
+            <a:pPr lvl="2"/>
+            <a:r>
+              <a:rPr lang="ja-JP" altLang="en-US"/>
+              <a:t>第 </a:t>
+            </a:r>
+            <a:r>
+              <a:rPr lang="en-US" altLang="ja-JP"/>
+              <a:t>3 </a:t>
+            </a:r>
+            <a:r>
+              <a:rPr lang="ja-JP" altLang="en-US"/>
+              <a:t>レベル</a:t>
+            </a:r>
+          </a:p>
+          <a:p>
+            <a:pPr lvl="3"/>
+            <a:r>
+              <a:rPr lang="ja-JP" altLang="en-US"/>
+              <a:t>第 </a:t>
+            </a:r>
+            <a:r>
+              <a:rPr lang="en-US" altLang="ja-JP"/>
+              <a:t>4 </a:t>
+            </a:r>
+            <a:r>
+              <a:rPr lang="ja-JP" altLang="en-US"/>
+              <a:t>レベル</a:t>
+            </a:r>
+          </a:p>
+          <a:p>
+            <a:pPr lvl="4"/>
+            <a:r>
+              <a:rPr lang="ja-JP" altLang="en-US"/>
+              <a:t>第 </a:t>
+            </a:r>
+            <a:r>
+              <a:rPr lang="en-US" altLang="ja-JP"/>
+              <a:t>5 </a:t>
+            </a:r>
+            <a:r>
+              <a:rPr lang="ja-JP" altLang="en-US"/>
+              <a:t>レベル</a:t>
+            </a:r>
+            <a:endParaRPr lang="en-US" dirty="0"/>
+          </a:p>
+        </p:txBody>
+      </p:sp>
+      <p:sp>
+        <p:nvSpPr>
+          <p:cNvPr id="7" name="Date Placeholder 6"/>
+          <p:cNvSpPr>
+            <a:spLocks noGrp="1"/>
+          </p:cNvSpPr>
+          <p:nvPr>
+            <p:ph type="dt" sz="half" idx="10"/>
+          </p:nvPr>
+        </p:nvSpPr>
+        <p:spPr/>
+        <p:txBody>
           <a:bodyPr/>
           <a:lstStyle/>
           <a:p>
-            <a:pPr lvl="0"/>
-            <a:r>
-              <a:rPr lang="ja-JP" altLang="en-US"/>
-              <a:t>マスター テキストの書式設定</a:t>
-            </a:r>
-          </a:p>
-          <a:p>
-            <a:pPr lvl="1"/>
-            <a:r>
-              <a:rPr lang="ja-JP" altLang="en-US"/>
-              <a:t>第 </a:t>
-            </a:r>
-            <a:r>
-              <a:rPr lang="en-US" altLang="ja-JP"/>
-              <a:t>2 </a:t>
-            </a:r>
-            <a:r>
-              <a:rPr lang="ja-JP" altLang="en-US"/>
-              <a:t>レベル</a:t>
-            </a:r>
-          </a:p>
-          <a:p>
-            <a:pPr lvl="2"/>
-            <a:r>
-              <a:rPr lang="ja-JP" altLang="en-US"/>
-              <a:t>第 </a:t>
-            </a:r>
-            <a:r>
-              <a:rPr lang="en-US" altLang="ja-JP"/>
-              <a:t>3 </a:t>
-            </a:r>
-            <a:r>
-              <a:rPr lang="ja-JP" altLang="en-US"/>
-              <a:t>レベル</a:t>
-            </a:r>
-          </a:p>
-          <a:p>
-            <a:pPr lvl="3"/>
-            <a:r>
-              <a:rPr lang="ja-JP" altLang="en-US"/>
-              <a:t>第 </a:t>
-            </a:r>
-            <a:r>
-              <a:rPr lang="en-US" altLang="ja-JP"/>
-              <a:t>4 </a:t>
-            </a:r>
-            <a:r>
-              <a:rPr lang="ja-JP" altLang="en-US"/>
-              <a:t>レベル</a:t>
-            </a:r>
-          </a:p>
-          <a:p>
-            <a:pPr lvl="4"/>
-            <a:r>
-              <a:rPr lang="ja-JP" altLang="en-US"/>
-              <a:t>第 </a:t>
-            </a:r>
-            <a:r>
-              <a:rPr lang="en-US" altLang="ja-JP"/>
-              <a:t>5 </a:t>
-            </a:r>
-            <a:r>
-              <a:rPr lang="ja-JP" altLang="en-US"/>
-              <a:t>レベル</a:t>
-            </a:r>
+            <a:fld id="{925E6D9D-9AD4-4F5D-AD35-0F310E293712}" type="datetimeFigureOut">
+              <a:rPr lang="en-US" smtClean="0"/>
+              <a:t>3/20/2025</a:t>
+            </a:fld>
             <a:endParaRPr lang="en-US"/>
           </a:p>
         </p:txBody>
       </p:sp>
       <p:sp>
         <p:nvSpPr>
-          <p:cNvPr id="7" name="日付プレースホルダー 6">
-            <a:extLst>
-              <a:ext uri="{FF2B5EF4-FFF2-40B4-BE49-F238E27FC236}">
-                <a16:creationId xmlns:a16="http://schemas.microsoft.com/office/drawing/2014/main" id="{6282A569-DB7E-43E0-A27C-B099035C2F76}"/>
-              </a:ext>
-            </a:extLst>
-          </p:cNvPr>
-          <p:cNvSpPr>
-            <a:spLocks noGrp="1"/>
-          </p:cNvSpPr>
-          <p:nvPr>
-            <p:ph type="dt" sz="half" idx="10"/>
+          <p:cNvPr id="8" name="Footer Placeholder 7"/>
+          <p:cNvSpPr>
+            <a:spLocks noGrp="1"/>
+          </p:cNvSpPr>
+          <p:nvPr>
+            <p:ph type="ftr" sz="quarter" idx="11"/>
           </p:nvPr>
         </p:nvSpPr>
         <p:spPr/>
@@ -2055,48 +4233,95 @@
           <a:bodyPr/>
           <a:lstStyle/>
           <a:p>
-            <a:fld id="{925E6D9D-9AD4-4F5D-AD35-0F310E293712}" type="datetimeFigureOut">
-              <a:rPr lang="en-US" smtClean="0"/>
-              <a:t>3/18/2025</a:t>
-            </a:fld>
             <a:endParaRPr lang="en-US"/>
           </a:p>
         </p:txBody>
       </p:sp>
       <p:sp>
         <p:nvSpPr>
-          <p:cNvPr id="8" name="フッター プレースホルダー 7">
-            <a:extLst>
-              <a:ext uri="{FF2B5EF4-FFF2-40B4-BE49-F238E27FC236}">
-                <a16:creationId xmlns:a16="http://schemas.microsoft.com/office/drawing/2014/main" id="{BE77E2F4-4796-4FB6-987A-FFC1A9461D9C}"/>
-              </a:ext>
-            </a:extLst>
-          </p:cNvPr>
-          <p:cNvSpPr>
-            <a:spLocks noGrp="1"/>
-          </p:cNvSpPr>
-          <p:nvPr>
-            <p:ph type="ftr" sz="quarter" idx="11"/>
-          </p:nvPr>
-        </p:nvSpPr>
-        <p:spPr/>
-        <p:txBody>
-          <a:bodyPr/>
-          <a:lstStyle/>
-          <a:p>
-            <a:endParaRPr lang="en-US"/>
-          </a:p>
-        </p:txBody>
-      </p:sp>
-      <p:sp>
-        <p:nvSpPr>
-          <p:cNvPr id="9" name="スライド番号プレースホルダー 8">
-            <a:extLst>
-              <a:ext uri="{FF2B5EF4-FFF2-40B4-BE49-F238E27FC236}">
-                <a16:creationId xmlns:a16="http://schemas.microsoft.com/office/drawing/2014/main" id="{7B16CD89-FFF3-4A36-9BF6-87719108D706}"/>
-              </a:ext>
-            </a:extLst>
-          </p:cNvPr>
+          <p:cNvPr id="12" name="Freeform 11"/>
+          <p:cNvSpPr/>
+          <p:nvPr/>
+        </p:nvSpPr>
+        <p:spPr bwMode="auto">
+          <a:xfrm flipV="1">
+            <a:off x="-4189" y="714375"/>
+            <a:ext cx="1588527" cy="507297"/>
+          </a:xfrm>
+          <a:custGeom>
+            <a:avLst/>
+            <a:gdLst/>
+            <a:ahLst/>
+            <a:cxnLst/>
+            <a:rect l="l" t="t" r="r" b="b"/>
+            <a:pathLst>
+              <a:path w="9248" h="10000">
+                <a:moveTo>
+                  <a:pt x="9248" y="4701"/>
+                </a:moveTo>
+                <a:lnTo>
+                  <a:pt x="7915" y="188"/>
+                </a:lnTo>
+                <a:cubicBezTo>
+                  <a:pt x="7906" y="156"/>
+                  <a:pt x="7895" y="126"/>
+                  <a:pt x="7886" y="94"/>
+                </a:cubicBezTo>
+                <a:cubicBezTo>
+                  <a:pt x="7859" y="0"/>
+                  <a:pt x="7831" y="0"/>
+                  <a:pt x="7803" y="0"/>
+                </a:cubicBezTo>
+                <a:lnTo>
+                  <a:pt x="7275" y="0"/>
+                </a:lnTo>
+                <a:lnTo>
+                  <a:pt x="0" y="70"/>
+                </a:lnTo>
+                <a:cubicBezTo>
+                  <a:pt x="8" y="3380"/>
+                  <a:pt x="17" y="6690"/>
+                  <a:pt x="25" y="10000"/>
+                </a:cubicBezTo>
+                <a:lnTo>
+                  <a:pt x="7275" y="9966"/>
+                </a:lnTo>
+                <a:lnTo>
+                  <a:pt x="7803" y="9966"/>
+                </a:lnTo>
+                <a:cubicBezTo>
+                  <a:pt x="7831" y="9966"/>
+                  <a:pt x="7859" y="9872"/>
+                  <a:pt x="7886" y="9872"/>
+                </a:cubicBezTo>
+                <a:cubicBezTo>
+                  <a:pt x="7886" y="9778"/>
+                  <a:pt x="7915" y="9778"/>
+                  <a:pt x="7915" y="9778"/>
+                </a:cubicBezTo>
+                <a:lnTo>
+                  <a:pt x="9248" y="5265"/>
+                </a:lnTo>
+                <a:cubicBezTo>
+                  <a:pt x="9303" y="5077"/>
+                  <a:pt x="9303" y="4889"/>
+                  <a:pt x="9248" y="4701"/>
+                </a:cubicBezTo>
+                <a:close/>
+              </a:path>
+            </a:pathLst>
+          </a:custGeom>
+          <a:solidFill>
+            <a:schemeClr val="accent1"/>
+          </a:solidFill>
+          <a:ln>
+            <a:noFill/>
+          </a:ln>
+        </p:spPr>
+      </p:sp>
+      <p:sp>
+        <p:nvSpPr>
+          <p:cNvPr id="13" name="Slide Number Placeholder 5"/>
           <p:cNvSpPr>
             <a:spLocks noGrp="1"/>
           </p:cNvSpPr>
@@ -2104,7 +4329,12 @@
             <p:ph type="sldNum" sz="quarter" idx="12"/>
           </p:nvPr>
         </p:nvSpPr>
-        <p:spPr/>
+        <p:spPr>
+          <a:xfrm>
+            <a:off x="531812" y="787782"/>
+            <a:ext cx="779767" cy="365125"/>
+          </a:xfrm>
+        </p:spPr>
         <p:txBody>
           <a:bodyPr/>
           <a:lstStyle/>
@@ -2120,13 +4350,18 @@
     </p:spTree>
     <p:extLst>
       <p:ext uri="{BB962C8B-B14F-4D97-AF65-F5344CB8AC3E}">
-        <p14:creationId xmlns:p14="http://schemas.microsoft.com/office/powerpoint/2010/main" val="89010615"/>
+        <p14:creationId xmlns:p14="http://schemas.microsoft.com/office/powerpoint/2010/main" val="2055242916"/>
       </p:ext>
     </p:extLst>
   </p:cSld>
   <p:clrMapOvr>
     <a:masterClrMapping/>
   </p:clrMapOvr>
+  <p:extLst>
+    <p:ext uri="{DCECCB84-F9BA-43D5-87BE-67443E8EF086}">
+      <p15:sldGuideLst xmlns:p15="http://schemas.microsoft.com/office/powerpoint/2012/main"/>
+    </p:ext>
+  </p:extLst>
 </p:sldLayout>
 </file>
 
@@ -2149,13 +4384,7 @@
       </p:grpSpPr>
       <p:sp>
         <p:nvSpPr>
-          <p:cNvPr id="2" name="タイトル 1">
-            <a:extLst>
-              <a:ext uri="{FF2B5EF4-FFF2-40B4-BE49-F238E27FC236}">
-                <a16:creationId xmlns:a16="http://schemas.microsoft.com/office/drawing/2014/main" id="{35651167-E4CF-4321-867E-E33EEFCC95BC}"/>
-              </a:ext>
-            </a:extLst>
-          </p:cNvPr>
+          <p:cNvPr id="2" name="Title 1"/>
           <p:cNvSpPr>
             <a:spLocks noGrp="1"/>
           </p:cNvSpPr>
@@ -2172,19 +4401,13 @@
               <a:rPr lang="ja-JP" altLang="en-US"/>
               <a:t>マスター タイトルの書式設定</a:t>
             </a:r>
-            <a:endParaRPr lang="en-US"/>
-          </a:p>
-        </p:txBody>
-      </p:sp>
-      <p:sp>
-        <p:nvSpPr>
-          <p:cNvPr id="3" name="日付プレースホルダー 2">
-            <a:extLst>
-              <a:ext uri="{FF2B5EF4-FFF2-40B4-BE49-F238E27FC236}">
-                <a16:creationId xmlns:a16="http://schemas.microsoft.com/office/drawing/2014/main" id="{0AB08CBE-AE2C-4854-9839-793609D30201}"/>
-              </a:ext>
-            </a:extLst>
-          </p:cNvPr>
+            <a:endParaRPr lang="en-US" dirty="0"/>
+          </a:p>
+        </p:txBody>
+      </p:sp>
+      <p:sp>
+        <p:nvSpPr>
+          <p:cNvPr id="3" name="Date Placeholder 2"/>
           <p:cNvSpPr>
             <a:spLocks noGrp="1"/>
           </p:cNvSpPr>
@@ -2199,7 +4422,7 @@
           <a:p>
             <a:fld id="{925E6D9D-9AD4-4F5D-AD35-0F310E293712}" type="datetimeFigureOut">
               <a:rPr lang="en-US" smtClean="0"/>
-              <a:t>3/18/2025</a:t>
+              <a:t>3/20/2025</a:t>
             </a:fld>
             <a:endParaRPr lang="en-US"/>
           </a:p>
@@ -2207,13 +4430,7 @@
       </p:sp>
       <p:sp>
         <p:nvSpPr>
-          <p:cNvPr id="4" name="フッター プレースホルダー 3">
-            <a:extLst>
-              <a:ext uri="{FF2B5EF4-FFF2-40B4-BE49-F238E27FC236}">
-                <a16:creationId xmlns:a16="http://schemas.microsoft.com/office/drawing/2014/main" id="{A7C582CE-10C2-46D6-ACB7-D17999E62F0C}"/>
-              </a:ext>
-            </a:extLst>
-          </p:cNvPr>
+          <p:cNvPr id="4" name="Footer Placeholder 3"/>
           <p:cNvSpPr>
             <a:spLocks noGrp="1"/>
           </p:cNvSpPr>
@@ -2232,13 +4449,89 @@
       </p:sp>
       <p:sp>
         <p:nvSpPr>
-          <p:cNvPr id="5" name="スライド番号プレースホルダー 4">
-            <a:extLst>
-              <a:ext uri="{FF2B5EF4-FFF2-40B4-BE49-F238E27FC236}">
-                <a16:creationId xmlns:a16="http://schemas.microsoft.com/office/drawing/2014/main" id="{4E45EE06-4EF4-4DB8-94BA-F919D4EBD223}"/>
-              </a:ext>
-            </a:extLst>
-          </p:cNvPr>
+          <p:cNvPr id="7" name="Freeform 11"/>
+          <p:cNvSpPr/>
+          <p:nvPr/>
+        </p:nvSpPr>
+        <p:spPr bwMode="auto">
+          <a:xfrm flipV="1">
+            <a:off x="-4189" y="714375"/>
+            <a:ext cx="1588527" cy="507297"/>
+          </a:xfrm>
+          <a:custGeom>
+            <a:avLst/>
+            <a:gdLst/>
+            <a:ahLst/>
+            <a:cxnLst/>
+            <a:rect l="l" t="t" r="r" b="b"/>
+            <a:pathLst>
+              <a:path w="9248" h="10000">
+                <a:moveTo>
+                  <a:pt x="9248" y="4701"/>
+                </a:moveTo>
+                <a:lnTo>
+                  <a:pt x="7915" y="188"/>
+                </a:lnTo>
+                <a:cubicBezTo>
+                  <a:pt x="7906" y="156"/>
+                  <a:pt x="7895" y="126"/>
+                  <a:pt x="7886" y="94"/>
+                </a:cubicBezTo>
+                <a:cubicBezTo>
+                  <a:pt x="7859" y="0"/>
+                  <a:pt x="7831" y="0"/>
+                  <a:pt x="7803" y="0"/>
+                </a:cubicBezTo>
+                <a:lnTo>
+                  <a:pt x="7275" y="0"/>
+                </a:lnTo>
+                <a:lnTo>
+                  <a:pt x="0" y="70"/>
+                </a:lnTo>
+                <a:cubicBezTo>
+                  <a:pt x="8" y="3380"/>
+                  <a:pt x="17" y="6690"/>
+                  <a:pt x="25" y="10000"/>
+                </a:cubicBezTo>
+                <a:lnTo>
+                  <a:pt x="7275" y="9966"/>
+                </a:lnTo>
+                <a:lnTo>
+                  <a:pt x="7803" y="9966"/>
+                </a:lnTo>
+                <a:cubicBezTo>
+                  <a:pt x="7831" y="9966"/>
+                  <a:pt x="7859" y="9872"/>
+                  <a:pt x="7886" y="9872"/>
+                </a:cubicBezTo>
+                <a:cubicBezTo>
+                  <a:pt x="7886" y="9778"/>
+                  <a:pt x="7915" y="9778"/>
+                  <a:pt x="7915" y="9778"/>
+                </a:cubicBezTo>
+                <a:lnTo>
+                  <a:pt x="9248" y="5265"/>
+                </a:lnTo>
+                <a:cubicBezTo>
+                  <a:pt x="9303" y="5077"/>
+                  <a:pt x="9303" y="4889"/>
+                  <a:pt x="9248" y="4701"/>
+                </a:cubicBezTo>
+                <a:close/>
+              </a:path>
+            </a:pathLst>
+          </a:custGeom>
+          <a:solidFill>
+            <a:schemeClr val="accent1"/>
+          </a:solidFill>
+          <a:ln>
+            <a:noFill/>
+          </a:ln>
+        </p:spPr>
+      </p:sp>
+      <p:sp>
+        <p:nvSpPr>
+          <p:cNvPr id="5" name="Slide Number Placeholder 4"/>
           <p:cNvSpPr>
             <a:spLocks noGrp="1"/>
           </p:cNvSpPr>
@@ -2262,7 +4555,7 @@
     </p:spTree>
     <p:extLst>
       <p:ext uri="{BB962C8B-B14F-4D97-AF65-F5344CB8AC3E}">
-        <p14:creationId xmlns:p14="http://schemas.microsoft.com/office/powerpoint/2010/main" val="1530018855"/>
+        <p14:creationId xmlns:p14="http://schemas.microsoft.com/office/powerpoint/2010/main" val="3544110474"/>
       </p:ext>
     </p:extLst>
   </p:cSld>
@@ -2291,13 +4584,7 @@
       </p:grpSpPr>
       <p:sp>
         <p:nvSpPr>
-          <p:cNvPr id="2" name="日付プレースホルダー 1">
-            <a:extLst>
-              <a:ext uri="{FF2B5EF4-FFF2-40B4-BE49-F238E27FC236}">
-                <a16:creationId xmlns:a16="http://schemas.microsoft.com/office/drawing/2014/main" id="{84920624-FE04-4612-BC4C-CF822DE1E943}"/>
-              </a:ext>
-            </a:extLst>
-          </p:cNvPr>
+          <p:cNvPr id="2" name="Date Placeholder 1"/>
           <p:cNvSpPr>
             <a:spLocks noGrp="1"/>
           </p:cNvSpPr>
@@ -2312,7 +4599,7 @@
           <a:p>
             <a:fld id="{925E6D9D-9AD4-4F5D-AD35-0F310E293712}" type="datetimeFigureOut">
               <a:rPr lang="en-US" smtClean="0"/>
-              <a:t>3/18/2025</a:t>
+              <a:t>3/20/2025</a:t>
             </a:fld>
             <a:endParaRPr lang="en-US"/>
           </a:p>
@@ -2320,13 +4607,7 @@
       </p:sp>
       <p:sp>
         <p:nvSpPr>
-          <p:cNvPr id="3" name="フッター プレースホルダー 2">
-            <a:extLst>
-              <a:ext uri="{FF2B5EF4-FFF2-40B4-BE49-F238E27FC236}">
-                <a16:creationId xmlns:a16="http://schemas.microsoft.com/office/drawing/2014/main" id="{075AD92B-D521-4DB2-92F2-DC7104461439}"/>
-              </a:ext>
-            </a:extLst>
-          </p:cNvPr>
+          <p:cNvPr id="3" name="Footer Placeholder 2"/>
           <p:cNvSpPr>
             <a:spLocks noGrp="1"/>
           </p:cNvSpPr>
@@ -2345,13 +4626,89 @@
       </p:sp>
       <p:sp>
         <p:nvSpPr>
-          <p:cNvPr id="4" name="スライド番号プレースホルダー 3">
-            <a:extLst>
-              <a:ext uri="{FF2B5EF4-FFF2-40B4-BE49-F238E27FC236}">
-                <a16:creationId xmlns:a16="http://schemas.microsoft.com/office/drawing/2014/main" id="{F96AE655-87B9-465E-9D32-314904C91D46}"/>
-              </a:ext>
-            </a:extLst>
-          </p:cNvPr>
+          <p:cNvPr id="6" name="Freeform 11"/>
+          <p:cNvSpPr/>
+          <p:nvPr/>
+        </p:nvSpPr>
+        <p:spPr bwMode="auto">
+          <a:xfrm flipV="1">
+            <a:off x="-4189" y="714375"/>
+            <a:ext cx="1588527" cy="507297"/>
+          </a:xfrm>
+          <a:custGeom>
+            <a:avLst/>
+            <a:gdLst/>
+            <a:ahLst/>
+            <a:cxnLst/>
+            <a:rect l="l" t="t" r="r" b="b"/>
+            <a:pathLst>
+              <a:path w="9248" h="10000">
+                <a:moveTo>
+                  <a:pt x="9248" y="4701"/>
+                </a:moveTo>
+                <a:lnTo>
+                  <a:pt x="7915" y="188"/>
+                </a:lnTo>
+                <a:cubicBezTo>
+                  <a:pt x="7906" y="156"/>
+                  <a:pt x="7895" y="126"/>
+                  <a:pt x="7886" y="94"/>
+                </a:cubicBezTo>
+                <a:cubicBezTo>
+                  <a:pt x="7859" y="0"/>
+                  <a:pt x="7831" y="0"/>
+                  <a:pt x="7803" y="0"/>
+                </a:cubicBezTo>
+                <a:lnTo>
+                  <a:pt x="7275" y="0"/>
+                </a:lnTo>
+                <a:lnTo>
+                  <a:pt x="0" y="70"/>
+                </a:lnTo>
+                <a:cubicBezTo>
+                  <a:pt x="8" y="3380"/>
+                  <a:pt x="17" y="6690"/>
+                  <a:pt x="25" y="10000"/>
+                </a:cubicBezTo>
+                <a:lnTo>
+                  <a:pt x="7275" y="9966"/>
+                </a:lnTo>
+                <a:lnTo>
+                  <a:pt x="7803" y="9966"/>
+                </a:lnTo>
+                <a:cubicBezTo>
+                  <a:pt x="7831" y="9966"/>
+                  <a:pt x="7859" y="9872"/>
+                  <a:pt x="7886" y="9872"/>
+                </a:cubicBezTo>
+                <a:cubicBezTo>
+                  <a:pt x="7886" y="9778"/>
+                  <a:pt x="7915" y="9778"/>
+                  <a:pt x="7915" y="9778"/>
+                </a:cubicBezTo>
+                <a:lnTo>
+                  <a:pt x="9248" y="5265"/>
+                </a:lnTo>
+                <a:cubicBezTo>
+                  <a:pt x="9303" y="5077"/>
+                  <a:pt x="9303" y="4889"/>
+                  <a:pt x="9248" y="4701"/>
+                </a:cubicBezTo>
+                <a:close/>
+              </a:path>
+            </a:pathLst>
+          </a:custGeom>
+          <a:solidFill>
+            <a:schemeClr val="accent1"/>
+          </a:solidFill>
+          <a:ln>
+            <a:noFill/>
+          </a:ln>
+        </p:spPr>
+      </p:sp>
+      <p:sp>
+        <p:nvSpPr>
+          <p:cNvPr id="4" name="Slide Number Placeholder 3"/>
           <p:cNvSpPr>
             <a:spLocks noGrp="1"/>
           </p:cNvSpPr>
@@ -2375,7 +4732,7 @@
     </p:spTree>
     <p:extLst>
       <p:ext uri="{BB962C8B-B14F-4D97-AF65-F5344CB8AC3E}">
-        <p14:creationId xmlns:p14="http://schemas.microsoft.com/office/powerpoint/2010/main" val="807711305"/>
+        <p14:creationId xmlns:p14="http://schemas.microsoft.com/office/powerpoint/2010/main" val="3723115153"/>
       </p:ext>
     </p:extLst>
   </p:cSld>
@@ -2404,13 +4761,7 @@
       </p:grpSpPr>
       <p:sp>
         <p:nvSpPr>
-          <p:cNvPr id="2" name="タイトル 1">
-            <a:extLst>
-              <a:ext uri="{FF2B5EF4-FFF2-40B4-BE49-F238E27FC236}">
-                <a16:creationId xmlns:a16="http://schemas.microsoft.com/office/drawing/2014/main" id="{BE1CCC7A-C27D-4B9D-BAB2-6D67DF216F75}"/>
-              </a:ext>
-            </a:extLst>
-          </p:cNvPr>
+          <p:cNvPr id="2" name="Title 1"/>
           <p:cNvSpPr>
             <a:spLocks noGrp="1"/>
           </p:cNvSpPr>
@@ -2420,15 +4771,15 @@
         </p:nvSpPr>
         <p:spPr>
           <a:xfrm>
-            <a:off x="839788" y="457200"/>
-            <a:ext cx="3932237" cy="1600200"/>
+            <a:off x="2589212" y="446088"/>
+            <a:ext cx="3505199" cy="976312"/>
           </a:xfrm>
         </p:spPr>
         <p:txBody>
           <a:bodyPr anchor="b"/>
           <a:lstStyle>
-            <a:lvl1pPr>
-              <a:defRPr sz="3200"/>
+            <a:lvl1pPr algn="l">
+              <a:defRPr sz="2000" b="0"/>
             </a:lvl1pPr>
           </a:lstStyle>
           <a:p>
@@ -2436,19 +4787,13 @@
               <a:rPr lang="ja-JP" altLang="en-US"/>
               <a:t>マスター タイトルの書式設定</a:t>
             </a:r>
-            <a:endParaRPr lang="en-US"/>
-          </a:p>
-        </p:txBody>
-      </p:sp>
-      <p:sp>
-        <p:nvSpPr>
-          <p:cNvPr id="3" name="コンテンツ プレースホルダー 2">
-            <a:extLst>
-              <a:ext uri="{FF2B5EF4-FFF2-40B4-BE49-F238E27FC236}">
-                <a16:creationId xmlns:a16="http://schemas.microsoft.com/office/drawing/2014/main" id="{6B1DA7CD-65E5-47F2-B5D0-928B983849A2}"/>
-              </a:ext>
-            </a:extLst>
-          </p:cNvPr>
+            <a:endParaRPr lang="en-US" dirty="0"/>
+          </a:p>
+        </p:txBody>
+      </p:sp>
+      <p:sp>
+        <p:nvSpPr>
+          <p:cNvPr id="3" name="Content Placeholder 2"/>
           <p:cNvSpPr>
             <a:spLocks noGrp="1"/>
           </p:cNvSpPr>
@@ -2458,41 +4803,15 @@
         </p:nvSpPr>
         <p:spPr>
           <a:xfrm>
-            <a:off x="5183188" y="987425"/>
-            <a:ext cx="6172200" cy="4873625"/>
+            <a:off x="6323012" y="446088"/>
+            <a:ext cx="5181600" cy="5414963"/>
           </a:xfrm>
         </p:spPr>
         <p:txBody>
-          <a:bodyPr/>
-          <a:lstStyle>
-            <a:lvl1pPr>
-              <a:defRPr sz="3200"/>
-            </a:lvl1pPr>
-            <a:lvl2pPr>
-              <a:defRPr sz="2800"/>
-            </a:lvl2pPr>
-            <a:lvl3pPr>
-              <a:defRPr sz="2400"/>
-            </a:lvl3pPr>
-            <a:lvl4pPr>
-              <a:defRPr sz="2000"/>
-            </a:lvl4pPr>
-            <a:lvl5pPr>
-              <a:defRPr sz="2000"/>
-            </a:lvl5pPr>
-            <a:lvl6pPr>
-              <a:defRPr sz="2000"/>
-            </a:lvl6pPr>
-            <a:lvl7pPr>
-              <a:defRPr sz="2000"/>
-            </a:lvl7pPr>
-            <a:lvl8pPr>
-              <a:defRPr sz="2000"/>
-            </a:lvl8pPr>
-            <a:lvl9pPr>
-              <a:defRPr sz="2000"/>
-            </a:lvl9pPr>
-          </a:lstStyle>
+          <a:bodyPr anchor="ctr">
+            <a:normAutofit/>
+          </a:bodyPr>
+          <a:lstStyle/>
           <a:p>
             <a:pPr lvl="0"/>
             <a:r>
@@ -2559,19 +4878,13 @@
               <a:rPr lang="ja-JP" altLang="en-US"/>
               <a:t>レベル</a:t>
             </a:r>
-            <a:endParaRPr lang="en-US"/>
-          </a:p>
-        </p:txBody>
-      </p:sp>
-      <p:sp>
-        <p:nvSpPr>
-          <p:cNvPr id="4" name="テキスト プレースホルダー 3">
-            <a:extLst>
-              <a:ext uri="{FF2B5EF4-FFF2-40B4-BE49-F238E27FC236}">
-                <a16:creationId xmlns:a16="http://schemas.microsoft.com/office/drawing/2014/main" id="{A7F8EC9C-63B0-4069-87CB-E381904ADEC2}"/>
-              </a:ext>
-            </a:extLst>
-          </p:cNvPr>
+            <a:endParaRPr lang="en-US" dirty="0"/>
+          </a:p>
+        </p:txBody>
+      </p:sp>
+      <p:sp>
+        <p:nvSpPr>
+          <p:cNvPr id="4" name="Text Placeholder 3"/>
           <p:cNvSpPr>
             <a:spLocks noGrp="1"/>
           </p:cNvSpPr>
@@ -2581,8 +4894,8 @@
         </p:nvSpPr>
         <p:spPr>
           <a:xfrm>
-            <a:off x="839788" y="2057400"/>
-            <a:ext cx="3932237" cy="3811588"/>
+            <a:off x="2589212" y="1598613"/>
+            <a:ext cx="3505199" cy="4262436"/>
           </a:xfrm>
         </p:spPr>
         <p:txBody>
@@ -2590,39 +4903,39 @@
           <a:lstStyle>
             <a:lvl1pPr marL="0" indent="0">
               <a:buNone/>
-              <a:defRPr sz="1600"/>
+              <a:defRPr sz="1400"/>
             </a:lvl1pPr>
             <a:lvl2pPr marL="457200" indent="0">
               <a:buNone/>
-              <a:defRPr sz="1400"/>
+              <a:defRPr sz="1200"/>
             </a:lvl2pPr>
             <a:lvl3pPr marL="914400" indent="0">
               <a:buNone/>
-              <a:defRPr sz="1200"/>
+              <a:defRPr sz="1000"/>
             </a:lvl3pPr>
             <a:lvl4pPr marL="1371600" indent="0">
               <a:buNone/>
-              <a:defRPr sz="1000"/>
+              <a:defRPr sz="900"/>
             </a:lvl4pPr>
             <a:lvl5pPr marL="1828800" indent="0">
               <a:buNone/>
-              <a:defRPr sz="1000"/>
+              <a:defRPr sz="900"/>
             </a:lvl5pPr>
             <a:lvl6pPr marL="2286000" indent="0">
               <a:buNone/>
-              <a:defRPr sz="1000"/>
+              <a:defRPr sz="900"/>
             </a:lvl6pPr>
             <a:lvl7pPr marL="2743200" indent="0">
               <a:buNone/>
-              <a:defRPr sz="1000"/>
+              <a:defRPr sz="900"/>
             </a:lvl7pPr>
             <a:lvl8pPr marL="3200400" indent="0">
               <a:buNone/>
-              <a:defRPr sz="1000"/>
+              <a:defRPr sz="900"/>
             </a:lvl8pPr>
             <a:lvl9pPr marL="3657600" indent="0">
               <a:buNone/>
-              <a:defRPr sz="1000"/>
+              <a:defRPr sz="900"/>
             </a:lvl9pPr>
           </a:lstStyle>
           <a:p>
@@ -2636,13 +4949,7 @@
       </p:sp>
       <p:sp>
         <p:nvSpPr>
-          <p:cNvPr id="5" name="日付プレースホルダー 4">
-            <a:extLst>
-              <a:ext uri="{FF2B5EF4-FFF2-40B4-BE49-F238E27FC236}">
-                <a16:creationId xmlns:a16="http://schemas.microsoft.com/office/drawing/2014/main" id="{272CB849-08BC-44BB-BD8B-46B5A93691C4}"/>
-              </a:ext>
-            </a:extLst>
-          </p:cNvPr>
+          <p:cNvPr id="5" name="Date Placeholder 4"/>
           <p:cNvSpPr>
             <a:spLocks noGrp="1"/>
           </p:cNvSpPr>
@@ -2657,7 +4964,7 @@
           <a:p>
             <a:fld id="{925E6D9D-9AD4-4F5D-AD35-0F310E293712}" type="datetimeFigureOut">
               <a:rPr lang="en-US" smtClean="0"/>
-              <a:t>3/18/2025</a:t>
+              <a:t>3/20/2025</a:t>
             </a:fld>
             <a:endParaRPr lang="en-US"/>
           </a:p>
@@ -2665,13 +4972,7 @@
       </p:sp>
       <p:sp>
         <p:nvSpPr>
-          <p:cNvPr id="6" name="フッター プレースホルダー 5">
-            <a:extLst>
-              <a:ext uri="{FF2B5EF4-FFF2-40B4-BE49-F238E27FC236}">
-                <a16:creationId xmlns:a16="http://schemas.microsoft.com/office/drawing/2014/main" id="{1B829417-061C-400C-B4BA-EC91B07177AE}"/>
-              </a:ext>
-            </a:extLst>
-          </p:cNvPr>
+          <p:cNvPr id="6" name="Footer Placeholder 5"/>
           <p:cNvSpPr>
             <a:spLocks noGrp="1"/>
           </p:cNvSpPr>
@@ -2690,13 +4991,89 @@
       </p:sp>
       <p:sp>
         <p:nvSpPr>
-          <p:cNvPr id="7" name="スライド番号プレースホルダー 6">
-            <a:extLst>
-              <a:ext uri="{FF2B5EF4-FFF2-40B4-BE49-F238E27FC236}">
-                <a16:creationId xmlns:a16="http://schemas.microsoft.com/office/drawing/2014/main" id="{6A24ADF8-CAB1-4CAA-9097-601100E2CA71}"/>
-              </a:ext>
-            </a:extLst>
-          </p:cNvPr>
+          <p:cNvPr id="9" name="Freeform 11"/>
+          <p:cNvSpPr/>
+          <p:nvPr/>
+        </p:nvSpPr>
+        <p:spPr bwMode="auto">
+          <a:xfrm flipV="1">
+            <a:off x="-4189" y="714375"/>
+            <a:ext cx="1588527" cy="507297"/>
+          </a:xfrm>
+          <a:custGeom>
+            <a:avLst/>
+            <a:gdLst/>
+            <a:ahLst/>
+            <a:cxnLst/>
+            <a:rect l="l" t="t" r="r" b="b"/>
+            <a:pathLst>
+              <a:path w="9248" h="10000">
+                <a:moveTo>
+                  <a:pt x="9248" y="4701"/>
+                </a:moveTo>
+                <a:lnTo>
+                  <a:pt x="7915" y="188"/>
+                </a:lnTo>
+                <a:cubicBezTo>
+                  <a:pt x="7906" y="156"/>
+                  <a:pt x="7895" y="126"/>
+                  <a:pt x="7886" y="94"/>
+                </a:cubicBezTo>
+                <a:cubicBezTo>
+                  <a:pt x="7859" y="0"/>
+                  <a:pt x="7831" y="0"/>
+                  <a:pt x="7803" y="0"/>
+                </a:cubicBezTo>
+                <a:lnTo>
+                  <a:pt x="7275" y="0"/>
+                </a:lnTo>
+                <a:lnTo>
+                  <a:pt x="0" y="70"/>
+                </a:lnTo>
+                <a:cubicBezTo>
+                  <a:pt x="8" y="3380"/>
+                  <a:pt x="17" y="6690"/>
+                  <a:pt x="25" y="10000"/>
+                </a:cubicBezTo>
+                <a:lnTo>
+                  <a:pt x="7275" y="9966"/>
+                </a:lnTo>
+                <a:lnTo>
+                  <a:pt x="7803" y="9966"/>
+                </a:lnTo>
+                <a:cubicBezTo>
+                  <a:pt x="7831" y="9966"/>
+                  <a:pt x="7859" y="9872"/>
+                  <a:pt x="7886" y="9872"/>
+                </a:cubicBezTo>
+                <a:cubicBezTo>
+                  <a:pt x="7886" y="9778"/>
+                  <a:pt x="7915" y="9778"/>
+                  <a:pt x="7915" y="9778"/>
+                </a:cubicBezTo>
+                <a:lnTo>
+                  <a:pt x="9248" y="5265"/>
+                </a:lnTo>
+                <a:cubicBezTo>
+                  <a:pt x="9303" y="5077"/>
+                  <a:pt x="9303" y="4889"/>
+                  <a:pt x="9248" y="4701"/>
+                </a:cubicBezTo>
+                <a:close/>
+              </a:path>
+            </a:pathLst>
+          </a:custGeom>
+          <a:solidFill>
+            <a:schemeClr val="accent1"/>
+          </a:solidFill>
+          <a:ln>
+            <a:noFill/>
+          </a:ln>
+        </p:spPr>
+      </p:sp>
+      <p:sp>
+        <p:nvSpPr>
+          <p:cNvPr id="7" name="Slide Number Placeholder 6"/>
           <p:cNvSpPr>
             <a:spLocks noGrp="1"/>
           </p:cNvSpPr>
@@ -2720,13 +5097,18 @@
     </p:spTree>
     <p:extLst>
       <p:ext uri="{BB962C8B-B14F-4D97-AF65-F5344CB8AC3E}">
-        <p14:creationId xmlns:p14="http://schemas.microsoft.com/office/powerpoint/2010/main" val="1456254423"/>
+        <p14:creationId xmlns:p14="http://schemas.microsoft.com/office/powerpoint/2010/main" val="1980485151"/>
       </p:ext>
     </p:extLst>
   </p:cSld>
   <p:clrMapOvr>
     <a:masterClrMapping/>
   </p:clrMapOvr>
+  <p:extLst>
+    <p:ext uri="{DCECCB84-F9BA-43D5-87BE-67443E8EF086}">
+      <p15:sldGuideLst xmlns:p15="http://schemas.microsoft.com/office/powerpoint/2012/main"/>
+    </p:ext>
+  </p:extLst>
 </p:sldLayout>
 </file>
 
@@ -2749,13 +5131,7 @@
       </p:grpSpPr>
       <p:sp>
         <p:nvSpPr>
-          <p:cNvPr id="2" name="タイトル 1">
-            <a:extLst>
-              <a:ext uri="{FF2B5EF4-FFF2-40B4-BE49-F238E27FC236}">
-                <a16:creationId xmlns:a16="http://schemas.microsoft.com/office/drawing/2014/main" id="{0C1D2862-33C3-43EC-864F-BDFCC55C8A55}"/>
-              </a:ext>
-            </a:extLst>
-          </p:cNvPr>
+          <p:cNvPr id="2" name="Title 1"/>
           <p:cNvSpPr>
             <a:spLocks noGrp="1"/>
           </p:cNvSpPr>
@@ -2765,15 +5141,17 @@
         </p:nvSpPr>
         <p:spPr>
           <a:xfrm>
-            <a:off x="839788" y="457200"/>
-            <a:ext cx="3932237" cy="1600200"/>
+            <a:off x="2589213" y="4800600"/>
+            <a:ext cx="8915400" cy="566738"/>
           </a:xfrm>
         </p:spPr>
         <p:txBody>
-          <a:bodyPr anchor="b"/>
+          <a:bodyPr anchor="b">
+            <a:normAutofit/>
+          </a:bodyPr>
           <a:lstStyle>
-            <a:lvl1pPr>
-              <a:defRPr sz="3200"/>
+            <a:lvl1pPr algn="l">
+              <a:defRPr sz="2400" b="0"/>
             </a:lvl1pPr>
           </a:lstStyle>
           <a:p>
@@ -2781,21 +5159,15 @@
               <a:rPr lang="ja-JP" altLang="en-US"/>
               <a:t>マスター タイトルの書式設定</a:t>
             </a:r>
-            <a:endParaRPr lang="en-US"/>
-          </a:p>
-        </p:txBody>
-      </p:sp>
-      <p:sp>
-        <p:nvSpPr>
-          <p:cNvPr id="3" name="図プレースホルダー 2">
-            <a:extLst>
-              <a:ext uri="{FF2B5EF4-FFF2-40B4-BE49-F238E27FC236}">
-                <a16:creationId xmlns:a16="http://schemas.microsoft.com/office/drawing/2014/main" id="{0E5AFE79-3FB6-4B36-B2DB-D8B44DF9FB78}"/>
-              </a:ext>
-            </a:extLst>
-          </p:cNvPr>
-          <p:cNvSpPr>
-            <a:spLocks noGrp="1"/>
+            <a:endParaRPr lang="en-US" dirty="0"/>
+          </a:p>
+        </p:txBody>
+      </p:sp>
+      <p:sp>
+        <p:nvSpPr>
+          <p:cNvPr id="3" name="Picture Placeholder 2"/>
+          <p:cNvSpPr>
+            <a:spLocks noGrp="1" noChangeAspect="1"/>
           </p:cNvSpPr>
           <p:nvPr>
             <p:ph type="pic" idx="1"/>
@@ -2803,118 +5175,120 @@
         </p:nvSpPr>
         <p:spPr>
           <a:xfrm>
-            <a:off x="5183188" y="987425"/>
-            <a:ext cx="6172200" cy="4873625"/>
+            <a:off x="2589212" y="634965"/>
+            <a:ext cx="8915400" cy="3854970"/>
           </a:xfrm>
         </p:spPr>
         <p:txBody>
-          <a:bodyPr/>
+          <a:bodyPr anchor="t">
+            <a:normAutofit/>
+          </a:bodyPr>
           <a:lstStyle>
-            <a:lvl1pPr marL="0" indent="0">
-              <a:buNone/>
-              <a:defRPr sz="3200"/>
-            </a:lvl1pPr>
-            <a:lvl2pPr marL="457200" indent="0">
-              <a:buNone/>
-              <a:defRPr sz="2800"/>
-            </a:lvl2pPr>
-            <a:lvl3pPr marL="914400" indent="0">
-              <a:buNone/>
-              <a:defRPr sz="2400"/>
-            </a:lvl3pPr>
-            <a:lvl4pPr marL="1371600" indent="0">
-              <a:buNone/>
-              <a:defRPr sz="2000"/>
-            </a:lvl4pPr>
-            <a:lvl5pPr marL="1828800" indent="0">
-              <a:buNone/>
-              <a:defRPr sz="2000"/>
-            </a:lvl5pPr>
-            <a:lvl6pPr marL="2286000" indent="0">
-              <a:buNone/>
-              <a:defRPr sz="2000"/>
-            </a:lvl6pPr>
-            <a:lvl7pPr marL="2743200" indent="0">
-              <a:buNone/>
-              <a:defRPr sz="2000"/>
-            </a:lvl7pPr>
-            <a:lvl8pPr marL="3200400" indent="0">
-              <a:buNone/>
-              <a:defRPr sz="2000"/>
-            </a:lvl8pPr>
-            <a:lvl9pPr marL="3657600" indent="0">
-              <a:buNone/>
-              <a:defRPr sz="2000"/>
-            </a:lvl9pPr>
-          </a:lstStyle>
-          <a:p>
-            <a:endParaRPr lang="en-US"/>
-          </a:p>
-        </p:txBody>
-      </p:sp>
-      <p:sp>
-        <p:nvSpPr>
-          <p:cNvPr id="4" name="テキスト プレースホルダー 3">
-            <a:extLst>
-              <a:ext uri="{FF2B5EF4-FFF2-40B4-BE49-F238E27FC236}">
-                <a16:creationId xmlns:a16="http://schemas.microsoft.com/office/drawing/2014/main" id="{934DCB6C-50DC-4A05-A8A5-5DDD0948B1B5}"/>
-              </a:ext>
-            </a:extLst>
-          </p:cNvPr>
-          <p:cNvSpPr>
-            <a:spLocks noGrp="1"/>
-          </p:cNvSpPr>
-          <p:nvPr>
-            <p:ph type="body" sz="half" idx="2"/>
-          </p:nvPr>
-        </p:nvSpPr>
-        <p:spPr>
-          <a:xfrm>
-            <a:off x="839788" y="2057400"/>
-            <a:ext cx="3932237" cy="3811588"/>
-          </a:xfrm>
-        </p:spPr>
-        <p:txBody>
-          <a:bodyPr/>
-          <a:lstStyle>
-            <a:lvl1pPr marL="0" indent="0">
+            <a:lvl1pPr marL="0" indent="0" algn="ctr">
               <a:buNone/>
               <a:defRPr sz="1600"/>
             </a:lvl1pPr>
             <a:lvl2pPr marL="457200" indent="0">
               <a:buNone/>
-              <a:defRPr sz="1400"/>
+              <a:defRPr sz="1600"/>
             </a:lvl2pPr>
             <a:lvl3pPr marL="914400" indent="0">
               <a:buNone/>
-              <a:defRPr sz="1200"/>
+              <a:defRPr sz="1600"/>
             </a:lvl3pPr>
             <a:lvl4pPr marL="1371600" indent="0">
               <a:buNone/>
-              <a:defRPr sz="1000"/>
+              <a:defRPr sz="1600"/>
             </a:lvl4pPr>
             <a:lvl5pPr marL="1828800" indent="0">
               <a:buNone/>
-              <a:defRPr sz="1000"/>
+              <a:defRPr sz="1600"/>
             </a:lvl5pPr>
             <a:lvl6pPr marL="2286000" indent="0">
               <a:buNone/>
-              <a:defRPr sz="1000"/>
+              <a:defRPr sz="1600"/>
             </a:lvl6pPr>
             <a:lvl7pPr marL="2743200" indent="0">
               <a:buNone/>
-              <a:defRPr sz="1000"/>
+              <a:defRPr sz="1600"/>
             </a:lvl7pPr>
             <a:lvl8pPr marL="3200400" indent="0">
               <a:buNone/>
-              <a:defRPr sz="1000"/>
+              <a:defRPr sz="1600"/>
             </a:lvl8pPr>
             <a:lvl9pPr marL="3657600" indent="0">
               <a:buNone/>
-              <a:defRPr sz="1000"/>
+              <a:defRPr sz="1600"/>
             </a:lvl9pPr>
           </a:lstStyle>
           <a:p>
+            <a:r>
+              <a:rPr lang="ja-JP" altLang="en-US"/>
+              <a:t>アイコンをクリックして図を追加</a:t>
+            </a:r>
+            <a:endParaRPr lang="en-US" dirty="0"/>
+          </a:p>
+        </p:txBody>
+      </p:sp>
+      <p:sp>
+        <p:nvSpPr>
+          <p:cNvPr id="4" name="Text Placeholder 3"/>
+          <p:cNvSpPr>
+            <a:spLocks noGrp="1"/>
+          </p:cNvSpPr>
+          <p:nvPr>
+            <p:ph type="body" sz="half" idx="2"/>
+          </p:nvPr>
+        </p:nvSpPr>
+        <p:spPr>
+          <a:xfrm>
+            <a:off x="2589213" y="5367338"/>
+            <a:ext cx="8915400" cy="493712"/>
+          </a:xfrm>
+        </p:spPr>
+        <p:txBody>
+          <a:bodyPr>
+            <a:normAutofit/>
+          </a:bodyPr>
+          <a:lstStyle>
+            <a:lvl1pPr marL="0" indent="0">
+              <a:buNone/>
+              <a:defRPr sz="1200"/>
+            </a:lvl1pPr>
+            <a:lvl2pPr marL="457200" indent="0">
+              <a:buNone/>
+              <a:defRPr sz="1200"/>
+            </a:lvl2pPr>
+            <a:lvl3pPr marL="914400" indent="0">
+              <a:buNone/>
+              <a:defRPr sz="1000"/>
+            </a:lvl3pPr>
+            <a:lvl4pPr marL="1371600" indent="0">
+              <a:buNone/>
+              <a:defRPr sz="900"/>
+            </a:lvl4pPr>
+            <a:lvl5pPr marL="1828800" indent="0">
+              <a:buNone/>
+              <a:defRPr sz="900"/>
+            </a:lvl5pPr>
+            <a:lvl6pPr marL="2286000" indent="0">
+              <a:buNone/>
+              <a:defRPr sz="900"/>
+            </a:lvl6pPr>
+            <a:lvl7pPr marL="2743200" indent="0">
+              <a:buNone/>
+              <a:defRPr sz="900"/>
+            </a:lvl7pPr>
+            <a:lvl8pPr marL="3200400" indent="0">
+              <a:buNone/>
+              <a:defRPr sz="900"/>
+            </a:lvl8pPr>
+            <a:lvl9pPr marL="3657600" indent="0">
+              <a:buNone/>
+              <a:defRPr sz="900"/>
+            </a:lvl9pPr>
+          </a:lstStyle>
+          <a:p>
             <a:pPr lvl="0"/>
             <a:r>
               <a:rPr lang="ja-JP" altLang="en-US"/>
@@ -2925,13 +5299,7 @@
       </p:sp>
       <p:sp>
         <p:nvSpPr>
-          <p:cNvPr id="5" name="日付プレースホルダー 4">
-            <a:extLst>
-              <a:ext uri="{FF2B5EF4-FFF2-40B4-BE49-F238E27FC236}">
-                <a16:creationId xmlns:a16="http://schemas.microsoft.com/office/drawing/2014/main" id="{A38D3B70-424E-46D3-8B2B-AE0A0E68F9CC}"/>
-              </a:ext>
-            </a:extLst>
-          </p:cNvPr>
+          <p:cNvPr id="5" name="Date Placeholder 4"/>
           <p:cNvSpPr>
             <a:spLocks noGrp="1"/>
           </p:cNvSpPr>
@@ -2946,7 +5314,7 @@
           <a:p>
             <a:fld id="{925E6D9D-9AD4-4F5D-AD35-0F310E293712}" type="datetimeFigureOut">
               <a:rPr lang="en-US" smtClean="0"/>
-              <a:t>3/18/2025</a:t>
+              <a:t>3/20/2025</a:t>
             </a:fld>
             <a:endParaRPr lang="en-US"/>
           </a:p>
@@ -2954,13 +5322,7 @@
       </p:sp>
       <p:sp>
         <p:nvSpPr>
-          <p:cNvPr id="6" name="フッター プレースホルダー 5">
-            <a:extLst>
-              <a:ext uri="{FF2B5EF4-FFF2-40B4-BE49-F238E27FC236}">
-                <a16:creationId xmlns:a16="http://schemas.microsoft.com/office/drawing/2014/main" id="{C5F4A201-0B04-4353-B8A5-FBA7F0E93956}"/>
-              </a:ext>
-            </a:extLst>
-          </p:cNvPr>
+          <p:cNvPr id="6" name="Footer Placeholder 5"/>
           <p:cNvSpPr>
             <a:spLocks noGrp="1"/>
           </p:cNvSpPr>
@@ -2973,19 +5335,95 @@
           <a:bodyPr/>
           <a:lstStyle/>
           <a:p>
-            <a:endParaRPr lang="en-US"/>
-          </a:p>
-        </p:txBody>
-      </p:sp>
-      <p:sp>
-        <p:nvSpPr>
-          <p:cNvPr id="7" name="スライド番号プレースホルダー 6">
-            <a:extLst>
-              <a:ext uri="{FF2B5EF4-FFF2-40B4-BE49-F238E27FC236}">
-                <a16:creationId xmlns:a16="http://schemas.microsoft.com/office/drawing/2014/main" id="{59019706-BBA9-476F-AFCC-E78105ADD062}"/>
-              </a:ext>
-            </a:extLst>
-          </p:cNvPr>
+            <a:endParaRPr lang="en-US" dirty="0"/>
+          </a:p>
+        </p:txBody>
+      </p:sp>
+      <p:sp>
+        <p:nvSpPr>
+          <p:cNvPr id="9" name="Freeform 11"/>
+          <p:cNvSpPr/>
+          <p:nvPr/>
+        </p:nvSpPr>
+        <p:spPr bwMode="auto">
+          <a:xfrm flipV="1">
+            <a:off x="-4189" y="4911725"/>
+            <a:ext cx="1588527" cy="507297"/>
+          </a:xfrm>
+          <a:custGeom>
+            <a:avLst/>
+            <a:gdLst/>
+            <a:ahLst/>
+            <a:cxnLst/>
+            <a:rect l="l" t="t" r="r" b="b"/>
+            <a:pathLst>
+              <a:path w="9248" h="10000">
+                <a:moveTo>
+                  <a:pt x="9248" y="4701"/>
+                </a:moveTo>
+                <a:lnTo>
+                  <a:pt x="7915" y="188"/>
+                </a:lnTo>
+                <a:cubicBezTo>
+                  <a:pt x="7906" y="156"/>
+                  <a:pt x="7895" y="126"/>
+                  <a:pt x="7886" y="94"/>
+                </a:cubicBezTo>
+                <a:cubicBezTo>
+                  <a:pt x="7859" y="0"/>
+                  <a:pt x="7831" y="0"/>
+                  <a:pt x="7803" y="0"/>
+                </a:cubicBezTo>
+                <a:lnTo>
+                  <a:pt x="7275" y="0"/>
+                </a:lnTo>
+                <a:lnTo>
+                  <a:pt x="0" y="70"/>
+                </a:lnTo>
+                <a:cubicBezTo>
+                  <a:pt x="8" y="3380"/>
+                  <a:pt x="17" y="6690"/>
+                  <a:pt x="25" y="10000"/>
+                </a:cubicBezTo>
+                <a:lnTo>
+                  <a:pt x="7275" y="9966"/>
+                </a:lnTo>
+                <a:lnTo>
+                  <a:pt x="7803" y="9966"/>
+                </a:lnTo>
+                <a:cubicBezTo>
+                  <a:pt x="7831" y="9966"/>
+                  <a:pt x="7859" y="9872"/>
+                  <a:pt x="7886" y="9872"/>
+                </a:cubicBezTo>
+                <a:cubicBezTo>
+                  <a:pt x="7886" y="9778"/>
+                  <a:pt x="7915" y="9778"/>
+                  <a:pt x="7915" y="9778"/>
+                </a:cubicBezTo>
+                <a:lnTo>
+                  <a:pt x="9248" y="5265"/>
+                </a:lnTo>
+                <a:cubicBezTo>
+                  <a:pt x="9303" y="5077"/>
+                  <a:pt x="9303" y="4889"/>
+                  <a:pt x="9248" y="4701"/>
+                </a:cubicBezTo>
+                <a:close/>
+              </a:path>
+            </a:pathLst>
+          </a:custGeom>
+          <a:solidFill>
+            <a:schemeClr val="accent1"/>
+          </a:solidFill>
+          <a:ln>
+            <a:noFill/>
+          </a:ln>
+        </p:spPr>
+      </p:sp>
+      <p:sp>
+        <p:nvSpPr>
+          <p:cNvPr id="7" name="Slide Number Placeholder 6"/>
           <p:cNvSpPr>
             <a:spLocks noGrp="1"/>
           </p:cNvSpPr>
@@ -2993,7 +5431,12 @@
             <p:ph type="sldNum" sz="quarter" idx="12"/>
           </p:nvPr>
         </p:nvSpPr>
-        <p:spPr/>
+        <p:spPr>
+          <a:xfrm>
+            <a:off x="531812" y="4983087"/>
+            <a:ext cx="779767" cy="365125"/>
+          </a:xfrm>
+        </p:spPr>
         <p:txBody>
           <a:bodyPr/>
           <a:lstStyle/>
@@ -3009,7 +5452,7 @@
     </p:spTree>
     <p:extLst>
       <p:ext uri="{BB962C8B-B14F-4D97-AF65-F5344CB8AC3E}">
-        <p14:creationId xmlns:p14="http://schemas.microsoft.com/office/powerpoint/2010/main" val="2028186989"/>
+        <p14:creationId xmlns:p14="http://schemas.microsoft.com/office/powerpoint/2010/main" val="3378166045"/>
       </p:ext>
     </p:extLst>
   </p:cSld>
@@ -3023,8 +5466,8 @@
 <p:sldMaster xmlns:a="http://schemas.openxmlformats.org/drawingml/2006/main" xmlns:r="http://schemas.openxmlformats.org/officeDocument/2006/relationships" xmlns:p="http://schemas.openxmlformats.org/presentationml/2006/main">
   <p:cSld>
     <p:bg>
-      <p:bgRef idx="1001">
-        <a:schemeClr val="bg1"/>
+      <p:bgRef idx="1003">
+        <a:schemeClr val="bg2"/>
       </p:bgRef>
     </p:bg>
     <p:spTree>
@@ -3041,33 +5484,1844 @@
           <a:chExt cx="0" cy="0"/>
         </a:xfrm>
       </p:grpSpPr>
-      <p:sp>
-        <p:nvSpPr>
-          <p:cNvPr id="2" name="タイトル プレースホルダー 1">
-            <a:extLst>
-              <a:ext uri="{FF2B5EF4-FFF2-40B4-BE49-F238E27FC236}">
-                <a16:creationId xmlns:a16="http://schemas.microsoft.com/office/drawing/2014/main" id="{123387A8-BF43-4389-8EA9-BB4A65F3A122}"/>
-              </a:ext>
-            </a:extLst>
-          </p:cNvPr>
-          <p:cNvSpPr>
-            <a:spLocks noGrp="1"/>
-          </p:cNvSpPr>
-          <p:nvPr>
-            <p:ph type="title"/>
-          </p:nvPr>
+      <p:grpSp>
+        <p:nvGrpSpPr>
+          <p:cNvPr id="23" name="Group 22"/>
+          <p:cNvGrpSpPr/>
+          <p:nvPr/>
+        </p:nvGrpSpPr>
+        <p:grpSpPr>
+          <a:xfrm>
+            <a:off x="1" y="228600"/>
+            <a:ext cx="2851516" cy="6638628"/>
+            <a:chOff x="2487613" y="285750"/>
+            <a:chExt cx="2428875" cy="5654676"/>
+          </a:xfrm>
+        </p:grpSpPr>
+        <p:sp>
+          <p:nvSpPr>
+            <p:cNvPr id="24" name="Freeform 11"/>
+            <p:cNvSpPr/>
+            <p:nvPr/>
+          </p:nvSpPr>
+          <p:spPr bwMode="auto">
+            <a:xfrm>
+              <a:off x="2487613" y="2284413"/>
+              <a:ext cx="85725" cy="533400"/>
+            </a:xfrm>
+            <a:custGeom>
+              <a:avLst/>
+              <a:gdLst/>
+              <a:ahLst/>
+              <a:cxnLst/>
+              <a:rect l="0" t="0" r="r" b="b"/>
+              <a:pathLst>
+                <a:path w="22" h="136">
+                  <a:moveTo>
+                    <a:pt x="22" y="136"/>
+                  </a:moveTo>
+                  <a:cubicBezTo>
+                    <a:pt x="20" y="117"/>
+                    <a:pt x="19" y="99"/>
+                    <a:pt x="17" y="80"/>
+                  </a:cubicBezTo>
+                  <a:cubicBezTo>
+                    <a:pt x="11" y="54"/>
+                    <a:pt x="6" y="27"/>
+                    <a:pt x="0" y="0"/>
+                  </a:cubicBezTo>
+                  <a:cubicBezTo>
+                    <a:pt x="0" y="35"/>
+                    <a:pt x="0" y="35"/>
+                    <a:pt x="0" y="35"/>
+                  </a:cubicBezTo>
+                  <a:cubicBezTo>
+                    <a:pt x="6" y="64"/>
+                    <a:pt x="13" y="94"/>
+                    <a:pt x="20" y="124"/>
+                  </a:cubicBezTo>
+                  <a:cubicBezTo>
+                    <a:pt x="20" y="128"/>
+                    <a:pt x="21" y="132"/>
+                    <a:pt x="22" y="136"/>
+                  </a:cubicBezTo>
+                  <a:close/>
+                </a:path>
+              </a:pathLst>
+            </a:custGeom>
+            <a:solidFill>
+              <a:schemeClr val="tx2">
+                <a:alpha val="20000"/>
+              </a:schemeClr>
+            </a:solidFill>
+            <a:ln>
+              <a:noFill/>
+            </a:ln>
+          </p:spPr>
+        </p:sp>
+        <p:sp>
+          <p:nvSpPr>
+            <p:cNvPr id="25" name="Freeform 12"/>
+            <p:cNvSpPr/>
+            <p:nvPr/>
+          </p:nvSpPr>
+          <p:spPr bwMode="auto">
+            <a:xfrm>
+              <a:off x="2597151" y="2779713"/>
+              <a:ext cx="550863" cy="1978025"/>
+            </a:xfrm>
+            <a:custGeom>
+              <a:avLst/>
+              <a:gdLst/>
+              <a:ahLst/>
+              <a:cxnLst/>
+              <a:rect l="0" t="0" r="r" b="b"/>
+              <a:pathLst>
+                <a:path w="140" h="504">
+                  <a:moveTo>
+                    <a:pt x="86" y="350"/>
+                  </a:moveTo>
+                  <a:cubicBezTo>
+                    <a:pt x="103" y="402"/>
+                    <a:pt x="120" y="453"/>
+                    <a:pt x="139" y="504"/>
+                  </a:cubicBezTo>
+                  <a:cubicBezTo>
+                    <a:pt x="139" y="495"/>
+                    <a:pt x="139" y="487"/>
+                    <a:pt x="140" y="478"/>
+                  </a:cubicBezTo>
+                  <a:cubicBezTo>
+                    <a:pt x="124" y="435"/>
+                    <a:pt x="109" y="391"/>
+                    <a:pt x="95" y="347"/>
+                  </a:cubicBezTo>
+                  <a:cubicBezTo>
+                    <a:pt x="58" y="233"/>
+                    <a:pt x="27" y="117"/>
+                    <a:pt x="0" y="0"/>
+                  </a:cubicBezTo>
+                  <a:cubicBezTo>
+                    <a:pt x="2" y="20"/>
+                    <a:pt x="4" y="41"/>
+                    <a:pt x="6" y="61"/>
+                  </a:cubicBezTo>
+                  <a:cubicBezTo>
+                    <a:pt x="30" y="158"/>
+                    <a:pt x="56" y="255"/>
+                    <a:pt x="86" y="350"/>
+                  </a:cubicBezTo>
+                  <a:close/>
+                </a:path>
+              </a:pathLst>
+            </a:custGeom>
+            <a:solidFill>
+              <a:schemeClr val="tx2">
+                <a:alpha val="20000"/>
+              </a:schemeClr>
+            </a:solidFill>
+            <a:ln>
+              <a:noFill/>
+            </a:ln>
+          </p:spPr>
+        </p:sp>
+        <p:sp>
+          <p:nvSpPr>
+            <p:cNvPr id="26" name="Freeform 13"/>
+            <p:cNvSpPr/>
+            <p:nvPr/>
+          </p:nvSpPr>
+          <p:spPr bwMode="auto">
+            <a:xfrm>
+              <a:off x="3175001" y="4730750"/>
+              <a:ext cx="519113" cy="1209675"/>
+            </a:xfrm>
+            <a:custGeom>
+              <a:avLst/>
+              <a:gdLst/>
+              <a:ahLst/>
+              <a:cxnLst/>
+              <a:rect l="0" t="0" r="r" b="b"/>
+              <a:pathLst>
+                <a:path w="132" h="308">
+                  <a:moveTo>
+                    <a:pt x="8" y="22"/>
+                  </a:moveTo>
+                  <a:cubicBezTo>
+                    <a:pt x="5" y="15"/>
+                    <a:pt x="2" y="8"/>
+                    <a:pt x="0" y="0"/>
+                  </a:cubicBezTo>
+                  <a:cubicBezTo>
+                    <a:pt x="0" y="10"/>
+                    <a:pt x="0" y="19"/>
+                    <a:pt x="0" y="29"/>
+                  </a:cubicBezTo>
+                  <a:cubicBezTo>
+                    <a:pt x="21" y="85"/>
+                    <a:pt x="44" y="140"/>
+                    <a:pt x="68" y="194"/>
+                  </a:cubicBezTo>
+                  <a:cubicBezTo>
+                    <a:pt x="85" y="232"/>
+                    <a:pt x="104" y="270"/>
+                    <a:pt x="123" y="308"/>
+                  </a:cubicBezTo>
+                  <a:cubicBezTo>
+                    <a:pt x="132" y="308"/>
+                    <a:pt x="132" y="308"/>
+                    <a:pt x="132" y="308"/>
+                  </a:cubicBezTo>
+                  <a:cubicBezTo>
+                    <a:pt x="113" y="269"/>
+                    <a:pt x="94" y="230"/>
+                    <a:pt x="77" y="190"/>
+                  </a:cubicBezTo>
+                  <a:cubicBezTo>
+                    <a:pt x="52" y="135"/>
+                    <a:pt x="29" y="79"/>
+                    <a:pt x="8" y="22"/>
+                  </a:cubicBezTo>
+                  <a:close/>
+                </a:path>
+              </a:pathLst>
+            </a:custGeom>
+            <a:solidFill>
+              <a:schemeClr val="tx2">
+                <a:alpha val="20000"/>
+              </a:schemeClr>
+            </a:solidFill>
+            <a:ln>
+              <a:noFill/>
+            </a:ln>
+          </p:spPr>
+        </p:sp>
+        <p:sp>
+          <p:nvSpPr>
+            <p:cNvPr id="27" name="Freeform 14"/>
+            <p:cNvSpPr/>
+            <p:nvPr/>
+          </p:nvSpPr>
+          <p:spPr bwMode="auto">
+            <a:xfrm>
+              <a:off x="3305176" y="5630863"/>
+              <a:ext cx="146050" cy="309563"/>
+            </a:xfrm>
+            <a:custGeom>
+              <a:avLst/>
+              <a:gdLst/>
+              <a:ahLst/>
+              <a:cxnLst/>
+              <a:rect l="0" t="0" r="r" b="b"/>
+              <a:pathLst>
+                <a:path w="37" h="79">
+                  <a:moveTo>
+                    <a:pt x="28" y="79"/>
+                  </a:moveTo>
+                  <a:cubicBezTo>
+                    <a:pt x="37" y="79"/>
+                    <a:pt x="37" y="79"/>
+                    <a:pt x="37" y="79"/>
+                  </a:cubicBezTo>
+                  <a:cubicBezTo>
+                    <a:pt x="24" y="53"/>
+                    <a:pt x="12" y="27"/>
+                    <a:pt x="0" y="0"/>
+                  </a:cubicBezTo>
+                  <a:cubicBezTo>
+                    <a:pt x="8" y="27"/>
+                    <a:pt x="17" y="53"/>
+                    <a:pt x="28" y="79"/>
+                  </a:cubicBezTo>
+                  <a:close/>
+                </a:path>
+              </a:pathLst>
+            </a:custGeom>
+            <a:solidFill>
+              <a:schemeClr val="tx2">
+                <a:alpha val="20000"/>
+              </a:schemeClr>
+            </a:solidFill>
+            <a:ln>
+              <a:noFill/>
+            </a:ln>
+          </p:spPr>
+        </p:sp>
+        <p:sp>
+          <p:nvSpPr>
+            <p:cNvPr id="28" name="Freeform 15"/>
+            <p:cNvSpPr/>
+            <p:nvPr/>
+          </p:nvSpPr>
+          <p:spPr bwMode="auto">
+            <a:xfrm>
+              <a:off x="2573338" y="2817813"/>
+              <a:ext cx="700088" cy="2835275"/>
+            </a:xfrm>
+            <a:custGeom>
+              <a:avLst/>
+              <a:gdLst/>
+              <a:ahLst/>
+              <a:cxnLst/>
+              <a:rect l="0" t="0" r="r" b="b"/>
+              <a:pathLst>
+                <a:path w="178" h="722">
+                  <a:moveTo>
+                    <a:pt x="162" y="660"/>
+                  </a:moveTo>
+                  <a:cubicBezTo>
+                    <a:pt x="145" y="618"/>
+                    <a:pt x="130" y="576"/>
+                    <a:pt x="116" y="534"/>
+                  </a:cubicBezTo>
+                  <a:cubicBezTo>
+                    <a:pt x="84" y="437"/>
+                    <a:pt x="59" y="337"/>
+                    <a:pt x="40" y="236"/>
+                  </a:cubicBezTo>
+                  <a:cubicBezTo>
+                    <a:pt x="29" y="175"/>
+                    <a:pt x="20" y="113"/>
+                    <a:pt x="12" y="51"/>
+                  </a:cubicBezTo>
+                  <a:cubicBezTo>
+                    <a:pt x="8" y="34"/>
+                    <a:pt x="4" y="17"/>
+                    <a:pt x="0" y="0"/>
+                  </a:cubicBezTo>
+                  <a:cubicBezTo>
+                    <a:pt x="8" y="79"/>
+                    <a:pt x="19" y="159"/>
+                    <a:pt x="33" y="237"/>
+                  </a:cubicBezTo>
+                  <a:cubicBezTo>
+                    <a:pt x="51" y="339"/>
+                    <a:pt x="76" y="439"/>
+                    <a:pt x="107" y="537"/>
+                  </a:cubicBezTo>
+                  <a:cubicBezTo>
+                    <a:pt x="123" y="586"/>
+                    <a:pt x="141" y="634"/>
+                    <a:pt x="160" y="681"/>
+                  </a:cubicBezTo>
+                  <a:cubicBezTo>
+                    <a:pt x="166" y="695"/>
+                    <a:pt x="172" y="708"/>
+                    <a:pt x="178" y="722"/>
+                  </a:cubicBezTo>
+                  <a:cubicBezTo>
+                    <a:pt x="176" y="717"/>
+                    <a:pt x="175" y="713"/>
+                    <a:pt x="174" y="708"/>
+                  </a:cubicBezTo>
+                  <a:cubicBezTo>
+                    <a:pt x="169" y="692"/>
+                    <a:pt x="165" y="676"/>
+                    <a:pt x="162" y="660"/>
+                  </a:cubicBezTo>
+                  <a:close/>
+                </a:path>
+              </a:pathLst>
+            </a:custGeom>
+            <a:solidFill>
+              <a:schemeClr val="tx2">
+                <a:alpha val="20000"/>
+              </a:schemeClr>
+            </a:solidFill>
+            <a:ln>
+              <a:noFill/>
+            </a:ln>
+          </p:spPr>
+        </p:sp>
+        <p:sp>
+          <p:nvSpPr>
+            <p:cNvPr id="29" name="Freeform 16"/>
+            <p:cNvSpPr/>
+            <p:nvPr/>
+          </p:nvSpPr>
+          <p:spPr bwMode="auto">
+            <a:xfrm>
+              <a:off x="2506663" y="285750"/>
+              <a:ext cx="90488" cy="2493963"/>
+            </a:xfrm>
+            <a:custGeom>
+              <a:avLst/>
+              <a:gdLst/>
+              <a:ahLst/>
+              <a:cxnLst/>
+              <a:rect l="0" t="0" r="r" b="b"/>
+              <a:pathLst>
+                <a:path w="23" h="635">
+                  <a:moveTo>
+                    <a:pt x="11" y="577"/>
+                  </a:moveTo>
+                  <a:cubicBezTo>
+                    <a:pt x="12" y="581"/>
+                    <a:pt x="12" y="585"/>
+                    <a:pt x="12" y="589"/>
+                  </a:cubicBezTo>
+                  <a:cubicBezTo>
+                    <a:pt x="15" y="603"/>
+                    <a:pt x="19" y="617"/>
+                    <a:pt x="22" y="632"/>
+                  </a:cubicBezTo>
+                  <a:cubicBezTo>
+                    <a:pt x="22" y="633"/>
+                    <a:pt x="22" y="634"/>
+                    <a:pt x="23" y="635"/>
+                  </a:cubicBezTo>
+                  <a:cubicBezTo>
+                    <a:pt x="21" y="615"/>
+                    <a:pt x="19" y="596"/>
+                    <a:pt x="17" y="576"/>
+                  </a:cubicBezTo>
+                  <a:cubicBezTo>
+                    <a:pt x="9" y="474"/>
+                    <a:pt x="5" y="372"/>
+                    <a:pt x="5" y="269"/>
+                  </a:cubicBezTo>
+                  <a:cubicBezTo>
+                    <a:pt x="6" y="179"/>
+                    <a:pt x="9" y="90"/>
+                    <a:pt x="15" y="0"/>
+                  </a:cubicBezTo>
+                  <a:cubicBezTo>
+                    <a:pt x="12" y="0"/>
+                    <a:pt x="12" y="0"/>
+                    <a:pt x="12" y="0"/>
+                  </a:cubicBezTo>
+                  <a:cubicBezTo>
+                    <a:pt x="5" y="89"/>
+                    <a:pt x="2" y="179"/>
+                    <a:pt x="1" y="269"/>
+                  </a:cubicBezTo>
+                  <a:cubicBezTo>
+                    <a:pt x="0" y="372"/>
+                    <a:pt x="3" y="474"/>
+                    <a:pt x="11" y="577"/>
+                  </a:cubicBezTo>
+                  <a:close/>
+                </a:path>
+              </a:pathLst>
+            </a:custGeom>
+            <a:solidFill>
+              <a:schemeClr val="tx2">
+                <a:alpha val="20000"/>
+              </a:schemeClr>
+            </a:solidFill>
+            <a:ln>
+              <a:noFill/>
+            </a:ln>
+          </p:spPr>
+        </p:sp>
+        <p:sp>
+          <p:nvSpPr>
+            <p:cNvPr id="30" name="Freeform 17"/>
+            <p:cNvSpPr/>
+            <p:nvPr/>
+          </p:nvSpPr>
+          <p:spPr bwMode="auto">
+            <a:xfrm>
+              <a:off x="2554288" y="2598738"/>
+              <a:ext cx="66675" cy="420688"/>
+            </a:xfrm>
+            <a:custGeom>
+              <a:avLst/>
+              <a:gdLst/>
+              <a:ahLst/>
+              <a:cxnLst/>
+              <a:rect l="0" t="0" r="r" b="b"/>
+              <a:pathLst>
+                <a:path w="17" h="107">
+                  <a:moveTo>
+                    <a:pt x="0" y="0"/>
+                  </a:moveTo>
+                  <a:cubicBezTo>
+                    <a:pt x="2" y="19"/>
+                    <a:pt x="3" y="37"/>
+                    <a:pt x="5" y="56"/>
+                  </a:cubicBezTo>
+                  <a:cubicBezTo>
+                    <a:pt x="9" y="73"/>
+                    <a:pt x="13" y="90"/>
+                    <a:pt x="17" y="107"/>
+                  </a:cubicBezTo>
+                  <a:cubicBezTo>
+                    <a:pt x="15" y="87"/>
+                    <a:pt x="13" y="66"/>
+                    <a:pt x="11" y="46"/>
+                  </a:cubicBezTo>
+                  <a:cubicBezTo>
+                    <a:pt x="10" y="45"/>
+                    <a:pt x="10" y="44"/>
+                    <a:pt x="10" y="43"/>
+                  </a:cubicBezTo>
+                  <a:cubicBezTo>
+                    <a:pt x="7" y="28"/>
+                    <a:pt x="3" y="14"/>
+                    <a:pt x="0" y="0"/>
+                  </a:cubicBezTo>
+                  <a:close/>
+                </a:path>
+              </a:pathLst>
+            </a:custGeom>
+            <a:solidFill>
+              <a:schemeClr val="tx2">
+                <a:alpha val="20000"/>
+              </a:schemeClr>
+            </a:solidFill>
+            <a:ln>
+              <a:noFill/>
+            </a:ln>
+          </p:spPr>
+        </p:sp>
+        <p:sp>
+          <p:nvSpPr>
+            <p:cNvPr id="31" name="Freeform 18"/>
+            <p:cNvSpPr/>
+            <p:nvPr/>
+          </p:nvSpPr>
+          <p:spPr bwMode="auto">
+            <a:xfrm>
+              <a:off x="3143251" y="4757738"/>
+              <a:ext cx="161925" cy="873125"/>
+            </a:xfrm>
+            <a:custGeom>
+              <a:avLst/>
+              <a:gdLst/>
+              <a:ahLst/>
+              <a:cxnLst/>
+              <a:rect l="0" t="0" r="r" b="b"/>
+              <a:pathLst>
+                <a:path w="41" h="222">
+                  <a:moveTo>
+                    <a:pt x="0" y="0"/>
+                  </a:moveTo>
+                  <a:cubicBezTo>
+                    <a:pt x="0" y="31"/>
+                    <a:pt x="2" y="62"/>
+                    <a:pt x="5" y="93"/>
+                  </a:cubicBezTo>
+                  <a:cubicBezTo>
+                    <a:pt x="8" y="117"/>
+                    <a:pt x="12" y="142"/>
+                    <a:pt x="17" y="166"/>
+                  </a:cubicBezTo>
+                  <a:cubicBezTo>
+                    <a:pt x="19" y="172"/>
+                    <a:pt x="22" y="178"/>
+                    <a:pt x="24" y="184"/>
+                  </a:cubicBezTo>
+                  <a:cubicBezTo>
+                    <a:pt x="30" y="197"/>
+                    <a:pt x="35" y="209"/>
+                    <a:pt x="41" y="222"/>
+                  </a:cubicBezTo>
+                  <a:cubicBezTo>
+                    <a:pt x="40" y="219"/>
+                    <a:pt x="39" y="215"/>
+                    <a:pt x="38" y="212"/>
+                  </a:cubicBezTo>
+                  <a:cubicBezTo>
+                    <a:pt x="26" y="172"/>
+                    <a:pt x="18" y="132"/>
+                    <a:pt x="13" y="92"/>
+                  </a:cubicBezTo>
+                  <a:cubicBezTo>
+                    <a:pt x="11" y="68"/>
+                    <a:pt x="9" y="45"/>
+                    <a:pt x="8" y="22"/>
+                  </a:cubicBezTo>
+                  <a:cubicBezTo>
+                    <a:pt x="8" y="21"/>
+                    <a:pt x="7" y="20"/>
+                    <a:pt x="7" y="18"/>
+                  </a:cubicBezTo>
+                  <a:cubicBezTo>
+                    <a:pt x="5" y="12"/>
+                    <a:pt x="2" y="6"/>
+                    <a:pt x="0" y="0"/>
+                  </a:cubicBezTo>
+                  <a:close/>
+                </a:path>
+              </a:pathLst>
+            </a:custGeom>
+            <a:solidFill>
+              <a:schemeClr val="tx2">
+                <a:alpha val="20000"/>
+              </a:schemeClr>
+            </a:solidFill>
+            <a:ln>
+              <a:noFill/>
+            </a:ln>
+          </p:spPr>
+        </p:sp>
+        <p:sp>
+          <p:nvSpPr>
+            <p:cNvPr id="32" name="Freeform 19"/>
+            <p:cNvSpPr/>
+            <p:nvPr/>
+          </p:nvSpPr>
+          <p:spPr bwMode="auto">
+            <a:xfrm>
+              <a:off x="3148013" y="1282700"/>
+              <a:ext cx="1768475" cy="3448050"/>
+            </a:xfrm>
+            <a:custGeom>
+              <a:avLst/>
+              <a:gdLst/>
+              <a:ahLst/>
+              <a:cxnLst/>
+              <a:rect l="0" t="0" r="r" b="b"/>
+              <a:pathLst>
+                <a:path w="450" h="878">
+                  <a:moveTo>
+                    <a:pt x="7" y="854"/>
+                  </a:moveTo>
+                  <a:cubicBezTo>
+                    <a:pt x="10" y="772"/>
+                    <a:pt x="26" y="691"/>
+                    <a:pt x="50" y="613"/>
+                  </a:cubicBezTo>
+                  <a:cubicBezTo>
+                    <a:pt x="75" y="535"/>
+                    <a:pt x="109" y="460"/>
+                    <a:pt x="149" y="388"/>
+                  </a:cubicBezTo>
+                  <a:cubicBezTo>
+                    <a:pt x="189" y="316"/>
+                    <a:pt x="235" y="248"/>
+                    <a:pt x="285" y="183"/>
+                  </a:cubicBezTo>
+                  <a:cubicBezTo>
+                    <a:pt x="310" y="151"/>
+                    <a:pt x="337" y="119"/>
+                    <a:pt x="364" y="89"/>
+                  </a:cubicBezTo>
+                  <a:cubicBezTo>
+                    <a:pt x="378" y="74"/>
+                    <a:pt x="392" y="58"/>
+                    <a:pt x="406" y="44"/>
+                  </a:cubicBezTo>
+                  <a:cubicBezTo>
+                    <a:pt x="421" y="29"/>
+                    <a:pt x="435" y="15"/>
+                    <a:pt x="450" y="1"/>
+                  </a:cubicBezTo>
+                  <a:cubicBezTo>
+                    <a:pt x="450" y="0"/>
+                    <a:pt x="450" y="0"/>
+                    <a:pt x="450" y="0"/>
+                  </a:cubicBezTo>
+                  <a:cubicBezTo>
+                    <a:pt x="434" y="14"/>
+                    <a:pt x="420" y="28"/>
+                    <a:pt x="405" y="43"/>
+                  </a:cubicBezTo>
+                  <a:cubicBezTo>
+                    <a:pt x="391" y="57"/>
+                    <a:pt x="377" y="72"/>
+                    <a:pt x="363" y="88"/>
+                  </a:cubicBezTo>
+                  <a:cubicBezTo>
+                    <a:pt x="335" y="118"/>
+                    <a:pt x="308" y="149"/>
+                    <a:pt x="283" y="181"/>
+                  </a:cubicBezTo>
+                  <a:cubicBezTo>
+                    <a:pt x="232" y="246"/>
+                    <a:pt x="185" y="314"/>
+                    <a:pt x="145" y="386"/>
+                  </a:cubicBezTo>
+                  <a:cubicBezTo>
+                    <a:pt x="104" y="457"/>
+                    <a:pt x="70" y="533"/>
+                    <a:pt x="45" y="611"/>
+                  </a:cubicBezTo>
+                  <a:cubicBezTo>
+                    <a:pt x="19" y="690"/>
+                    <a:pt x="3" y="771"/>
+                    <a:pt x="0" y="854"/>
+                  </a:cubicBezTo>
+                  <a:cubicBezTo>
+                    <a:pt x="0" y="856"/>
+                    <a:pt x="0" y="857"/>
+                    <a:pt x="0" y="859"/>
+                  </a:cubicBezTo>
+                  <a:cubicBezTo>
+                    <a:pt x="2" y="865"/>
+                    <a:pt x="4" y="872"/>
+                    <a:pt x="7" y="878"/>
+                  </a:cubicBezTo>
+                  <a:cubicBezTo>
+                    <a:pt x="7" y="870"/>
+                    <a:pt x="7" y="862"/>
+                    <a:pt x="7" y="854"/>
+                  </a:cubicBezTo>
+                  <a:close/>
+                </a:path>
+              </a:pathLst>
+            </a:custGeom>
+            <a:solidFill>
+              <a:schemeClr val="tx2">
+                <a:alpha val="20000"/>
+              </a:schemeClr>
+            </a:solidFill>
+            <a:ln>
+              <a:noFill/>
+            </a:ln>
+          </p:spPr>
+        </p:sp>
+        <p:sp>
+          <p:nvSpPr>
+            <p:cNvPr id="33" name="Freeform 20"/>
+            <p:cNvSpPr/>
+            <p:nvPr/>
+          </p:nvSpPr>
+          <p:spPr bwMode="auto">
+            <a:xfrm>
+              <a:off x="3273426" y="5653088"/>
+              <a:ext cx="138113" cy="287338"/>
+            </a:xfrm>
+            <a:custGeom>
+              <a:avLst/>
+              <a:gdLst/>
+              <a:ahLst/>
+              <a:cxnLst/>
+              <a:rect l="0" t="0" r="r" b="b"/>
+              <a:pathLst>
+                <a:path w="35" h="73">
+                  <a:moveTo>
+                    <a:pt x="0" y="0"/>
+                  </a:moveTo>
+                  <a:cubicBezTo>
+                    <a:pt x="7" y="24"/>
+                    <a:pt x="16" y="49"/>
+                    <a:pt x="26" y="73"/>
+                  </a:cubicBezTo>
+                  <a:cubicBezTo>
+                    <a:pt x="35" y="73"/>
+                    <a:pt x="35" y="73"/>
+                    <a:pt x="35" y="73"/>
+                  </a:cubicBezTo>
+                  <a:cubicBezTo>
+                    <a:pt x="23" y="49"/>
+                    <a:pt x="11" y="24"/>
+                    <a:pt x="0" y="0"/>
+                  </a:cubicBezTo>
+                  <a:close/>
+                </a:path>
+              </a:pathLst>
+            </a:custGeom>
+            <a:solidFill>
+              <a:schemeClr val="tx2">
+                <a:alpha val="20000"/>
+              </a:schemeClr>
+            </a:solidFill>
+            <a:ln>
+              <a:noFill/>
+            </a:ln>
+          </p:spPr>
+        </p:sp>
+        <p:sp>
+          <p:nvSpPr>
+            <p:cNvPr id="34" name="Freeform 21"/>
+            <p:cNvSpPr/>
+            <p:nvPr/>
+          </p:nvSpPr>
+          <p:spPr bwMode="auto">
+            <a:xfrm>
+              <a:off x="3143251" y="4656138"/>
+              <a:ext cx="31750" cy="188913"/>
+            </a:xfrm>
+            <a:custGeom>
+              <a:avLst/>
+              <a:gdLst/>
+              <a:ahLst/>
+              <a:cxnLst/>
+              <a:rect l="0" t="0" r="r" b="b"/>
+              <a:pathLst>
+                <a:path w="8" h="48">
+                  <a:moveTo>
+                    <a:pt x="7" y="44"/>
+                  </a:moveTo>
+                  <a:cubicBezTo>
+                    <a:pt x="7" y="46"/>
+                    <a:pt x="8" y="47"/>
+                    <a:pt x="8" y="48"/>
+                  </a:cubicBezTo>
+                  <a:cubicBezTo>
+                    <a:pt x="8" y="38"/>
+                    <a:pt x="8" y="29"/>
+                    <a:pt x="8" y="19"/>
+                  </a:cubicBezTo>
+                  <a:cubicBezTo>
+                    <a:pt x="5" y="13"/>
+                    <a:pt x="3" y="6"/>
+                    <a:pt x="1" y="0"/>
+                  </a:cubicBezTo>
+                  <a:cubicBezTo>
+                    <a:pt x="0" y="9"/>
+                    <a:pt x="0" y="17"/>
+                    <a:pt x="0" y="26"/>
+                  </a:cubicBezTo>
+                  <a:cubicBezTo>
+                    <a:pt x="2" y="32"/>
+                    <a:pt x="5" y="38"/>
+                    <a:pt x="7" y="44"/>
+                  </a:cubicBezTo>
+                  <a:close/>
+                </a:path>
+              </a:pathLst>
+            </a:custGeom>
+            <a:solidFill>
+              <a:schemeClr val="tx2">
+                <a:alpha val="20000"/>
+              </a:schemeClr>
+            </a:solidFill>
+            <a:ln>
+              <a:noFill/>
+            </a:ln>
+          </p:spPr>
+        </p:sp>
+        <p:sp>
+          <p:nvSpPr>
+            <p:cNvPr id="35" name="Freeform 22"/>
+            <p:cNvSpPr/>
+            <p:nvPr/>
+          </p:nvSpPr>
+          <p:spPr bwMode="auto">
+            <a:xfrm>
+              <a:off x="3211513" y="5410200"/>
+              <a:ext cx="203200" cy="530225"/>
+            </a:xfrm>
+            <a:custGeom>
+              <a:avLst/>
+              <a:gdLst/>
+              <a:ahLst/>
+              <a:cxnLst/>
+              <a:rect l="0" t="0" r="r" b="b"/>
+              <a:pathLst>
+                <a:path w="52" h="135">
+                  <a:moveTo>
+                    <a:pt x="7" y="18"/>
+                  </a:moveTo>
+                  <a:cubicBezTo>
+                    <a:pt x="5" y="12"/>
+                    <a:pt x="2" y="6"/>
+                    <a:pt x="0" y="0"/>
+                  </a:cubicBezTo>
+                  <a:cubicBezTo>
+                    <a:pt x="3" y="16"/>
+                    <a:pt x="7" y="32"/>
+                    <a:pt x="12" y="48"/>
+                  </a:cubicBezTo>
+                  <a:cubicBezTo>
+                    <a:pt x="13" y="53"/>
+                    <a:pt x="14" y="57"/>
+                    <a:pt x="16" y="62"/>
+                  </a:cubicBezTo>
+                  <a:cubicBezTo>
+                    <a:pt x="27" y="86"/>
+                    <a:pt x="39" y="111"/>
+                    <a:pt x="51" y="135"/>
+                  </a:cubicBezTo>
+                  <a:cubicBezTo>
+                    <a:pt x="52" y="135"/>
+                    <a:pt x="52" y="135"/>
+                    <a:pt x="52" y="135"/>
+                  </a:cubicBezTo>
+                  <a:cubicBezTo>
+                    <a:pt x="41" y="109"/>
+                    <a:pt x="32" y="83"/>
+                    <a:pt x="24" y="56"/>
+                  </a:cubicBezTo>
+                  <a:cubicBezTo>
+                    <a:pt x="18" y="43"/>
+                    <a:pt x="13" y="31"/>
+                    <a:pt x="7" y="18"/>
+                  </a:cubicBezTo>
+                  <a:close/>
+                </a:path>
+              </a:pathLst>
+            </a:custGeom>
+            <a:solidFill>
+              <a:schemeClr val="tx2">
+                <a:alpha val="20000"/>
+              </a:schemeClr>
+            </a:solidFill>
+            <a:ln>
+              <a:noFill/>
+            </a:ln>
+          </p:spPr>
+        </p:sp>
+      </p:grpSp>
+      <p:grpSp>
+        <p:nvGrpSpPr>
+          <p:cNvPr id="10" name="Group 9"/>
+          <p:cNvGrpSpPr/>
+          <p:nvPr/>
+        </p:nvGrpSpPr>
+        <p:grpSpPr>
+          <a:xfrm>
+            <a:off x="27221" y="-786"/>
+            <a:ext cx="2356674" cy="6854039"/>
+            <a:chOff x="6627813" y="194833"/>
+            <a:chExt cx="1952625" cy="5678918"/>
+          </a:xfrm>
+        </p:grpSpPr>
+        <p:sp>
+          <p:nvSpPr>
+            <p:cNvPr id="11" name="Freeform 27"/>
+            <p:cNvSpPr/>
+            <p:nvPr/>
+          </p:nvSpPr>
+          <p:spPr bwMode="auto">
+            <a:xfrm>
+              <a:off x="6627813" y="194833"/>
+              <a:ext cx="409575" cy="3646488"/>
+            </a:xfrm>
+            <a:custGeom>
+              <a:avLst/>
+              <a:gdLst/>
+              <a:ahLst/>
+              <a:cxnLst/>
+              <a:rect l="0" t="0" r="r" b="b"/>
+              <a:pathLst>
+                <a:path w="103" h="920">
+                  <a:moveTo>
+                    <a:pt x="7" y="210"/>
+                  </a:moveTo>
+                  <a:cubicBezTo>
+                    <a:pt x="11" y="288"/>
+                    <a:pt x="17" y="367"/>
+                    <a:pt x="26" y="445"/>
+                  </a:cubicBezTo>
+                  <a:cubicBezTo>
+                    <a:pt x="34" y="523"/>
+                    <a:pt x="44" y="601"/>
+                    <a:pt x="57" y="679"/>
+                  </a:cubicBezTo>
+                  <a:cubicBezTo>
+                    <a:pt x="69" y="757"/>
+                    <a:pt x="84" y="834"/>
+                    <a:pt x="101" y="911"/>
+                  </a:cubicBezTo>
+                  <a:cubicBezTo>
+                    <a:pt x="102" y="914"/>
+                    <a:pt x="103" y="917"/>
+                    <a:pt x="103" y="920"/>
+                  </a:cubicBezTo>
+                  <a:cubicBezTo>
+                    <a:pt x="102" y="905"/>
+                    <a:pt x="100" y="889"/>
+                    <a:pt x="99" y="874"/>
+                  </a:cubicBezTo>
+                  <a:cubicBezTo>
+                    <a:pt x="99" y="871"/>
+                    <a:pt x="99" y="868"/>
+                    <a:pt x="99" y="866"/>
+                  </a:cubicBezTo>
+                  <a:cubicBezTo>
+                    <a:pt x="85" y="803"/>
+                    <a:pt x="73" y="741"/>
+                    <a:pt x="63" y="678"/>
+                  </a:cubicBezTo>
+                  <a:cubicBezTo>
+                    <a:pt x="50" y="600"/>
+                    <a:pt x="39" y="523"/>
+                    <a:pt x="30" y="444"/>
+                  </a:cubicBezTo>
+                  <a:cubicBezTo>
+                    <a:pt x="21" y="366"/>
+                    <a:pt x="14" y="288"/>
+                    <a:pt x="9" y="209"/>
+                  </a:cubicBezTo>
+                  <a:cubicBezTo>
+                    <a:pt x="7" y="170"/>
+                    <a:pt x="5" y="131"/>
+                    <a:pt x="3" y="92"/>
+                  </a:cubicBezTo>
+                  <a:cubicBezTo>
+                    <a:pt x="2" y="61"/>
+                    <a:pt x="1" y="31"/>
+                    <a:pt x="1" y="0"/>
+                  </a:cubicBezTo>
+                  <a:cubicBezTo>
+                    <a:pt x="0" y="0"/>
+                    <a:pt x="0" y="0"/>
+                    <a:pt x="0" y="0"/>
+                  </a:cubicBezTo>
+                  <a:cubicBezTo>
+                    <a:pt x="0" y="31"/>
+                    <a:pt x="1" y="61"/>
+                    <a:pt x="1" y="92"/>
+                  </a:cubicBezTo>
+                  <a:cubicBezTo>
+                    <a:pt x="3" y="131"/>
+                    <a:pt x="4" y="170"/>
+                    <a:pt x="7" y="210"/>
+                  </a:cubicBezTo>
+                  <a:close/>
+                </a:path>
+              </a:pathLst>
+            </a:custGeom>
+            <a:solidFill>
+              <a:schemeClr val="tx2"/>
+            </a:solidFill>
+            <a:ln>
+              <a:noFill/>
+            </a:ln>
+          </p:spPr>
+        </p:sp>
+        <p:sp>
+          <p:nvSpPr>
+            <p:cNvPr id="12" name="Freeform 28"/>
+            <p:cNvSpPr/>
+            <p:nvPr/>
+          </p:nvSpPr>
+          <p:spPr bwMode="auto">
+            <a:xfrm>
+              <a:off x="7061201" y="3771900"/>
+              <a:ext cx="350838" cy="1309688"/>
+            </a:xfrm>
+            <a:custGeom>
+              <a:avLst/>
+              <a:gdLst/>
+              <a:ahLst/>
+              <a:cxnLst/>
+              <a:rect l="0" t="0" r="r" b="b"/>
+              <a:pathLst>
+                <a:path w="88" h="330">
+                  <a:moveTo>
+                    <a:pt x="53" y="229"/>
+                  </a:moveTo>
+                  <a:cubicBezTo>
+                    <a:pt x="64" y="263"/>
+                    <a:pt x="75" y="297"/>
+                    <a:pt x="88" y="330"/>
+                  </a:cubicBezTo>
+                  <a:cubicBezTo>
+                    <a:pt x="88" y="323"/>
+                    <a:pt x="88" y="315"/>
+                    <a:pt x="88" y="308"/>
+                  </a:cubicBezTo>
+                  <a:cubicBezTo>
+                    <a:pt x="88" y="307"/>
+                    <a:pt x="88" y="305"/>
+                    <a:pt x="88" y="304"/>
+                  </a:cubicBezTo>
+                  <a:cubicBezTo>
+                    <a:pt x="79" y="278"/>
+                    <a:pt x="70" y="252"/>
+                    <a:pt x="62" y="226"/>
+                  </a:cubicBezTo>
+                  <a:cubicBezTo>
+                    <a:pt x="38" y="152"/>
+                    <a:pt x="17" y="76"/>
+                    <a:pt x="0" y="0"/>
+                  </a:cubicBezTo>
+                  <a:cubicBezTo>
+                    <a:pt x="2" y="21"/>
+                    <a:pt x="4" y="42"/>
+                    <a:pt x="7" y="63"/>
+                  </a:cubicBezTo>
+                  <a:cubicBezTo>
+                    <a:pt x="21" y="119"/>
+                    <a:pt x="36" y="174"/>
+                    <a:pt x="53" y="229"/>
+                  </a:cubicBezTo>
+                  <a:close/>
+                </a:path>
+              </a:pathLst>
+            </a:custGeom>
+            <a:solidFill>
+              <a:schemeClr val="tx2"/>
+            </a:solidFill>
+            <a:ln>
+              <a:noFill/>
+            </a:ln>
+          </p:spPr>
+        </p:sp>
+        <p:sp>
+          <p:nvSpPr>
+            <p:cNvPr id="13" name="Freeform 29"/>
+            <p:cNvSpPr/>
+            <p:nvPr/>
+          </p:nvSpPr>
+          <p:spPr bwMode="auto">
+            <a:xfrm>
+              <a:off x="7439026" y="5053013"/>
+              <a:ext cx="357188" cy="820738"/>
+            </a:xfrm>
+            <a:custGeom>
+              <a:avLst/>
+              <a:gdLst/>
+              <a:ahLst/>
+              <a:cxnLst/>
+              <a:rect l="0" t="0" r="r" b="b"/>
+              <a:pathLst>
+                <a:path w="90" h="207">
+                  <a:moveTo>
+                    <a:pt x="6" y="15"/>
+                  </a:moveTo>
+                  <a:cubicBezTo>
+                    <a:pt x="4" y="10"/>
+                    <a:pt x="2" y="5"/>
+                    <a:pt x="0" y="0"/>
+                  </a:cubicBezTo>
+                  <a:cubicBezTo>
+                    <a:pt x="0" y="9"/>
+                    <a:pt x="0" y="19"/>
+                    <a:pt x="1" y="29"/>
+                  </a:cubicBezTo>
+                  <a:cubicBezTo>
+                    <a:pt x="14" y="62"/>
+                    <a:pt x="27" y="95"/>
+                    <a:pt x="42" y="127"/>
+                  </a:cubicBezTo>
+                  <a:cubicBezTo>
+                    <a:pt x="54" y="154"/>
+                    <a:pt x="67" y="181"/>
+                    <a:pt x="80" y="207"/>
+                  </a:cubicBezTo>
+                  <a:cubicBezTo>
+                    <a:pt x="90" y="207"/>
+                    <a:pt x="90" y="207"/>
+                    <a:pt x="90" y="207"/>
+                  </a:cubicBezTo>
+                  <a:cubicBezTo>
+                    <a:pt x="76" y="180"/>
+                    <a:pt x="63" y="152"/>
+                    <a:pt x="50" y="123"/>
+                  </a:cubicBezTo>
+                  <a:cubicBezTo>
+                    <a:pt x="34" y="88"/>
+                    <a:pt x="20" y="51"/>
+                    <a:pt x="6" y="15"/>
+                  </a:cubicBezTo>
+                  <a:close/>
+                </a:path>
+              </a:pathLst>
+            </a:custGeom>
+            <a:solidFill>
+              <a:schemeClr val="tx2"/>
+            </a:solidFill>
+            <a:ln>
+              <a:noFill/>
+            </a:ln>
+          </p:spPr>
+        </p:sp>
+        <p:sp>
+          <p:nvSpPr>
+            <p:cNvPr id="14" name="Freeform 30"/>
+            <p:cNvSpPr/>
+            <p:nvPr/>
+          </p:nvSpPr>
+          <p:spPr bwMode="auto">
+            <a:xfrm>
+              <a:off x="7037388" y="3811588"/>
+              <a:ext cx="457200" cy="1852613"/>
+            </a:xfrm>
+            <a:custGeom>
+              <a:avLst/>
+              <a:gdLst/>
+              <a:ahLst/>
+              <a:cxnLst/>
+              <a:rect l="0" t="0" r="r" b="b"/>
+              <a:pathLst>
+                <a:path w="115" h="467">
+                  <a:moveTo>
+                    <a:pt x="101" y="409"/>
+                  </a:moveTo>
+                  <a:cubicBezTo>
+                    <a:pt x="93" y="388"/>
+                    <a:pt x="85" y="366"/>
+                    <a:pt x="78" y="344"/>
+                  </a:cubicBezTo>
+                  <a:cubicBezTo>
+                    <a:pt x="57" y="281"/>
+                    <a:pt x="41" y="216"/>
+                    <a:pt x="29" y="151"/>
+                  </a:cubicBezTo>
+                  <a:cubicBezTo>
+                    <a:pt x="22" y="119"/>
+                    <a:pt x="17" y="86"/>
+                    <a:pt x="13" y="53"/>
+                  </a:cubicBezTo>
+                  <a:cubicBezTo>
+                    <a:pt x="9" y="35"/>
+                    <a:pt x="4" y="18"/>
+                    <a:pt x="0" y="0"/>
+                  </a:cubicBezTo>
+                  <a:cubicBezTo>
+                    <a:pt x="5" y="51"/>
+                    <a:pt x="12" y="102"/>
+                    <a:pt x="21" y="152"/>
+                  </a:cubicBezTo>
+                  <a:cubicBezTo>
+                    <a:pt x="33" y="218"/>
+                    <a:pt x="49" y="283"/>
+                    <a:pt x="69" y="347"/>
+                  </a:cubicBezTo>
+                  <a:cubicBezTo>
+                    <a:pt x="79" y="378"/>
+                    <a:pt x="90" y="410"/>
+                    <a:pt x="103" y="441"/>
+                  </a:cubicBezTo>
+                  <a:cubicBezTo>
+                    <a:pt x="107" y="449"/>
+                    <a:pt x="111" y="458"/>
+                    <a:pt x="115" y="467"/>
+                  </a:cubicBezTo>
+                  <a:cubicBezTo>
+                    <a:pt x="114" y="464"/>
+                    <a:pt x="113" y="461"/>
+                    <a:pt x="112" y="458"/>
+                  </a:cubicBezTo>
+                  <a:cubicBezTo>
+                    <a:pt x="108" y="442"/>
+                    <a:pt x="104" y="425"/>
+                    <a:pt x="101" y="409"/>
+                  </a:cubicBezTo>
+                  <a:close/>
+                </a:path>
+              </a:pathLst>
+            </a:custGeom>
+            <a:solidFill>
+              <a:schemeClr val="tx2"/>
+            </a:solidFill>
+            <a:ln>
+              <a:noFill/>
+            </a:ln>
+          </p:spPr>
+        </p:sp>
+        <p:sp>
+          <p:nvSpPr>
+            <p:cNvPr id="15" name="Freeform 31"/>
+            <p:cNvSpPr/>
+            <p:nvPr/>
+          </p:nvSpPr>
+          <p:spPr bwMode="auto">
+            <a:xfrm>
+              <a:off x="6992938" y="1263650"/>
+              <a:ext cx="144463" cy="2508250"/>
+            </a:xfrm>
+            <a:custGeom>
+              <a:avLst/>
+              <a:gdLst/>
+              <a:ahLst/>
+              <a:cxnLst/>
+              <a:rect l="0" t="0" r="r" b="b"/>
+              <a:pathLst>
+                <a:path w="36" h="633">
+                  <a:moveTo>
+                    <a:pt x="17" y="633"/>
+                  </a:moveTo>
+                  <a:cubicBezTo>
+                    <a:pt x="15" y="621"/>
+                    <a:pt x="14" y="609"/>
+                    <a:pt x="13" y="597"/>
+                  </a:cubicBezTo>
+                  <a:cubicBezTo>
+                    <a:pt x="8" y="530"/>
+                    <a:pt x="5" y="464"/>
+                    <a:pt x="5" y="398"/>
+                  </a:cubicBezTo>
+                  <a:cubicBezTo>
+                    <a:pt x="5" y="331"/>
+                    <a:pt x="8" y="265"/>
+                    <a:pt x="13" y="198"/>
+                  </a:cubicBezTo>
+                  <a:cubicBezTo>
+                    <a:pt x="15" y="165"/>
+                    <a:pt x="18" y="132"/>
+                    <a:pt x="22" y="99"/>
+                  </a:cubicBezTo>
+                  <a:cubicBezTo>
+                    <a:pt x="26" y="66"/>
+                    <a:pt x="30" y="33"/>
+                    <a:pt x="36" y="0"/>
+                  </a:cubicBezTo>
+                  <a:cubicBezTo>
+                    <a:pt x="35" y="0"/>
+                    <a:pt x="35" y="0"/>
+                    <a:pt x="35" y="0"/>
+                  </a:cubicBezTo>
+                  <a:cubicBezTo>
+                    <a:pt x="29" y="33"/>
+                    <a:pt x="24" y="66"/>
+                    <a:pt x="20" y="99"/>
+                  </a:cubicBezTo>
+                  <a:cubicBezTo>
+                    <a:pt x="16" y="132"/>
+                    <a:pt x="13" y="165"/>
+                    <a:pt x="10" y="198"/>
+                  </a:cubicBezTo>
+                  <a:cubicBezTo>
+                    <a:pt x="4" y="264"/>
+                    <a:pt x="1" y="331"/>
+                    <a:pt x="1" y="398"/>
+                  </a:cubicBezTo>
+                  <a:cubicBezTo>
+                    <a:pt x="0" y="461"/>
+                    <a:pt x="2" y="525"/>
+                    <a:pt x="7" y="589"/>
+                  </a:cubicBezTo>
+                  <a:cubicBezTo>
+                    <a:pt x="10" y="603"/>
+                    <a:pt x="13" y="618"/>
+                    <a:pt x="16" y="632"/>
+                  </a:cubicBezTo>
+                  <a:cubicBezTo>
+                    <a:pt x="16" y="632"/>
+                    <a:pt x="17" y="633"/>
+                    <a:pt x="17" y="633"/>
+                  </a:cubicBezTo>
+                  <a:close/>
+                </a:path>
+              </a:pathLst>
+            </a:custGeom>
+            <a:solidFill>
+              <a:schemeClr val="tx2"/>
+            </a:solidFill>
+            <a:ln>
+              <a:noFill/>
+            </a:ln>
+          </p:spPr>
+        </p:sp>
+        <p:sp>
+          <p:nvSpPr>
+            <p:cNvPr id="16" name="Freeform 32"/>
+            <p:cNvSpPr/>
+            <p:nvPr/>
+          </p:nvSpPr>
+          <p:spPr bwMode="auto">
+            <a:xfrm>
+              <a:off x="7526338" y="5640388"/>
+              <a:ext cx="111125" cy="233363"/>
+            </a:xfrm>
+            <a:custGeom>
+              <a:avLst/>
+              <a:gdLst/>
+              <a:ahLst/>
+              <a:cxnLst/>
+              <a:rect l="0" t="0" r="r" b="b"/>
+              <a:pathLst>
+                <a:path w="28" h="59">
+                  <a:moveTo>
+                    <a:pt x="22" y="59"/>
+                  </a:moveTo>
+                  <a:cubicBezTo>
+                    <a:pt x="28" y="59"/>
+                    <a:pt x="28" y="59"/>
+                    <a:pt x="28" y="59"/>
+                  </a:cubicBezTo>
+                  <a:cubicBezTo>
+                    <a:pt x="18" y="40"/>
+                    <a:pt x="9" y="20"/>
+                    <a:pt x="0" y="0"/>
+                  </a:cubicBezTo>
+                  <a:cubicBezTo>
+                    <a:pt x="6" y="20"/>
+                    <a:pt x="13" y="40"/>
+                    <a:pt x="22" y="59"/>
+                  </a:cubicBezTo>
+                  <a:close/>
+                </a:path>
+              </a:pathLst>
+            </a:custGeom>
+            <a:solidFill>
+              <a:schemeClr val="tx2"/>
+            </a:solidFill>
+            <a:ln>
+              <a:noFill/>
+            </a:ln>
+          </p:spPr>
+        </p:sp>
+        <p:sp>
+          <p:nvSpPr>
+            <p:cNvPr id="17" name="Freeform 33"/>
+            <p:cNvSpPr/>
+            <p:nvPr/>
+          </p:nvSpPr>
+          <p:spPr bwMode="auto">
+            <a:xfrm>
+              <a:off x="7021513" y="3598863"/>
+              <a:ext cx="68263" cy="423863"/>
+            </a:xfrm>
+            <a:custGeom>
+              <a:avLst/>
+              <a:gdLst/>
+              <a:ahLst/>
+              <a:cxnLst/>
+              <a:rect l="0" t="0" r="r" b="b"/>
+              <a:pathLst>
+                <a:path w="17" h="107">
+                  <a:moveTo>
+                    <a:pt x="4" y="54"/>
+                  </a:moveTo>
+                  <a:cubicBezTo>
+                    <a:pt x="8" y="72"/>
+                    <a:pt x="13" y="89"/>
+                    <a:pt x="17" y="107"/>
+                  </a:cubicBezTo>
+                  <a:cubicBezTo>
+                    <a:pt x="14" y="86"/>
+                    <a:pt x="12" y="65"/>
+                    <a:pt x="10" y="44"/>
+                  </a:cubicBezTo>
+                  <a:cubicBezTo>
+                    <a:pt x="10" y="44"/>
+                    <a:pt x="9" y="43"/>
+                    <a:pt x="9" y="43"/>
+                  </a:cubicBezTo>
+                  <a:cubicBezTo>
+                    <a:pt x="6" y="29"/>
+                    <a:pt x="3" y="14"/>
+                    <a:pt x="0" y="0"/>
+                  </a:cubicBezTo>
+                  <a:cubicBezTo>
+                    <a:pt x="0" y="2"/>
+                    <a:pt x="0" y="5"/>
+                    <a:pt x="0" y="8"/>
+                  </a:cubicBezTo>
+                  <a:cubicBezTo>
+                    <a:pt x="1" y="23"/>
+                    <a:pt x="3" y="39"/>
+                    <a:pt x="4" y="54"/>
+                  </a:cubicBezTo>
+                  <a:close/>
+                </a:path>
+              </a:pathLst>
+            </a:custGeom>
+            <a:solidFill>
+              <a:schemeClr val="tx2"/>
+            </a:solidFill>
+            <a:ln>
+              <a:noFill/>
+            </a:ln>
+          </p:spPr>
+        </p:sp>
+        <p:sp>
+          <p:nvSpPr>
+            <p:cNvPr id="18" name="Freeform 34"/>
+            <p:cNvSpPr/>
+            <p:nvPr/>
+          </p:nvSpPr>
+          <p:spPr bwMode="auto">
+            <a:xfrm>
+              <a:off x="7412038" y="2801938"/>
+              <a:ext cx="1168400" cy="2251075"/>
+            </a:xfrm>
+            <a:custGeom>
+              <a:avLst/>
+              <a:gdLst/>
+              <a:ahLst/>
+              <a:cxnLst/>
+              <a:rect l="0" t="0" r="r" b="b"/>
+              <a:pathLst>
+                <a:path w="294" h="568">
+                  <a:moveTo>
+                    <a:pt x="8" y="553"/>
+                  </a:moveTo>
+                  <a:cubicBezTo>
+                    <a:pt x="9" y="501"/>
+                    <a:pt x="19" y="448"/>
+                    <a:pt x="35" y="397"/>
+                  </a:cubicBezTo>
+                  <a:cubicBezTo>
+                    <a:pt x="51" y="347"/>
+                    <a:pt x="73" y="298"/>
+                    <a:pt x="99" y="252"/>
+                  </a:cubicBezTo>
+                  <a:cubicBezTo>
+                    <a:pt x="124" y="205"/>
+                    <a:pt x="154" y="161"/>
+                    <a:pt x="187" y="119"/>
+                  </a:cubicBezTo>
+                  <a:cubicBezTo>
+                    <a:pt x="203" y="98"/>
+                    <a:pt x="220" y="77"/>
+                    <a:pt x="238" y="58"/>
+                  </a:cubicBezTo>
+                  <a:cubicBezTo>
+                    <a:pt x="247" y="48"/>
+                    <a:pt x="256" y="38"/>
+                    <a:pt x="265" y="28"/>
+                  </a:cubicBezTo>
+                  <a:cubicBezTo>
+                    <a:pt x="274" y="19"/>
+                    <a:pt x="284" y="9"/>
+                    <a:pt x="294" y="0"/>
+                  </a:cubicBezTo>
+                  <a:cubicBezTo>
+                    <a:pt x="293" y="0"/>
+                    <a:pt x="293" y="0"/>
+                    <a:pt x="293" y="0"/>
+                  </a:cubicBezTo>
+                  <a:cubicBezTo>
+                    <a:pt x="283" y="9"/>
+                    <a:pt x="273" y="18"/>
+                    <a:pt x="264" y="27"/>
+                  </a:cubicBezTo>
+                  <a:cubicBezTo>
+                    <a:pt x="255" y="37"/>
+                    <a:pt x="246" y="47"/>
+                    <a:pt x="237" y="56"/>
+                  </a:cubicBezTo>
+                  <a:cubicBezTo>
+                    <a:pt x="218" y="76"/>
+                    <a:pt x="201" y="96"/>
+                    <a:pt x="185" y="117"/>
+                  </a:cubicBezTo>
+                  <a:cubicBezTo>
+                    <a:pt x="151" y="159"/>
+                    <a:pt x="121" y="203"/>
+                    <a:pt x="95" y="249"/>
+                  </a:cubicBezTo>
+                  <a:cubicBezTo>
+                    <a:pt x="68" y="296"/>
+                    <a:pt x="46" y="345"/>
+                    <a:pt x="30" y="396"/>
+                  </a:cubicBezTo>
+                  <a:cubicBezTo>
+                    <a:pt x="13" y="445"/>
+                    <a:pt x="3" y="497"/>
+                    <a:pt x="0" y="549"/>
+                  </a:cubicBezTo>
+                  <a:cubicBezTo>
+                    <a:pt x="3" y="555"/>
+                    <a:pt x="5" y="561"/>
+                    <a:pt x="7" y="568"/>
+                  </a:cubicBezTo>
+                  <a:cubicBezTo>
+                    <a:pt x="7" y="563"/>
+                    <a:pt x="7" y="558"/>
+                    <a:pt x="8" y="553"/>
+                  </a:cubicBezTo>
+                  <a:close/>
+                </a:path>
+              </a:pathLst>
+            </a:custGeom>
+            <a:solidFill>
+              <a:schemeClr val="tx2"/>
+            </a:solidFill>
+            <a:ln>
+              <a:noFill/>
+            </a:ln>
+          </p:spPr>
+        </p:sp>
+        <p:sp>
+          <p:nvSpPr>
+            <p:cNvPr id="19" name="Freeform 35"/>
+            <p:cNvSpPr/>
+            <p:nvPr/>
+          </p:nvSpPr>
+          <p:spPr bwMode="auto">
+            <a:xfrm>
+              <a:off x="7494588" y="5664200"/>
+              <a:ext cx="100013" cy="209550"/>
+            </a:xfrm>
+            <a:custGeom>
+              <a:avLst/>
+              <a:gdLst/>
+              <a:ahLst/>
+              <a:cxnLst/>
+              <a:rect l="0" t="0" r="r" b="b"/>
+              <a:pathLst>
+                <a:path w="25" h="53">
+                  <a:moveTo>
+                    <a:pt x="0" y="0"/>
+                  </a:moveTo>
+                  <a:cubicBezTo>
+                    <a:pt x="5" y="18"/>
+                    <a:pt x="12" y="36"/>
+                    <a:pt x="19" y="53"/>
+                  </a:cubicBezTo>
+                  <a:cubicBezTo>
+                    <a:pt x="25" y="53"/>
+                    <a:pt x="25" y="53"/>
+                    <a:pt x="25" y="53"/>
+                  </a:cubicBezTo>
+                  <a:cubicBezTo>
+                    <a:pt x="16" y="36"/>
+                    <a:pt x="8" y="18"/>
+                    <a:pt x="0" y="0"/>
+                  </a:cubicBezTo>
+                  <a:close/>
+                </a:path>
+              </a:pathLst>
+            </a:custGeom>
+            <a:solidFill>
+              <a:schemeClr val="tx2"/>
+            </a:solidFill>
+            <a:ln>
+              <a:noFill/>
+            </a:ln>
+          </p:spPr>
+        </p:sp>
+        <p:sp>
+          <p:nvSpPr>
+            <p:cNvPr id="20" name="Freeform 36"/>
+            <p:cNvSpPr/>
+            <p:nvPr/>
+          </p:nvSpPr>
+          <p:spPr bwMode="auto">
+            <a:xfrm>
+              <a:off x="7412038" y="5081588"/>
+              <a:ext cx="114300" cy="558800"/>
+            </a:xfrm>
+            <a:custGeom>
+              <a:avLst/>
+              <a:gdLst/>
+              <a:ahLst/>
+              <a:cxnLst/>
+              <a:rect l="0" t="0" r="r" b="b"/>
+              <a:pathLst>
+                <a:path w="29" h="141">
+                  <a:moveTo>
+                    <a:pt x="0" y="0"/>
+                  </a:moveTo>
+                  <a:cubicBezTo>
+                    <a:pt x="0" y="30"/>
+                    <a:pt x="2" y="60"/>
+                    <a:pt x="7" y="89"/>
+                  </a:cubicBezTo>
+                  <a:cubicBezTo>
+                    <a:pt x="11" y="98"/>
+                    <a:pt x="14" y="108"/>
+                    <a:pt x="18" y="117"/>
+                  </a:cubicBezTo>
+                  <a:cubicBezTo>
+                    <a:pt x="22" y="125"/>
+                    <a:pt x="25" y="133"/>
+                    <a:pt x="29" y="141"/>
+                  </a:cubicBezTo>
+                  <a:cubicBezTo>
+                    <a:pt x="28" y="139"/>
+                    <a:pt x="28" y="137"/>
+                    <a:pt x="27" y="135"/>
+                  </a:cubicBezTo>
+                  <a:cubicBezTo>
+                    <a:pt x="16" y="98"/>
+                    <a:pt x="10" y="60"/>
+                    <a:pt x="8" y="22"/>
+                  </a:cubicBezTo>
+                  <a:cubicBezTo>
+                    <a:pt x="7" y="18"/>
+                    <a:pt x="5" y="15"/>
+                    <a:pt x="4" y="11"/>
+                  </a:cubicBezTo>
+                  <a:cubicBezTo>
+                    <a:pt x="2" y="7"/>
+                    <a:pt x="1" y="3"/>
+                    <a:pt x="0" y="0"/>
+                  </a:cubicBezTo>
+                  <a:close/>
+                </a:path>
+              </a:pathLst>
+            </a:custGeom>
+            <a:solidFill>
+              <a:schemeClr val="tx2"/>
+            </a:solidFill>
+            <a:ln>
+              <a:noFill/>
+            </a:ln>
+          </p:spPr>
+        </p:sp>
+        <p:sp>
+          <p:nvSpPr>
+            <p:cNvPr id="21" name="Freeform 37"/>
+            <p:cNvSpPr/>
+            <p:nvPr/>
+          </p:nvSpPr>
+          <p:spPr bwMode="auto">
+            <a:xfrm>
+              <a:off x="7412038" y="4978400"/>
+              <a:ext cx="31750" cy="188913"/>
+            </a:xfrm>
+            <a:custGeom>
+              <a:avLst/>
+              <a:gdLst/>
+              <a:ahLst/>
+              <a:cxnLst/>
+              <a:rect l="0" t="0" r="r" b="b"/>
+              <a:pathLst>
+                <a:path w="8" h="48">
+                  <a:moveTo>
+                    <a:pt x="0" y="26"/>
+                  </a:moveTo>
+                  <a:cubicBezTo>
+                    <a:pt x="1" y="29"/>
+                    <a:pt x="2" y="33"/>
+                    <a:pt x="4" y="37"/>
+                  </a:cubicBezTo>
+                  <a:cubicBezTo>
+                    <a:pt x="5" y="41"/>
+                    <a:pt x="7" y="44"/>
+                    <a:pt x="8" y="48"/>
+                  </a:cubicBezTo>
+                  <a:cubicBezTo>
+                    <a:pt x="7" y="38"/>
+                    <a:pt x="7" y="28"/>
+                    <a:pt x="7" y="19"/>
+                  </a:cubicBezTo>
+                  <a:cubicBezTo>
+                    <a:pt x="5" y="12"/>
+                    <a:pt x="3" y="6"/>
+                    <a:pt x="0" y="0"/>
+                  </a:cubicBezTo>
+                  <a:cubicBezTo>
+                    <a:pt x="0" y="1"/>
+                    <a:pt x="0" y="3"/>
+                    <a:pt x="0" y="4"/>
+                  </a:cubicBezTo>
+                  <a:cubicBezTo>
+                    <a:pt x="0" y="11"/>
+                    <a:pt x="0" y="19"/>
+                    <a:pt x="0" y="26"/>
+                  </a:cubicBezTo>
+                  <a:close/>
+                </a:path>
+              </a:pathLst>
+            </a:custGeom>
+            <a:solidFill>
+              <a:schemeClr val="tx2"/>
+            </a:solidFill>
+            <a:ln>
+              <a:noFill/>
+            </a:ln>
+          </p:spPr>
+        </p:sp>
+        <p:sp>
+          <p:nvSpPr>
+            <p:cNvPr id="22" name="Freeform 38"/>
+            <p:cNvSpPr/>
+            <p:nvPr/>
+          </p:nvSpPr>
+          <p:spPr bwMode="auto">
+            <a:xfrm>
+              <a:off x="7439026" y="5434013"/>
+              <a:ext cx="174625" cy="439738"/>
+            </a:xfrm>
+            <a:custGeom>
+              <a:avLst/>
+              <a:gdLst/>
+              <a:ahLst/>
+              <a:cxnLst/>
+              <a:rect l="0" t="0" r="r" b="b"/>
+              <a:pathLst>
+                <a:path w="44" h="111">
+                  <a:moveTo>
+                    <a:pt x="11" y="28"/>
+                  </a:moveTo>
+                  <a:cubicBezTo>
+                    <a:pt x="7" y="19"/>
+                    <a:pt x="4" y="9"/>
+                    <a:pt x="0" y="0"/>
+                  </a:cubicBezTo>
+                  <a:cubicBezTo>
+                    <a:pt x="3" y="16"/>
+                    <a:pt x="7" y="33"/>
+                    <a:pt x="11" y="49"/>
+                  </a:cubicBezTo>
+                  <a:cubicBezTo>
+                    <a:pt x="12" y="52"/>
+                    <a:pt x="13" y="55"/>
+                    <a:pt x="14" y="58"/>
+                  </a:cubicBezTo>
+                  <a:cubicBezTo>
+                    <a:pt x="22" y="76"/>
+                    <a:pt x="30" y="94"/>
+                    <a:pt x="39" y="111"/>
+                  </a:cubicBezTo>
+                  <a:cubicBezTo>
+                    <a:pt x="44" y="111"/>
+                    <a:pt x="44" y="111"/>
+                    <a:pt x="44" y="111"/>
+                  </a:cubicBezTo>
+                  <a:cubicBezTo>
+                    <a:pt x="35" y="92"/>
+                    <a:pt x="28" y="72"/>
+                    <a:pt x="22" y="52"/>
+                  </a:cubicBezTo>
+                  <a:cubicBezTo>
+                    <a:pt x="18" y="44"/>
+                    <a:pt x="15" y="36"/>
+                    <a:pt x="11" y="28"/>
+                  </a:cubicBezTo>
+                  <a:close/>
+                </a:path>
+              </a:pathLst>
+            </a:custGeom>
+            <a:solidFill>
+              <a:schemeClr val="tx2"/>
+            </a:solidFill>
+            <a:ln>
+              <a:noFill/>
+            </a:ln>
+          </p:spPr>
+        </p:sp>
+      </p:grpSp>
+      <p:sp>
+        <p:nvSpPr>
+          <p:cNvPr id="7" name="Rectangle 6"/>
+          <p:cNvSpPr/>
+          <p:nvPr/>
         </p:nvSpPr>
         <p:spPr>
           <a:xfrm>
-            <a:off x="838200" y="365125"/>
-            <a:ext cx="10515600" cy="1325563"/>
+            <a:off x="0" y="0"/>
+            <a:ext cx="182880" cy="6858000"/>
+          </a:xfrm>
+          <a:prstGeom prst="rect">
+            <a:avLst/>
+          </a:prstGeom>
+          <a:solidFill>
+            <a:schemeClr val="tx2"/>
+          </a:solidFill>
+          <a:ln>
+            <a:noFill/>
+          </a:ln>
+          <a:effectLst/>
+        </p:spPr>
+        <p:style>
+          <a:lnRef idx="1">
+            <a:schemeClr val="accent1"/>
+          </a:lnRef>
+          <a:fillRef idx="3">
+            <a:schemeClr val="accent1"/>
+          </a:fillRef>
+          <a:effectRef idx="2">
+            <a:schemeClr val="accent1"/>
+          </a:effectRef>
+          <a:fontRef idx="minor">
+            <a:schemeClr val="lt1"/>
+          </a:fontRef>
+        </p:style>
+      </p:sp>
+      <p:sp>
+        <p:nvSpPr>
+          <p:cNvPr id="2" name="Title Placeholder 1"/>
+          <p:cNvSpPr>
+            <a:spLocks noGrp="1"/>
+          </p:cNvSpPr>
+          <p:nvPr>
+            <p:ph type="title"/>
+          </p:nvPr>
+        </p:nvSpPr>
+        <p:spPr>
+          <a:xfrm>
+            <a:off x="2592924" y="624110"/>
+            <a:ext cx="8911687" cy="1280890"/>
           </a:xfrm>
           <a:prstGeom prst="rect">
             <a:avLst/>
           </a:prstGeom>
         </p:spPr>
         <p:txBody>
-          <a:bodyPr vert="horz" lIns="91440" tIns="45720" rIns="91440" bIns="45720" rtlCol="0" anchor="ctr">
+          <a:bodyPr vert="horz" lIns="91440" tIns="45720" rIns="91440" bIns="45720" rtlCol="0" anchor="t">
             <a:normAutofit/>
           </a:bodyPr>
           <a:lstStyle/>
@@ -3076,19 +7330,13 @@
               <a:rPr lang="ja-JP" altLang="en-US"/>
               <a:t>マスター タイトルの書式設定</a:t>
             </a:r>
-            <a:endParaRPr lang="en-US"/>
-          </a:p>
-        </p:txBody>
-      </p:sp>
-      <p:sp>
-        <p:nvSpPr>
-          <p:cNvPr id="3" name="テキスト プレースホルダー 2">
-            <a:extLst>
-              <a:ext uri="{FF2B5EF4-FFF2-40B4-BE49-F238E27FC236}">
-                <a16:creationId xmlns:a16="http://schemas.microsoft.com/office/drawing/2014/main" id="{B2AB5295-F99B-47C0-9016-2A378904B4B3}"/>
-              </a:ext>
-            </a:extLst>
-          </p:cNvPr>
+            <a:endParaRPr lang="en-US" dirty="0"/>
+          </a:p>
+        </p:txBody>
+      </p:sp>
+      <p:sp>
+        <p:nvSpPr>
+          <p:cNvPr id="3" name="Text Placeholder 2"/>
           <p:cNvSpPr>
             <a:spLocks noGrp="1"/>
           </p:cNvSpPr>
@@ -3098,8 +7346,8 @@
         </p:nvSpPr>
         <p:spPr>
           <a:xfrm>
-            <a:off x="838200" y="1825625"/>
-            <a:ext cx="10515600" cy="4351338"/>
+            <a:off x="2589212" y="2133600"/>
+            <a:ext cx="8915400" cy="3886200"/>
           </a:xfrm>
           <a:prstGeom prst="rect">
             <a:avLst/>
@@ -3176,19 +7424,13 @@
               <a:rPr lang="ja-JP" altLang="en-US"/>
               <a:t>レベル</a:t>
             </a:r>
-            <a:endParaRPr lang="en-US"/>
-          </a:p>
-        </p:txBody>
-      </p:sp>
-      <p:sp>
-        <p:nvSpPr>
-          <p:cNvPr id="4" name="日付プレースホルダー 3">
-            <a:extLst>
-              <a:ext uri="{FF2B5EF4-FFF2-40B4-BE49-F238E27FC236}">
-                <a16:creationId xmlns:a16="http://schemas.microsoft.com/office/drawing/2014/main" id="{D6EBCB51-2328-4A8A-B625-5BD3D60F510B}"/>
-              </a:ext>
-            </a:extLst>
-          </p:cNvPr>
+            <a:endParaRPr lang="en-US" dirty="0"/>
+          </a:p>
+        </p:txBody>
+      </p:sp>
+      <p:sp>
+        <p:nvSpPr>
+          <p:cNvPr id="4" name="Date Placeholder 3"/>
           <p:cNvSpPr>
             <a:spLocks noGrp="1"/>
           </p:cNvSpPr>
@@ -3198,8 +7440,8 @@
         </p:nvSpPr>
         <p:spPr>
           <a:xfrm>
-            <a:off x="838200" y="6356350"/>
-            <a:ext cx="2743200" cy="365125"/>
+            <a:off x="10361612" y="6130437"/>
+            <a:ext cx="1146283" cy="370396"/>
           </a:xfrm>
           <a:prstGeom prst="rect">
             <a:avLst/>
@@ -3208,8 +7450,8 @@
         <p:txBody>
           <a:bodyPr vert="horz" lIns="91440" tIns="45720" rIns="91440" bIns="45720" rtlCol="0" anchor="ctr"/>
           <a:lstStyle>
-            <a:lvl1pPr algn="l">
-              <a:defRPr sz="1200">
+            <a:lvl1pPr algn="r">
+              <a:defRPr sz="900">
                 <a:solidFill>
                   <a:schemeClr val="tx1">
                     <a:tint val="75000"/>
@@ -3221,7 +7463,7 @@
           <a:p>
             <a:fld id="{925E6D9D-9AD4-4F5D-AD35-0F310E293712}" type="datetimeFigureOut">
               <a:rPr lang="en-US" smtClean="0"/>
-              <a:t>3/18/2025</a:t>
+              <a:t>3/20/2025</a:t>
             </a:fld>
             <a:endParaRPr lang="en-US"/>
           </a:p>
@@ -3229,13 +7471,7 @@
       </p:sp>
       <p:sp>
         <p:nvSpPr>
-          <p:cNvPr id="5" name="フッター プレースホルダー 4">
-            <a:extLst>
-              <a:ext uri="{FF2B5EF4-FFF2-40B4-BE49-F238E27FC236}">
-                <a16:creationId xmlns:a16="http://schemas.microsoft.com/office/drawing/2014/main" id="{61E0280E-0AAE-4D1B-9574-F14706FA2049}"/>
-              </a:ext>
-            </a:extLst>
-          </p:cNvPr>
+          <p:cNvPr id="5" name="Footer Placeholder 4"/>
           <p:cNvSpPr>
             <a:spLocks noGrp="1"/>
           </p:cNvSpPr>
@@ -3245,8 +7481,8 @@
         </p:nvSpPr>
         <p:spPr>
           <a:xfrm>
-            <a:off x="4038600" y="6356350"/>
-            <a:ext cx="4114800" cy="365125"/>
+            <a:off x="2589212" y="6135808"/>
+            <a:ext cx="7619999" cy="365125"/>
           </a:xfrm>
           <a:prstGeom prst="rect">
             <a:avLst/>
@@ -3255,8 +7491,8 @@
         <p:txBody>
           <a:bodyPr vert="horz" lIns="91440" tIns="45720" rIns="91440" bIns="45720" rtlCol="0" anchor="ctr"/>
           <a:lstStyle>
-            <a:lvl1pPr algn="ctr">
-              <a:defRPr sz="1200">
+            <a:lvl1pPr algn="l">
+              <a:defRPr sz="900">
                 <a:solidFill>
                   <a:schemeClr val="tx1">
                     <a:tint val="75000"/>
@@ -3272,13 +7508,7 @@
       </p:sp>
       <p:sp>
         <p:nvSpPr>
-          <p:cNvPr id="6" name="スライド番号プレースホルダー 5">
-            <a:extLst>
-              <a:ext uri="{FF2B5EF4-FFF2-40B4-BE49-F238E27FC236}">
-                <a16:creationId xmlns:a16="http://schemas.microsoft.com/office/drawing/2014/main" id="{DE07B6E5-CEA2-45E1-9780-C90807CD822C}"/>
-              </a:ext>
-            </a:extLst>
-          </p:cNvPr>
+          <p:cNvPr id="6" name="Slide Number Placeholder 5"/>
           <p:cNvSpPr>
             <a:spLocks noGrp="1"/>
           </p:cNvSpPr>
@@ -3286,10 +7516,10 @@
             <p:ph type="sldNum" sz="quarter" idx="4"/>
           </p:nvPr>
         </p:nvSpPr>
-        <p:spPr>
+        <p:spPr bwMode="gray">
           <a:xfrm>
-            <a:off x="8610600" y="6356350"/>
-            <a:ext cx="2743200" cy="365125"/>
+            <a:off x="531812" y="787782"/>
+            <a:ext cx="779767" cy="365125"/>
           </a:xfrm>
           <a:prstGeom prst="rect">
             <a:avLst/>
@@ -3299,11 +7529,9 @@
           <a:bodyPr vert="horz" lIns="91440" tIns="45720" rIns="91440" bIns="45720" rtlCol="0" anchor="ctr"/>
           <a:lstStyle>
             <a:lvl1pPr algn="r">
-              <a:defRPr sz="1200">
+              <a:defRPr sz="2000">
                 <a:solidFill>
-                  <a:schemeClr val="tx1">
-                    <a:tint val="75000"/>
-                  </a:schemeClr>
+                  <a:srgbClr val="FEFFFF"/>
                 </a:solidFill>
               </a:defRPr>
             </a:lvl1pPr>
@@ -3320,201 +7548,316 @@
     </p:spTree>
     <p:extLst>
       <p:ext uri="{BB962C8B-B14F-4D97-AF65-F5344CB8AC3E}">
-        <p14:creationId xmlns:p14="http://schemas.microsoft.com/office/powerpoint/2010/main" val="3785119716"/>
+        <p14:creationId xmlns:p14="http://schemas.microsoft.com/office/powerpoint/2010/main" val="672701478"/>
       </p:ext>
     </p:extLst>
   </p:cSld>
   <p:clrMap bg1="lt1" tx1="dk1" bg2="lt2" tx2="dk2" accent1="accent1" accent2="accent2" accent3="accent3" accent4="accent4" accent5="accent5" accent6="accent6" hlink="hlink" folHlink="folHlink"/>
   <p:sldLayoutIdLst>
-    <p:sldLayoutId id="2147483649" r:id="rId1"/>
-    <p:sldLayoutId id="2147483650" r:id="rId2"/>
-    <p:sldLayoutId id="2147483651" r:id="rId3"/>
-    <p:sldLayoutId id="2147483652" r:id="rId4"/>
-    <p:sldLayoutId id="2147483653" r:id="rId5"/>
-    <p:sldLayoutId id="2147483654" r:id="rId6"/>
-    <p:sldLayoutId id="2147483655" r:id="rId7"/>
-    <p:sldLayoutId id="2147483656" r:id="rId8"/>
-    <p:sldLayoutId id="2147483657" r:id="rId9"/>
-    <p:sldLayoutId id="2147483658" r:id="rId10"/>
-    <p:sldLayoutId id="2147483659" r:id="rId11"/>
+    <p:sldLayoutId id="2147484358" r:id="rId1"/>
+    <p:sldLayoutId id="2147484359" r:id="rId2"/>
+    <p:sldLayoutId id="2147484360" r:id="rId3"/>
+    <p:sldLayoutId id="2147484361" r:id="rId4"/>
+    <p:sldLayoutId id="2147484362" r:id="rId5"/>
+    <p:sldLayoutId id="2147484363" r:id="rId6"/>
+    <p:sldLayoutId id="2147484364" r:id="rId7"/>
+    <p:sldLayoutId id="2147484365" r:id="rId8"/>
+    <p:sldLayoutId id="2147484366" r:id="rId9"/>
+    <p:sldLayoutId id="2147484367" r:id="rId10"/>
+    <p:sldLayoutId id="2147484368" r:id="rId11"/>
+    <p:sldLayoutId id="2147484369" r:id="rId12"/>
+    <p:sldLayoutId id="2147484370" r:id="rId13"/>
+    <p:sldLayoutId id="2147484371" r:id="rId14"/>
+    <p:sldLayoutId id="2147484372" r:id="rId15"/>
+    <p:sldLayoutId id="2147484373" r:id="rId16"/>
   </p:sldLayoutIdLst>
   <p:txStyles>
     <p:titleStyle>
-      <a:lvl1pPr algn="l" defTabSz="914400" rtl="0" eaLnBrk="1" latinLnBrk="0" hangingPunct="1">
-        <a:lnSpc>
-          <a:spcPct val="90000"/>
-        </a:lnSpc>
+      <a:lvl1pPr algn="l" defTabSz="457200" rtl="0" eaLnBrk="1" latinLnBrk="0" hangingPunct="1">
         <a:spcBef>
           <a:spcPct val="0"/>
         </a:spcBef>
         <a:buNone/>
-        <a:defRPr sz="4400" kern="1200">
+        <a:defRPr sz="3600" kern="1200">
           <a:solidFill>
-            <a:schemeClr val="tx1"/>
+            <a:schemeClr val="tx1">
+              <a:lumMod val="85000"/>
+              <a:lumOff val="15000"/>
+            </a:schemeClr>
           </a:solidFill>
           <a:latin typeface="+mj-lt"/>
           <a:ea typeface="+mj-ea"/>
           <a:cs typeface="+mj-cs"/>
         </a:defRPr>
       </a:lvl1pPr>
+      <a:lvl2pPr eaLnBrk="1" hangingPunct="1">
+        <a:defRPr>
+          <a:solidFill>
+            <a:schemeClr val="tx2"/>
+          </a:solidFill>
+        </a:defRPr>
+      </a:lvl2pPr>
+      <a:lvl3pPr eaLnBrk="1" hangingPunct="1">
+        <a:defRPr>
+          <a:solidFill>
+            <a:schemeClr val="tx2"/>
+          </a:solidFill>
+        </a:defRPr>
+      </a:lvl3pPr>
+      <a:lvl4pPr eaLnBrk="1" hangingPunct="1">
+        <a:defRPr>
+          <a:solidFill>
+            <a:schemeClr val="tx2"/>
+          </a:solidFill>
+        </a:defRPr>
+      </a:lvl4pPr>
+      <a:lvl5pPr eaLnBrk="1" hangingPunct="1">
+        <a:defRPr>
+          <a:solidFill>
+            <a:schemeClr val="tx2"/>
+          </a:solidFill>
+        </a:defRPr>
+      </a:lvl5pPr>
+      <a:lvl6pPr eaLnBrk="1" hangingPunct="1">
+        <a:defRPr>
+          <a:solidFill>
+            <a:schemeClr val="tx2"/>
+          </a:solidFill>
+        </a:defRPr>
+      </a:lvl6pPr>
+      <a:lvl7pPr eaLnBrk="1" hangingPunct="1">
+        <a:defRPr>
+          <a:solidFill>
+            <a:schemeClr val="tx2"/>
+          </a:solidFill>
+        </a:defRPr>
+      </a:lvl7pPr>
+      <a:lvl8pPr eaLnBrk="1" hangingPunct="1">
+        <a:defRPr>
+          <a:solidFill>
+            <a:schemeClr val="tx2"/>
+          </a:solidFill>
+        </a:defRPr>
+      </a:lvl8pPr>
+      <a:lvl9pPr eaLnBrk="1" hangingPunct="1">
+        <a:defRPr>
+          <a:solidFill>
+            <a:schemeClr val="tx2"/>
+          </a:solidFill>
+        </a:defRPr>
+      </a:lvl9pPr>
     </p:titleStyle>
     <p:bodyStyle>
-      <a:lvl1pPr marL="228600" indent="-228600" algn="l" defTabSz="914400" rtl="0" eaLnBrk="1" latinLnBrk="0" hangingPunct="1">
-        <a:lnSpc>
-          <a:spcPct val="90000"/>
-        </a:lnSpc>
+      <a:lvl1pPr marL="342900" indent="-342900" algn="l" defTabSz="457200" rtl="0" eaLnBrk="1" latinLnBrk="0" hangingPunct="1">
         <a:spcBef>
           <a:spcPts val="1000"/>
         </a:spcBef>
-        <a:buFont typeface="Arial" panose="020B0604020202020204" pitchFamily="34" charset="0"/>
-        <a:buChar char="•"/>
-        <a:defRPr sz="2800" kern="1200">
+        <a:spcAft>
+          <a:spcPts val="0"/>
+        </a:spcAft>
+        <a:buClr>
+          <a:schemeClr val="accent1"/>
+        </a:buClr>
+        <a:buFont typeface="Wingdings 3" charset="2"/>
+        <a:buChar char=""/>
+        <a:defRPr sz="1800" kern="1200">
           <a:solidFill>
-            <a:schemeClr val="tx1"/>
+            <a:schemeClr val="tx1">
+              <a:lumMod val="75000"/>
+              <a:lumOff val="25000"/>
+            </a:schemeClr>
           </a:solidFill>
           <a:latin typeface="+mn-lt"/>
           <a:ea typeface="+mn-ea"/>
           <a:cs typeface="+mn-cs"/>
         </a:defRPr>
       </a:lvl1pPr>
-      <a:lvl2pPr marL="685800" indent="-228600" algn="l" defTabSz="914400" rtl="0" eaLnBrk="1" latinLnBrk="0" hangingPunct="1">
-        <a:lnSpc>
-          <a:spcPct val="90000"/>
-        </a:lnSpc>
+      <a:lvl2pPr marL="742950" indent="-285750" algn="l" defTabSz="457200" rtl="0" eaLnBrk="1" latinLnBrk="0" hangingPunct="1">
         <a:spcBef>
-          <a:spcPts val="500"/>
+          <a:spcPts val="1000"/>
         </a:spcBef>
-        <a:buFont typeface="Arial" panose="020B0604020202020204" pitchFamily="34" charset="0"/>
-        <a:buChar char="•"/>
-        <a:defRPr sz="2400" kern="1200">
+        <a:spcAft>
+          <a:spcPts val="0"/>
+        </a:spcAft>
+        <a:buClr>
+          <a:schemeClr val="accent1"/>
+        </a:buClr>
+        <a:buFont typeface="Wingdings 3" charset="2"/>
+        <a:buChar char=""/>
+        <a:defRPr sz="1600" kern="1200">
           <a:solidFill>
-            <a:schemeClr val="tx1"/>
+            <a:schemeClr val="tx1">
+              <a:lumMod val="75000"/>
+              <a:lumOff val="25000"/>
+            </a:schemeClr>
           </a:solidFill>
           <a:latin typeface="+mn-lt"/>
           <a:ea typeface="+mn-ea"/>
           <a:cs typeface="+mn-cs"/>
         </a:defRPr>
       </a:lvl2pPr>
-      <a:lvl3pPr marL="1143000" indent="-228600" algn="l" defTabSz="914400" rtl="0" eaLnBrk="1" latinLnBrk="0" hangingPunct="1">
-        <a:lnSpc>
-          <a:spcPct val="90000"/>
-        </a:lnSpc>
+      <a:lvl3pPr marL="1143000" indent="-228600" algn="l" defTabSz="457200" rtl="0" eaLnBrk="1" latinLnBrk="0" hangingPunct="1">
         <a:spcBef>
-          <a:spcPts val="500"/>
+          <a:spcPts val="1000"/>
         </a:spcBef>
-        <a:buFont typeface="Arial" panose="020B0604020202020204" pitchFamily="34" charset="0"/>
-        <a:buChar char="•"/>
-        <a:defRPr sz="2000" kern="1200">
+        <a:spcAft>
+          <a:spcPts val="0"/>
+        </a:spcAft>
+        <a:buClr>
+          <a:schemeClr val="accent1"/>
+        </a:buClr>
+        <a:buFont typeface="Wingdings 3" charset="2"/>
+        <a:buChar char=""/>
+        <a:defRPr sz="1400" kern="1200">
           <a:solidFill>
-            <a:schemeClr val="tx1"/>
+            <a:schemeClr val="tx1">
+              <a:lumMod val="75000"/>
+              <a:lumOff val="25000"/>
+            </a:schemeClr>
           </a:solidFill>
           <a:latin typeface="+mn-lt"/>
           <a:ea typeface="+mn-ea"/>
           <a:cs typeface="+mn-cs"/>
         </a:defRPr>
       </a:lvl3pPr>
-      <a:lvl4pPr marL="1600200" indent="-228600" algn="l" defTabSz="914400" rtl="0" eaLnBrk="1" latinLnBrk="0" hangingPunct="1">
-        <a:lnSpc>
-          <a:spcPct val="90000"/>
-        </a:lnSpc>
+      <a:lvl4pPr marL="1600200" indent="-228600" algn="l" defTabSz="457200" rtl="0" eaLnBrk="1" latinLnBrk="0" hangingPunct="1">
         <a:spcBef>
-          <a:spcPts val="500"/>
+          <a:spcPts val="1000"/>
         </a:spcBef>
-        <a:buFont typeface="Arial" panose="020B0604020202020204" pitchFamily="34" charset="0"/>
-        <a:buChar char="•"/>
-        <a:defRPr sz="1800" kern="1200">
+        <a:spcAft>
+          <a:spcPts val="0"/>
+        </a:spcAft>
+        <a:buClr>
+          <a:schemeClr val="accent1"/>
+        </a:buClr>
+        <a:buFont typeface="Wingdings 3" charset="2"/>
+        <a:buChar char=""/>
+        <a:defRPr sz="1200" kern="1200">
           <a:solidFill>
-            <a:schemeClr val="tx1"/>
+            <a:schemeClr val="tx1">
+              <a:lumMod val="75000"/>
+              <a:lumOff val="25000"/>
+            </a:schemeClr>
           </a:solidFill>
           <a:latin typeface="+mn-lt"/>
           <a:ea typeface="+mn-ea"/>
           <a:cs typeface="+mn-cs"/>
         </a:defRPr>
       </a:lvl4pPr>
-      <a:lvl5pPr marL="2057400" indent="-228600" algn="l" defTabSz="914400" rtl="0" eaLnBrk="1" latinLnBrk="0" hangingPunct="1">
-        <a:lnSpc>
-          <a:spcPct val="90000"/>
-        </a:lnSpc>
+      <a:lvl5pPr marL="2057400" indent="-228600" algn="l" defTabSz="457200" rtl="0" eaLnBrk="1" latinLnBrk="0" hangingPunct="1">
         <a:spcBef>
-          <a:spcPts val="500"/>
+          <a:spcPts val="1000"/>
         </a:spcBef>
-        <a:buFont typeface="Arial" panose="020B0604020202020204" pitchFamily="34" charset="0"/>
-        <a:buChar char="•"/>
-        <a:defRPr sz="1800" kern="1200">
+        <a:spcAft>
+          <a:spcPts val="0"/>
+        </a:spcAft>
+        <a:buClr>
+          <a:schemeClr val="accent1"/>
+        </a:buClr>
+        <a:buFont typeface="Wingdings 3" charset="2"/>
+        <a:buChar char=""/>
+        <a:defRPr sz="1200" kern="1200">
           <a:solidFill>
-            <a:schemeClr val="tx1"/>
+            <a:schemeClr val="tx1">
+              <a:lumMod val="75000"/>
+              <a:lumOff val="25000"/>
+            </a:schemeClr>
           </a:solidFill>
           <a:latin typeface="+mn-lt"/>
           <a:ea typeface="+mn-ea"/>
           <a:cs typeface="+mn-cs"/>
         </a:defRPr>
       </a:lvl5pPr>
-      <a:lvl6pPr marL="2514600" indent="-228600" algn="l" defTabSz="914400" rtl="0" eaLnBrk="1" latinLnBrk="0" hangingPunct="1">
-        <a:lnSpc>
-          <a:spcPct val="90000"/>
-        </a:lnSpc>
+      <a:lvl6pPr marL="2514600" indent="-228600" algn="l" defTabSz="457200" rtl="0" eaLnBrk="1" latinLnBrk="0" hangingPunct="1">
         <a:spcBef>
-          <a:spcPts val="500"/>
+          <a:spcPts val="1000"/>
         </a:spcBef>
-        <a:buFont typeface="Arial" panose="020B0604020202020204" pitchFamily="34" charset="0"/>
-        <a:buChar char="•"/>
-        <a:defRPr sz="1800" kern="1200">
+        <a:spcAft>
+          <a:spcPts val="0"/>
+        </a:spcAft>
+        <a:buClr>
+          <a:schemeClr val="accent1"/>
+        </a:buClr>
+        <a:buFont typeface="Wingdings 3" charset="2"/>
+        <a:buChar char=""/>
+        <a:defRPr sz="1200" kern="1200">
           <a:solidFill>
-            <a:schemeClr val="tx1"/>
+            <a:schemeClr val="tx1">
+              <a:lumMod val="75000"/>
+              <a:lumOff val="25000"/>
+            </a:schemeClr>
           </a:solidFill>
           <a:latin typeface="+mn-lt"/>
           <a:ea typeface="+mn-ea"/>
           <a:cs typeface="+mn-cs"/>
         </a:defRPr>
       </a:lvl6pPr>
-      <a:lvl7pPr marL="2971800" indent="-228600" algn="l" defTabSz="914400" rtl="0" eaLnBrk="1" latinLnBrk="0" hangingPunct="1">
-        <a:lnSpc>
-          <a:spcPct val="90000"/>
-        </a:lnSpc>
+      <a:lvl7pPr marL="2971800" indent="-228600" algn="l" defTabSz="457200" rtl="0" eaLnBrk="1" latinLnBrk="0" hangingPunct="1">
         <a:spcBef>
-          <a:spcPts val="500"/>
+          <a:spcPts val="1000"/>
         </a:spcBef>
-        <a:buFont typeface="Arial" panose="020B0604020202020204" pitchFamily="34" charset="0"/>
-        <a:buChar char="•"/>
-        <a:defRPr sz="1800" kern="1200">
+        <a:spcAft>
+          <a:spcPts val="0"/>
+        </a:spcAft>
+        <a:buClr>
+          <a:schemeClr val="accent1"/>
+        </a:buClr>
+        <a:buFont typeface="Wingdings 3" charset="2"/>
+        <a:buChar char=""/>
+        <a:defRPr sz="1200" kern="1200">
           <a:solidFill>
-            <a:schemeClr val="tx1"/>
+            <a:schemeClr val="tx1">
+              <a:lumMod val="75000"/>
+              <a:lumOff val="25000"/>
+            </a:schemeClr>
           </a:solidFill>
           <a:latin typeface="+mn-lt"/>
           <a:ea typeface="+mn-ea"/>
           <a:cs typeface="+mn-cs"/>
         </a:defRPr>
       </a:lvl7pPr>
-      <a:lvl8pPr marL="3429000" indent="-228600" algn="l" defTabSz="914400" rtl="0" eaLnBrk="1" latinLnBrk="0" hangingPunct="1">
-        <a:lnSpc>
-          <a:spcPct val="90000"/>
-        </a:lnSpc>
+      <a:lvl8pPr marL="3429000" indent="-228600" algn="l" defTabSz="457200" rtl="0" eaLnBrk="1" latinLnBrk="0" hangingPunct="1">
         <a:spcBef>
-          <a:spcPts val="500"/>
+          <a:spcPts val="1000"/>
         </a:spcBef>
-        <a:buFont typeface="Arial" panose="020B0604020202020204" pitchFamily="34" charset="0"/>
-        <a:buChar char="•"/>
-        <a:defRPr sz="1800" kern="1200">
+        <a:spcAft>
+          <a:spcPts val="0"/>
+        </a:spcAft>
+        <a:buClr>
+          <a:schemeClr val="accent1"/>
+        </a:buClr>
+        <a:buFont typeface="Wingdings 3" charset="2"/>
+        <a:buChar char=""/>
+        <a:defRPr sz="1200" kern="1200">
           <a:solidFill>
-            <a:schemeClr val="tx1"/>
+            <a:schemeClr val="tx1">
+              <a:lumMod val="75000"/>
+              <a:lumOff val="25000"/>
+            </a:schemeClr>
           </a:solidFill>
           <a:latin typeface="+mn-lt"/>
           <a:ea typeface="+mn-ea"/>
           <a:cs typeface="+mn-cs"/>
         </a:defRPr>
       </a:lvl8pPr>
-      <a:lvl9pPr marL="3886200" indent="-228600" algn="l" defTabSz="914400" rtl="0" eaLnBrk="1" latinLnBrk="0" hangingPunct="1">
-        <a:lnSpc>
-          <a:spcPct val="90000"/>
-        </a:lnSpc>
+      <a:lvl9pPr marL="3886200" indent="-228600" algn="l" defTabSz="457200" rtl="0" eaLnBrk="1" latinLnBrk="0" hangingPunct="1">
         <a:spcBef>
-          <a:spcPts val="500"/>
+          <a:spcPts val="1000"/>
         </a:spcBef>
-        <a:buFont typeface="Arial" panose="020B0604020202020204" pitchFamily="34" charset="0"/>
-        <a:buChar char="•"/>
-        <a:defRPr sz="1800" kern="1200">
+        <a:spcAft>
+          <a:spcPts val="0"/>
+        </a:spcAft>
+        <a:buClr>
+          <a:schemeClr val="accent1"/>
+        </a:buClr>
+        <a:buFont typeface="Wingdings 3" charset="2"/>
+        <a:buChar char=""/>
+        <a:defRPr sz="1200" kern="1200">
           <a:solidFill>
-            <a:schemeClr val="tx1"/>
+            <a:schemeClr val="tx1">
+              <a:lumMod val="75000"/>
+              <a:lumOff val="25000"/>
+            </a:schemeClr>
           </a:solidFill>
           <a:latin typeface="+mn-lt"/>
           <a:ea typeface="+mn-ea"/>
@@ -3526,7 +7869,7 @@
       <a:defPPr>
         <a:defRPr lang="en-US"/>
       </a:defPPr>
-      <a:lvl1pPr marL="0" algn="l" defTabSz="914400" rtl="0" eaLnBrk="1" latinLnBrk="0" hangingPunct="1">
+      <a:lvl1pPr marL="0" algn="l" defTabSz="457200" rtl="0" eaLnBrk="1" latinLnBrk="0" hangingPunct="1">
         <a:defRPr sz="1800" kern="1200">
           <a:solidFill>
             <a:schemeClr val="tx1"/>
@@ -3536,7 +7879,7 @@
           <a:cs typeface="+mn-cs"/>
         </a:defRPr>
       </a:lvl1pPr>
-      <a:lvl2pPr marL="457200" algn="l" defTabSz="914400" rtl="0" eaLnBrk="1" latinLnBrk="0" hangingPunct="1">
+      <a:lvl2pPr marL="457200" algn="l" defTabSz="457200" rtl="0" eaLnBrk="1" latinLnBrk="0" hangingPunct="1">
         <a:defRPr sz="1800" kern="1200">
           <a:solidFill>
             <a:schemeClr val="tx1"/>
@@ -3546,7 +7889,7 @@
           <a:cs typeface="+mn-cs"/>
         </a:defRPr>
       </a:lvl2pPr>
-      <a:lvl3pPr marL="914400" algn="l" defTabSz="914400" rtl="0" eaLnBrk="1" latinLnBrk="0" hangingPunct="1">
+      <a:lvl3pPr marL="914400" algn="l" defTabSz="457200" rtl="0" eaLnBrk="1" latinLnBrk="0" hangingPunct="1">
         <a:defRPr sz="1800" kern="1200">
           <a:solidFill>
             <a:schemeClr val="tx1"/>
@@ -3556,7 +7899,7 @@
           <a:cs typeface="+mn-cs"/>
         </a:defRPr>
       </a:lvl3pPr>
-      <a:lvl4pPr marL="1371600" algn="l" defTabSz="914400" rtl="0" eaLnBrk="1" latinLnBrk="0" hangingPunct="1">
+      <a:lvl4pPr marL="1371600" algn="l" defTabSz="457200" rtl="0" eaLnBrk="1" latinLnBrk="0" hangingPunct="1">
         <a:defRPr sz="1800" kern="1200">
           <a:solidFill>
             <a:schemeClr val="tx1"/>
@@ -3566,7 +7909,7 @@
           <a:cs typeface="+mn-cs"/>
         </a:defRPr>
       </a:lvl4pPr>
-      <a:lvl5pPr marL="1828800" algn="l" defTabSz="914400" rtl="0" eaLnBrk="1" latinLnBrk="0" hangingPunct="1">
+      <a:lvl5pPr marL="1828800" algn="l" defTabSz="457200" rtl="0" eaLnBrk="1" latinLnBrk="0" hangingPunct="1">
         <a:defRPr sz="1800" kern="1200">
           <a:solidFill>
             <a:schemeClr val="tx1"/>
@@ -3576,7 +7919,7 @@
           <a:cs typeface="+mn-cs"/>
         </a:defRPr>
       </a:lvl5pPr>
-      <a:lvl6pPr marL="2286000" algn="l" defTabSz="914400" rtl="0" eaLnBrk="1" latinLnBrk="0" hangingPunct="1">
+      <a:lvl6pPr marL="2286000" algn="l" defTabSz="457200" rtl="0" eaLnBrk="1" latinLnBrk="0" hangingPunct="1">
         <a:defRPr sz="1800" kern="1200">
           <a:solidFill>
             <a:schemeClr val="tx1"/>
@@ -3586,7 +7929,7 @@
           <a:cs typeface="+mn-cs"/>
         </a:defRPr>
       </a:lvl6pPr>
-      <a:lvl7pPr marL="2743200" algn="l" defTabSz="914400" rtl="0" eaLnBrk="1" latinLnBrk="0" hangingPunct="1">
+      <a:lvl7pPr marL="2743200" algn="l" defTabSz="457200" rtl="0" eaLnBrk="1" latinLnBrk="0" hangingPunct="1">
         <a:defRPr sz="1800" kern="1200">
           <a:solidFill>
             <a:schemeClr val="tx1"/>
@@ -3596,7 +7939,7 @@
           <a:cs typeface="+mn-cs"/>
         </a:defRPr>
       </a:lvl7pPr>
-      <a:lvl8pPr marL="3200400" algn="l" defTabSz="914400" rtl="0" eaLnBrk="1" latinLnBrk="0" hangingPunct="1">
+      <a:lvl8pPr marL="3200400" algn="l" defTabSz="457200" rtl="0" eaLnBrk="1" latinLnBrk="0" hangingPunct="1">
         <a:defRPr sz="1800" kern="1200">
           <a:solidFill>
             <a:schemeClr val="tx1"/>
@@ -3606,7 +7949,7 @@
           <a:cs typeface="+mn-cs"/>
         </a:defRPr>
       </a:lvl8pPr>
-      <a:lvl9pPr marL="3657600" algn="l" defTabSz="914400" rtl="0" eaLnBrk="1" latinLnBrk="0" hangingPunct="1">
+      <a:lvl9pPr marL="3657600" algn="l" defTabSz="457200" rtl="0" eaLnBrk="1" latinLnBrk="0" hangingPunct="1">
         <a:defRPr sz="1800" kern="1200">
           <a:solidFill>
             <a:schemeClr val="tx1"/>
@@ -3618,12 +7961,44 @@
       </a:lvl9pPr>
     </p:otherStyle>
   </p:txStyles>
+  <p:extLst>
+    <p:ext uri="{27BBF7A9-308A-43DC-89C8-2F10F3537804}">
+      <p15:sldGuideLst xmlns:p15="http://schemas.microsoft.com/office/powerpoint/2012/main"/>
+    </p:ext>
+  </p:extLst>
 </p:sldMaster>
 </file>
 
 <file path=ppt/slides/slide1.xml><?xml version="1.0" encoding="utf-8"?>
 <p:sld xmlns:a="http://schemas.openxmlformats.org/drawingml/2006/main" xmlns:r="http://schemas.openxmlformats.org/officeDocument/2006/relationships" xmlns:p="http://schemas.openxmlformats.org/presentationml/2006/main">
   <p:cSld>
+    <p:bg>
+      <p:bgPr>
+        <a:gradFill flip="none" rotWithShape="1">
+          <a:gsLst>
+            <a:gs pos="0">
+              <a:schemeClr val="bg2">
+                <a:tint val="90000"/>
+                <a:satMod val="92000"/>
+                <a:lumMod val="120000"/>
+              </a:schemeClr>
+            </a:gs>
+            <a:gs pos="100000">
+              <a:schemeClr val="bg2">
+                <a:shade val="98000"/>
+                <a:satMod val="120000"/>
+                <a:lumMod val="98000"/>
+              </a:schemeClr>
+            </a:gs>
+          </a:gsLst>
+          <a:path path="circle">
+            <a:fillToRect l="100000" t="100000"/>
+          </a:path>
+          <a:tileRect r="-100000" b="-100000"/>
+        </a:gradFill>
+        <a:effectLst/>
+      </p:bgPr>
+    </p:bg>
     <p:spTree>
       <p:nvGrpSpPr>
         <p:cNvPr id="1" name=""/>
@@ -3656,29 +8031,41 @@
         </p:nvSpPr>
         <p:spPr>
           <a:xfrm>
-            <a:off x="1524000" y="762001"/>
-            <a:ext cx="8772525" cy="1733550"/>
+            <a:off x="1871661" y="762000"/>
+            <a:ext cx="8772525" cy="942976"/>
           </a:xfrm>
         </p:spPr>
         <p:txBody>
           <a:bodyPr>
-            <a:normAutofit/>
+            <a:noAutofit/>
           </a:bodyPr>
           <a:lstStyle/>
           <a:p>
-            <a:r>
-              <a:rPr lang="ja-JP" altLang="en-US" sz="4000" dirty="0"/>
-              <a:t> </a:t>
-            </a:r>
-            <a:r>
-              <a:rPr lang="en-US" altLang="ja-JP" sz="4000" dirty="0"/>
+            <a:pPr algn="ctr"/>
+            <a:r>
+              <a:rPr lang="en-US" altLang="ja-JP" sz="3600" dirty="0">
+                <a:latin typeface="メイリオ 見出し"/>
+              </a:rPr>
               <a:t>Vue.js</a:t>
             </a:r>
             <a:r>
-              <a:rPr lang="ja-JP" altLang="en-US" sz="4000" dirty="0"/>
-              <a:t>プロジェクト向け 最適テストツールの推奨</a:t>
-            </a:r>
-            <a:endParaRPr lang="en-US" sz="4000" dirty="0"/>
+              <a:rPr lang="ja-JP" altLang="en-US" sz="3600" dirty="0">
+                <a:latin typeface="メイリオ 見出し"/>
+              </a:rPr>
+              <a:t>テストツール比較：</a:t>
+            </a:r>
+            <a:r>
+              <a:rPr lang="en-US" altLang="ja-JP" sz="3600" dirty="0" err="1">
+                <a:latin typeface="メイリオ 見出し"/>
+              </a:rPr>
+              <a:t>Vitest</a:t>
+            </a:r>
+            <a:r>
+              <a:rPr lang="ja-JP" altLang="en-US" sz="3600" dirty="0">
+                <a:latin typeface="メイリオ 見出し"/>
+              </a:rPr>
+              <a:t>の推奨理由</a:t>
+            </a:r>
           </a:p>
         </p:txBody>
       </p:sp>
@@ -3700,7 +8087,7 @@
         </p:nvSpPr>
         <p:spPr>
           <a:xfrm>
-            <a:off x="1338261" y="3087688"/>
+            <a:off x="1871661" y="3678238"/>
             <a:ext cx="9186863" cy="2417762"/>
           </a:xfrm>
         </p:spPr>
@@ -3712,95 +8099,127 @@
           <a:p>
             <a:pPr algn="l"/>
             <a:r>
-              <a:rPr lang="ja-JP" altLang="en-US" b="1" dirty="0"/>
+              <a:rPr lang="ja-JP" altLang="en-US" sz="2000" b="1" dirty="0">
+                <a:latin typeface="メイリオ 見出し"/>
+              </a:rPr>
               <a:t>調査対象ツール</a:t>
             </a:r>
             <a:r>
-              <a:rPr lang="en-US" altLang="ja-JP" b="1" dirty="0"/>
+              <a:rPr lang="en-US" altLang="ja-JP" sz="2000" b="1" dirty="0">
+                <a:latin typeface="メイリオ 見出し"/>
+              </a:rPr>
               <a:t>:	</a:t>
             </a:r>
             <a:r>
-              <a:rPr lang="en-US" altLang="ja-JP" dirty="0"/>
+              <a:rPr lang="en-US" altLang="ja-JP" sz="2000" dirty="0">
+                <a:latin typeface="メイリオ 見出し"/>
+              </a:rPr>
               <a:t> </a:t>
             </a:r>
             <a:r>
-              <a:rPr lang="en-US" dirty="0" err="1"/>
+              <a:rPr lang="en-US" sz="2000" dirty="0" err="1">
+                <a:latin typeface="メイリオ 見出し"/>
+              </a:rPr>
               <a:t>Vitest、Jest、Cypress、Vue</a:t>
             </a:r>
             <a:r>
-              <a:rPr lang="en-US" dirty="0"/>
+              <a:rPr lang="en-US" sz="2000" dirty="0">
+                <a:latin typeface="メイリオ 見出し"/>
+              </a:rPr>
               <a:t> Test </a:t>
             </a:r>
             <a:r>
-              <a:rPr lang="en-US" dirty="0" err="1"/>
+              <a:rPr lang="en-US" sz="2000" dirty="0" err="1">
+                <a:latin typeface="メイリオ 見出し"/>
+              </a:rPr>
               <a:t>Utils</a:t>
             </a:r>
-            <a:endParaRPr lang="en-US" dirty="0"/>
+            <a:endParaRPr lang="en-US" sz="2000" dirty="0">
+              <a:latin typeface="メイリオ 見出し"/>
+            </a:endParaRPr>
           </a:p>
           <a:p>
             <a:pPr algn="l"/>
             <a:r>
-              <a:rPr lang="ja-JP" altLang="en-US" b="1" dirty="0"/>
+              <a:rPr lang="ja-JP" altLang="en-US" sz="2000" b="1" dirty="0">
+                <a:latin typeface="メイリオ 見出し"/>
+              </a:rPr>
               <a:t>比較基準</a:t>
             </a:r>
             <a:r>
-              <a:rPr lang="en-US" altLang="ja-JP" b="1" dirty="0"/>
+              <a:rPr lang="en-US" altLang="ja-JP" sz="2000" b="1" dirty="0">
+                <a:latin typeface="メイリオ 見出し"/>
+              </a:rPr>
               <a:t>: </a:t>
             </a:r>
             <a:r>
-              <a:rPr lang="en-US" altLang="ja-JP" dirty="0"/>
+              <a:rPr lang="en-US" altLang="ja-JP" sz="2000" dirty="0">
+                <a:latin typeface="メイリオ 見出し"/>
+              </a:rPr>
               <a:t>		</a:t>
             </a:r>
             <a:r>
-              <a:rPr lang="ja-JP" altLang="en-US" dirty="0"/>
+              <a:rPr lang="ja-JP" altLang="en-US" sz="2000" dirty="0">
+                <a:latin typeface="メイリオ 見出し"/>
+              </a:rPr>
               <a:t>導入容易さ、速度、サポート体制、</a:t>
             </a:r>
             <a:r>
-              <a:rPr lang="en-US" dirty="0"/>
-              <a:t>Vue 3/TS			</a:t>
-            </a:r>
-            <a:r>
-              <a:rPr lang="ja-JP" altLang="en-US" dirty="0"/>
+              <a:rPr lang="en-US" sz="2000" dirty="0">
+                <a:latin typeface="メイリオ 見出し"/>
+              </a:rPr>
+              <a:t>Vue 3/TS</a:t>
+            </a:r>
+            <a:r>
+              <a:rPr lang="ja-JP" altLang="en-US" sz="2000" dirty="0">
+                <a:latin typeface="メイリオ 見出し"/>
+              </a:rPr>
               <a:t>互換性、</a:t>
             </a:r>
             <a:r>
-              <a:rPr lang="en-US" dirty="0"/>
+              <a:rPr lang="en-US" sz="2000" dirty="0">
+                <a:latin typeface="メイリオ 見出し"/>
+              </a:rPr>
               <a:t>CI/CD</a:t>
             </a:r>
             <a:r>
-              <a:rPr lang="ja-JP" altLang="en-US" dirty="0"/>
+              <a:rPr lang="ja-JP" altLang="en-US" sz="2000" dirty="0">
+                <a:latin typeface="メイリオ 見出し"/>
+              </a:rPr>
               <a:t>統合</a:t>
             </a:r>
           </a:p>
           <a:p>
             <a:pPr algn="l"/>
             <a:r>
-              <a:rPr lang="ja-JP" altLang="en-US" b="1" dirty="0"/>
+              <a:rPr lang="ja-JP" altLang="en-US" sz="2000" b="1" dirty="0">
+                <a:latin typeface="メイリオ 見出し"/>
+              </a:rPr>
               <a:t>目的</a:t>
             </a:r>
             <a:r>
-              <a:rPr lang="en-US" altLang="ja-JP" b="1" dirty="0"/>
+              <a:rPr lang="en-US" altLang="ja-JP" sz="2000" b="1" dirty="0">
+                <a:latin typeface="メイリオ 見出し"/>
+              </a:rPr>
               <a:t>:</a:t>
             </a:r>
             <a:r>
-              <a:rPr lang="en-US" altLang="ja-JP" dirty="0"/>
+              <a:rPr lang="en-US" altLang="ja-JP" sz="2000" dirty="0">
+                <a:latin typeface="メイリオ 見出し"/>
+              </a:rPr>
               <a:t> 			</a:t>
             </a:r>
             <a:r>
-              <a:rPr lang="en-US" dirty="0"/>
-              <a:t>Vue 3+TypeScript</a:t>
-            </a:r>
-            <a:r>
-              <a:rPr lang="ja-JP" altLang="en-US" dirty="0"/>
-              <a:t>プロジェクトに最適なテスト</a:t>
-            </a:r>
-            <a:r>
-              <a:rPr lang="en-US" altLang="ja-JP" dirty="0"/>
-              <a:t>			</a:t>
-            </a:r>
-            <a:r>
-              <a:rPr lang="ja-JP" altLang="en-US" dirty="0"/>
-              <a:t>戦略の特定</a:t>
+              <a:rPr lang="en-US" sz="2000" dirty="0">
+                <a:latin typeface="メイリオ 見出し"/>
+              </a:rPr>
+              <a:t>Vue 3</a:t>
+            </a:r>
+            <a:r>
+              <a:rPr lang="ja-JP" altLang="en-US" sz="2000" dirty="0">
+                <a:latin typeface="メイリオ 見出し"/>
+              </a:rPr>
+              <a:t>プロジェクトに最適なテスト戦略の特定</a:t>
             </a:r>
           </a:p>
           <a:p>
@@ -3891,8 +8310,8 @@
         </p:blipFill>
         <p:spPr>
           <a:xfrm>
-            <a:off x="1121024" y="1908361"/>
-            <a:ext cx="10366051" cy="3597089"/>
+            <a:off x="2773048" y="1905000"/>
+            <a:ext cx="8893489" cy="3086100"/>
           </a:xfrm>
           <a:prstGeom prst="rect">
             <a:avLst/>
@@ -3979,115 +8398,128 @@
           <a:bodyPr/>
           <a:lstStyle/>
           <a:p>
-            <a:pPr marL="0" indent="0">
-              <a:buNone/>
+            <a:pPr lvl="1">
+              <a:buFont typeface="Arial" panose="020B0604020202020204" pitchFamily="34" charset="0"/>
+              <a:buChar char="•"/>
             </a:pPr>
             <a:r>
-              <a:rPr lang="ja-JP" altLang="en-US" dirty="0"/>
-              <a:t>推奨</a:t>
-            </a:r>
-            <a:r>
-              <a:rPr lang="en-US" altLang="ja-JP" dirty="0"/>
-              <a:t>: </a:t>
-            </a:r>
-            <a:r>
-              <a:rPr lang="en-US" altLang="ja-JP" dirty="0" err="1"/>
-              <a:t>Vitest</a:t>
-            </a:r>
-            <a:r>
-              <a:rPr lang="ja-JP" altLang="en-US" dirty="0"/>
-              <a:t>を中心としたテスト戦略</a:t>
-            </a:r>
-          </a:p>
-          <a:p>
-            <a:pPr marL="0" indent="0">
-              <a:buNone/>
+              <a:rPr lang="en-US" altLang="ja-JP" sz="2000" dirty="0">
+                <a:latin typeface="メイリオ 本文"/>
+              </a:rPr>
+              <a:t>Vue 3</a:t>
+            </a:r>
+            <a:r>
+              <a:rPr lang="ja-JP" altLang="en-US" sz="2000" dirty="0">
+                <a:latin typeface="メイリオ 本文"/>
+              </a:rPr>
+              <a:t>＋</a:t>
+            </a:r>
+            <a:r>
+              <a:rPr lang="en-US" altLang="ja-JP" sz="2000" dirty="0" err="1">
+                <a:latin typeface="メイリオ 本文"/>
+              </a:rPr>
+              <a:t>Vite</a:t>
+            </a:r>
+            <a:r>
+              <a:rPr lang="ja-JP" altLang="en-US" sz="2000" dirty="0">
+                <a:latin typeface="メイリオ 本文"/>
+              </a:rPr>
+              <a:t>環境とのシームレスな統合</a:t>
+            </a:r>
+          </a:p>
+          <a:p>
+            <a:pPr lvl="1">
+              <a:buFont typeface="Arial" panose="020B0604020202020204" pitchFamily="34" charset="0"/>
+              <a:buChar char="•"/>
             </a:pPr>
             <a:r>
-              <a:rPr lang="ja-JP" altLang="en-US" dirty="0"/>
-              <a:t>選定理由</a:t>
-            </a:r>
-            <a:r>
-              <a:rPr lang="en-US" altLang="ja-JP" dirty="0"/>
-              <a:t>:</a:t>
-            </a:r>
-          </a:p>
-          <a:p>
-            <a:pPr lvl="1"/>
-            <a:r>
-              <a:rPr lang="en-US" altLang="ja-JP" dirty="0"/>
+              <a:rPr lang="ja-JP" altLang="en-US" sz="2000" dirty="0">
+                <a:latin typeface="メイリオ 本文"/>
+              </a:rPr>
+              <a:t>最小限の設定で利用可能（</a:t>
+            </a:r>
+            <a:r>
+              <a:rPr lang="en-US" altLang="ja-JP" sz="2000" dirty="0">
+                <a:latin typeface="メイリオ 本文"/>
+              </a:rPr>
+              <a:t>vite.config.js</a:t>
+            </a:r>
+            <a:r>
+              <a:rPr lang="ja-JP" altLang="en-US" sz="2000" dirty="0">
+                <a:latin typeface="メイリオ 本文"/>
+              </a:rPr>
+              <a:t>の簡易拡張のみ）</a:t>
+            </a:r>
+          </a:p>
+          <a:p>
+            <a:pPr lvl="1">
+              <a:buFont typeface="Arial" panose="020B0604020202020204" pitchFamily="34" charset="0"/>
+              <a:buChar char="•"/>
+            </a:pPr>
+            <a:r>
+              <a:rPr lang="en-US" altLang="ja-JP" sz="2000" dirty="0">
+                <a:latin typeface="メイリオ 本文"/>
+              </a:rPr>
+              <a:t>Jest</a:t>
+            </a:r>
+            <a:r>
+              <a:rPr lang="ja-JP" altLang="en-US" sz="2000" dirty="0">
+                <a:latin typeface="メイリオ 本文"/>
+              </a:rPr>
+              <a:t>の</a:t>
+            </a:r>
+            <a:r>
+              <a:rPr lang="en-US" altLang="ja-JP" sz="2000" dirty="0">
+                <a:latin typeface="メイリオ 本文"/>
+              </a:rPr>
+              <a:t>4</a:t>
+            </a:r>
+            <a:r>
+              <a:rPr lang="ja-JP" altLang="en-US" sz="2000" dirty="0">
+                <a:latin typeface="メイリオ 本文"/>
+              </a:rPr>
+              <a:t>倍以上の実行速度（特に大規模プロジェクトで顕著）</a:t>
+            </a:r>
+          </a:p>
+          <a:p>
+            <a:pPr lvl="1">
+              <a:buFont typeface="Arial" panose="020B0604020202020204" pitchFamily="34" charset="0"/>
+              <a:buChar char="•"/>
+            </a:pPr>
+            <a:r>
+              <a:rPr lang="en-US" altLang="ja-JP" sz="2000" dirty="0">
+                <a:latin typeface="メイリオ 本文"/>
+              </a:rPr>
               <a:t>Vue 3</a:t>
             </a:r>
             <a:r>
-              <a:rPr lang="ja-JP" altLang="en-US" dirty="0"/>
-              <a:t>＋</a:t>
-            </a:r>
-            <a:r>
-              <a:rPr lang="en-US" altLang="ja-JP" dirty="0" err="1"/>
-              <a:t>Vite</a:t>
-            </a:r>
-            <a:r>
-              <a:rPr lang="ja-JP" altLang="en-US" dirty="0"/>
-              <a:t>環境とのシームレスな統合</a:t>
-            </a:r>
-          </a:p>
-          <a:p>
-            <a:pPr lvl="1"/>
-            <a:r>
-              <a:rPr lang="ja-JP" altLang="en-US" dirty="0"/>
-              <a:t>最小限の設定で利用可能（</a:t>
-            </a:r>
-            <a:r>
-              <a:rPr lang="en-US" altLang="ja-JP" dirty="0"/>
-              <a:t>vite.config.js</a:t>
-            </a:r>
-            <a:r>
-              <a:rPr lang="ja-JP" altLang="en-US" dirty="0"/>
-              <a:t>の簡易拡張のみ）</a:t>
-            </a:r>
-          </a:p>
-          <a:p>
-            <a:pPr lvl="1"/>
-            <a:r>
-              <a:rPr lang="en-US" altLang="ja-JP" dirty="0"/>
-              <a:t>Jest</a:t>
-            </a:r>
-            <a:r>
-              <a:rPr lang="ja-JP" altLang="en-US" dirty="0"/>
-              <a:t>の</a:t>
-            </a:r>
-            <a:r>
-              <a:rPr lang="en-US" altLang="ja-JP" dirty="0"/>
-              <a:t>4</a:t>
-            </a:r>
-            <a:r>
-              <a:rPr lang="ja-JP" altLang="en-US" dirty="0"/>
-              <a:t>倍以上の実行速度（特に大規模プロジェクトで顕著</a:t>
-            </a:r>
-          </a:p>
-          <a:p>
-            <a:pPr lvl="1"/>
-            <a:r>
-              <a:rPr lang="en-US" altLang="ja-JP" dirty="0"/>
-              <a:t>Vue 3</a:t>
-            </a:r>
-            <a:r>
-              <a:rPr lang="ja-JP" altLang="en-US" dirty="0"/>
+              <a:rPr lang="ja-JP" altLang="en-US" sz="2000" dirty="0">
+                <a:latin typeface="メイリオ 本文"/>
+              </a:rPr>
               <a:t>および</a:t>
             </a:r>
             <a:r>
-              <a:rPr lang="en-US" altLang="ja-JP" dirty="0"/>
+              <a:rPr lang="en-US" altLang="ja-JP" sz="2000" dirty="0">
+                <a:latin typeface="メイリオ 本文"/>
+              </a:rPr>
               <a:t>TypeScript</a:t>
             </a:r>
             <a:r>
-              <a:rPr lang="ja-JP" altLang="en-US" dirty="0"/>
+              <a:rPr lang="ja-JP" altLang="en-US" sz="2000" dirty="0">
+                <a:latin typeface="メイリオ 本文"/>
+              </a:rPr>
               <a:t>との完全な互換性</a:t>
             </a:r>
           </a:p>
           <a:p>
-            <a:pPr lvl="1"/>
-            <a:r>
-              <a:rPr lang="ja-JP" altLang="en-US" dirty="0"/>
+            <a:pPr lvl="1">
+              <a:buFont typeface="Arial" panose="020B0604020202020204" pitchFamily="34" charset="0"/>
+              <a:buChar char="•"/>
+            </a:pPr>
+            <a:r>
+              <a:rPr lang="ja-JP" altLang="en-US" sz="2000" dirty="0">
+                <a:latin typeface="メイリオ 本文"/>
+              </a:rPr>
               <a:t>開発環境とテスト環境の設定共有による効率化</a:t>
             </a:r>
           </a:p>
@@ -4112,213 +8544,10 @@
 </p:sld>
 </file>
 
-<file path=ppt/slides/slide4.xml><?xml version="1.0" encoding="utf-8"?>
-<p:sld xmlns:a="http://schemas.openxmlformats.org/drawingml/2006/main" xmlns:r="http://schemas.openxmlformats.org/officeDocument/2006/relationships" xmlns:p="http://schemas.openxmlformats.org/presentationml/2006/main">
-  <p:cSld>
-    <p:spTree>
-      <p:nvGrpSpPr>
-        <p:cNvPr id="1" name=""/>
-        <p:cNvGrpSpPr/>
-        <p:nvPr/>
-      </p:nvGrpSpPr>
-      <p:grpSpPr>
-        <a:xfrm>
-          <a:off x="0" y="0"/>
-          <a:ext cx="0" cy="0"/>
-          <a:chOff x="0" y="0"/>
-          <a:chExt cx="0" cy="0"/>
-        </a:xfrm>
-      </p:grpSpPr>
-      <p:sp>
-        <p:nvSpPr>
-          <p:cNvPr id="2" name="タイトル 1">
-            <a:extLst>
-              <a:ext uri="{FF2B5EF4-FFF2-40B4-BE49-F238E27FC236}">
-                <a16:creationId xmlns:a16="http://schemas.microsoft.com/office/drawing/2014/main" id="{F6FA7657-F921-4387-AC16-E6D2EAD22506}"/>
-              </a:ext>
-            </a:extLst>
-          </p:cNvPr>
-          <p:cNvSpPr>
-            <a:spLocks noGrp="1"/>
-          </p:cNvSpPr>
-          <p:nvPr>
-            <p:ph type="title"/>
-          </p:nvPr>
-        </p:nvSpPr>
-        <p:spPr/>
-        <p:txBody>
-          <a:bodyPr/>
-          <a:lstStyle/>
-          <a:p>
-            <a:r>
-              <a:rPr lang="ja-JP" altLang="en-US" dirty="0"/>
-              <a:t> 推奨テスト戦略の実装方針</a:t>
-            </a:r>
-            <a:endParaRPr lang="en-US" dirty="0"/>
-          </a:p>
-        </p:txBody>
-      </p:sp>
-      <p:sp>
-        <p:nvSpPr>
-          <p:cNvPr id="3" name="コンテンツ プレースホルダー 2">
-            <a:extLst>
-              <a:ext uri="{FF2B5EF4-FFF2-40B4-BE49-F238E27FC236}">
-                <a16:creationId xmlns:a16="http://schemas.microsoft.com/office/drawing/2014/main" id="{99D11807-F477-489D-9AC3-37FB1CF0330C}"/>
-              </a:ext>
-            </a:extLst>
-          </p:cNvPr>
-          <p:cNvSpPr>
-            <a:spLocks noGrp="1"/>
-          </p:cNvSpPr>
-          <p:nvPr>
-            <p:ph idx="1"/>
-          </p:nvPr>
-        </p:nvSpPr>
-        <p:spPr/>
-        <p:txBody>
-          <a:bodyPr/>
-          <a:lstStyle/>
-          <a:p>
-            <a:r>
-              <a:rPr lang="ja-JP" altLang="en-US" dirty="0"/>
-              <a:t>最適テスト組み合わせ</a:t>
-            </a:r>
-            <a:r>
-              <a:rPr lang="en-US" altLang="ja-JP" dirty="0"/>
-              <a:t>:</a:t>
-            </a:r>
-          </a:p>
-          <a:p>
-            <a:pPr lvl="1"/>
-            <a:r>
-              <a:rPr lang="en-US" altLang="ja-JP" dirty="0" err="1"/>
-              <a:t>Vitest</a:t>
-            </a:r>
-            <a:r>
-              <a:rPr lang="en-US" altLang="ja-JP" dirty="0"/>
-              <a:t> + Vue Test </a:t>
-            </a:r>
-            <a:r>
-              <a:rPr lang="en-US" altLang="ja-JP" dirty="0" err="1"/>
-              <a:t>Utils</a:t>
-            </a:r>
-            <a:r>
-              <a:rPr lang="en-US" altLang="ja-JP" dirty="0"/>
-              <a:t>: </a:t>
-            </a:r>
-            <a:r>
-              <a:rPr lang="ja-JP" altLang="en-US" dirty="0"/>
-              <a:t>コンポーネント単体テスト</a:t>
-            </a:r>
-            <a:endParaRPr lang="en-US" altLang="ja-JP" dirty="0"/>
-          </a:p>
-          <a:p>
-            <a:pPr lvl="1"/>
-            <a:r>
-              <a:rPr lang="en-US" altLang="ja-JP" dirty="0"/>
-              <a:t>Jest + Vue Test </a:t>
-            </a:r>
-            <a:r>
-              <a:rPr lang="en-US" altLang="ja-JP" dirty="0" err="1"/>
-              <a:t>Utils</a:t>
-            </a:r>
-            <a:r>
-              <a:rPr lang="en-US" altLang="ja-JP" dirty="0"/>
-              <a:t>: </a:t>
-            </a:r>
-            <a:r>
-              <a:rPr lang="ja-JP" altLang="en-US" dirty="0"/>
-              <a:t>コンポーネント単体テスト</a:t>
-            </a:r>
-          </a:p>
-          <a:p>
-            <a:pPr lvl="1"/>
-            <a:r>
-              <a:rPr lang="en-US" altLang="ja-JP" dirty="0"/>
-              <a:t>Cypress: </a:t>
-            </a:r>
-            <a:r>
-              <a:rPr lang="ja-JP" altLang="en-US" dirty="0"/>
-              <a:t>重要なユーザーシナリオの</a:t>
-            </a:r>
-            <a:r>
-              <a:rPr lang="en-US" altLang="ja-JP" dirty="0"/>
-              <a:t>E2E</a:t>
-            </a:r>
-            <a:r>
-              <a:rPr lang="ja-JP" altLang="en-US" dirty="0"/>
-              <a:t>テスト</a:t>
-            </a:r>
-          </a:p>
-          <a:p>
-            <a:r>
-              <a:rPr lang="ja-JP" altLang="en-US" dirty="0"/>
-              <a:t>期待される効果</a:t>
-            </a:r>
-            <a:r>
-              <a:rPr lang="en-US" altLang="ja-JP" dirty="0"/>
-              <a:t>:</a:t>
-            </a:r>
-          </a:p>
-          <a:p>
-            <a:pPr lvl="1"/>
-            <a:r>
-              <a:rPr lang="ja-JP" altLang="en-US" dirty="0"/>
-              <a:t>テスト実行の高速化による開発サイクルの短縮</a:t>
-            </a:r>
-          </a:p>
-          <a:p>
-            <a:pPr lvl="1"/>
-            <a:r>
-              <a:rPr lang="ja-JP" altLang="en-US" dirty="0"/>
-              <a:t>単一ツールチェーンによるメンテナンス性向上</a:t>
-            </a:r>
-          </a:p>
-          <a:p>
-            <a:pPr lvl="1"/>
-            <a:r>
-              <a:rPr lang="ja-JP" altLang="en-US" dirty="0"/>
-              <a:t>実ブラウザテストとの組み合わせによる信頼性向上</a:t>
-            </a:r>
-          </a:p>
-          <a:p>
-            <a:pPr lvl="1"/>
-            <a:r>
-              <a:rPr lang="ja-JP" altLang="en-US" dirty="0"/>
-              <a:t>開発から</a:t>
-            </a:r>
-            <a:r>
-              <a:rPr lang="en-US" altLang="ja-JP" dirty="0"/>
-              <a:t>CI/CD</a:t>
-            </a:r>
-            <a:r>
-              <a:rPr lang="ja-JP" altLang="en-US" dirty="0" err="1"/>
-              <a:t>までの</a:t>
-            </a:r>
-            <a:r>
-              <a:rPr lang="ja-JP" altLang="en-US" dirty="0"/>
-              <a:t>一貫した品質保証体制の確立</a:t>
-            </a:r>
-          </a:p>
-        </p:txBody>
-      </p:sp>
-    </p:spTree>
-    <p:extLst>
-      <p:ext uri="{BB962C8B-B14F-4D97-AF65-F5344CB8AC3E}">
-        <p14:creationId xmlns:p14="http://schemas.microsoft.com/office/powerpoint/2010/main" val="1328939474"/>
-      </p:ext>
-    </p:extLst>
-  </p:cSld>
-  <p:clrMapOvr>
-    <a:masterClrMapping/>
-  </p:clrMapOvr>
-</p:sld>
-</file>
-
 <file path=ppt/theme/theme1.xml><?xml version="1.0" encoding="utf-8"?>
-<a:theme xmlns:a="http://schemas.openxmlformats.org/drawingml/2006/main" name="Office テーマ">
+<a:theme xmlns:a="http://schemas.openxmlformats.org/drawingml/2006/main" name="ウィスプ">
   <a:themeElements>
-    <a:clrScheme name="Office">
+    <a:clrScheme name="ウィスプ">
       <a:dk1>
         <a:sysClr val="windowText" lastClr="000000"/>
       </a:dk1>
@@ -4326,100 +8555,48 @@
         <a:sysClr val="window" lastClr="FFFFFF"/>
       </a:lt1>
       <a:dk2>
-        <a:srgbClr val="44546A"/>
+        <a:srgbClr val="766F54"/>
       </a:dk2>
       <a:lt2>
-        <a:srgbClr val="E7E6E6"/>
+        <a:srgbClr val="E3EACF"/>
       </a:lt2>
       <a:accent1>
-        <a:srgbClr val="4472C4"/>
+        <a:srgbClr val="A53010"/>
       </a:accent1>
       <a:accent2>
-        <a:srgbClr val="ED7D31"/>
+        <a:srgbClr val="DE7E18"/>
       </a:accent2>
       <a:accent3>
-        <a:srgbClr val="A5A5A5"/>
+        <a:srgbClr val="9F8351"/>
       </a:accent3>
       <a:accent4>
-        <a:srgbClr val="FFC000"/>
+        <a:srgbClr val="728653"/>
       </a:accent4>
       <a:accent5>
-        <a:srgbClr val="5B9BD5"/>
+        <a:srgbClr val="92AA4C"/>
       </a:accent5>
       <a:accent6>
-        <a:srgbClr val="70AD47"/>
+        <a:srgbClr val="6AAC91"/>
       </a:accent6>
       <a:hlink>
-        <a:srgbClr val="0563C1"/>
+        <a:srgbClr val="FB4A18"/>
       </a:hlink>
       <a:folHlink>
-        <a:srgbClr val="954F72"/>
+        <a:srgbClr val="FB9318"/>
       </a:folHlink>
     </a:clrScheme>
-    <a:fontScheme name="Office">
+    <a:fontScheme name="ウィスプ">
       <a:majorFont>
-        <a:latin typeface="Calibri Light" panose="020F0302020204030204"/>
+        <a:latin typeface="Century Gothic" panose="020B0502020202020204"/>
         <a:ea typeface=""/>
         <a:cs typeface=""/>
-        <a:font script="Jpan" typeface="游ゴシック Light"/>
-        <a:font script="Hang" typeface="맑은 고딕"/>
-        <a:font script="Hans" typeface="等线 Light"/>
-        <a:font script="Hant" typeface="新細明體"/>
-        <a:font script="Arab" typeface="Times New Roman"/>
-        <a:font script="Hebr" typeface="Times New Roman"/>
-        <a:font script="Thai" typeface="Angsana New"/>
-        <a:font script="Ethi" typeface="Nyala"/>
-        <a:font script="Beng" typeface="Vrinda"/>
-        <a:font script="Gujr" typeface="Shruti"/>
-        <a:font script="Khmr" typeface="MoolBoran"/>
-        <a:font script="Knda" typeface="Tunga"/>
-        <a:font script="Guru" typeface="Raavi"/>
-        <a:font script="Cans" typeface="Euphemia"/>
-        <a:font script="Cher" typeface="Plantagenet Cherokee"/>
-        <a:font script="Yiii" typeface="Microsoft Yi Baiti"/>
-        <a:font script="Tibt" typeface="Microsoft Himalaya"/>
-        <a:font script="Thaa" typeface="MV Boli"/>
-        <a:font script="Deva" typeface="Mangal"/>
-        <a:font script="Telu" typeface="Gautami"/>
-        <a:font script="Taml" typeface="Latha"/>
-        <a:font script="Syrc" typeface="Estrangelo Edessa"/>
-        <a:font script="Orya" typeface="Kalinga"/>
-        <a:font script="Mlym" typeface="Kartika"/>
-        <a:font script="Laoo" typeface="DokChampa"/>
-        <a:font script="Sinh" typeface="Iskoola Pota"/>
-        <a:font script="Mong" typeface="Mongolian Baiti"/>
-        <a:font script="Viet" typeface="Times New Roman"/>
-        <a:font script="Uigh" typeface="Microsoft Uighur"/>
-        <a:font script="Geor" typeface="Sylfaen"/>
-        <a:font script="Armn" typeface="Arial"/>
-        <a:font script="Bugi" typeface="Leelawadee UI"/>
-        <a:font script="Bopo" typeface="Microsoft JhengHei"/>
-        <a:font script="Java" typeface="Javanese Text"/>
-        <a:font script="Lisu" typeface="Segoe UI"/>
-        <a:font script="Mymr" typeface="Myanmar Text"/>
-        <a:font script="Nkoo" typeface="Ebrima"/>
-        <a:font script="Olck" typeface="Nirmala UI"/>
-        <a:font script="Osma" typeface="Ebrima"/>
-        <a:font script="Phag" typeface="Phagspa"/>
-        <a:font script="Syrn" typeface="Estrangelo Edessa"/>
-        <a:font script="Syrj" typeface="Estrangelo Edessa"/>
-        <a:font script="Syre" typeface="Estrangelo Edessa"/>
-        <a:font script="Sora" typeface="Nirmala UI"/>
-        <a:font script="Tale" typeface="Microsoft Tai Le"/>
-        <a:font script="Talu" typeface="Microsoft New Tai Lue"/>
-        <a:font script="Tfng" typeface="Ebrima"/>
-      </a:majorFont>
-      <a:minorFont>
-        <a:latin typeface="Calibri" panose="020F0502020204030204"/>
-        <a:ea typeface=""/>
-        <a:cs typeface=""/>
-        <a:font script="Jpan" typeface="游ゴシック"/>
-        <a:font script="Hang" typeface="맑은 고딕"/>
-        <a:font script="Hans" typeface="等线"/>
-        <a:font script="Hant" typeface="新細明體"/>
-        <a:font script="Arab" typeface="Arial"/>
-        <a:font script="Hebr" typeface="Arial"/>
-        <a:font script="Thai" typeface="Cordia New"/>
+        <a:font script="Jpan" typeface="メイリオ"/>
+        <a:font script="Hang" typeface="HY중고딕"/>
+        <a:font script="Hans" typeface="幼圆"/>
+        <a:font script="Hant" typeface="微軟正黑體"/>
+        <a:font script="Arab" typeface="Tahoma"/>
+        <a:font script="Hebr" typeface="Gisha"/>
+        <a:font script="Thai" typeface="DilleniaUPC"/>
         <a:font script="Ethi" typeface="Nyala"/>
         <a:font script="Beng" typeface="Vrinda"/>
         <a:font script="Gujr" typeface="Shruti"/>
@@ -4440,30 +8617,121 @@
         <a:font script="Laoo" typeface="DokChampa"/>
         <a:font script="Sinh" typeface="Iskoola Pota"/>
         <a:font script="Mong" typeface="Mongolian Baiti"/>
-        <a:font script="Viet" typeface="Arial"/>
+        <a:font script="Viet" typeface="Tahoma"/>
         <a:font script="Uigh" typeface="Microsoft Uighur"/>
         <a:font script="Geor" typeface="Sylfaen"/>
-        <a:font script="Armn" typeface="Arial"/>
-        <a:font script="Bugi" typeface="Leelawadee UI"/>
-        <a:font script="Bopo" typeface="Microsoft JhengHei"/>
-        <a:font script="Java" typeface="Javanese Text"/>
-        <a:font script="Lisu" typeface="Segoe UI"/>
-        <a:font script="Mymr" typeface="Myanmar Text"/>
-        <a:font script="Nkoo" typeface="Ebrima"/>
-        <a:font script="Olck" typeface="Nirmala UI"/>
-        <a:font script="Osma" typeface="Ebrima"/>
-        <a:font script="Phag" typeface="Phagspa"/>
-        <a:font script="Syrn" typeface="Estrangelo Edessa"/>
-        <a:font script="Syrj" typeface="Estrangelo Edessa"/>
-        <a:font script="Syre" typeface="Estrangelo Edessa"/>
-        <a:font script="Sora" typeface="Nirmala UI"/>
-        <a:font script="Tale" typeface="Microsoft Tai Le"/>
-        <a:font script="Talu" typeface="Microsoft New Tai Lue"/>
-        <a:font script="Tfng" typeface="Ebrima"/>
+      </a:majorFont>
+      <a:minorFont>
+        <a:latin typeface="Century Gothic" panose="020B0502020202020204"/>
+        <a:ea typeface=""/>
+        <a:cs typeface=""/>
+        <a:font script="Jpan" typeface="メイリオ"/>
+        <a:font script="Hang" typeface="HY중고딕"/>
+        <a:font script="Hans" typeface="幼圆"/>
+        <a:font script="Hant" typeface="微軟正黑體"/>
+        <a:font script="Arab" typeface="Tahoma"/>
+        <a:font script="Hebr" typeface="Gisha"/>
+        <a:font script="Thai" typeface="DilleniaUPC"/>
+        <a:font script="Ethi" typeface="Nyala"/>
+        <a:font script="Beng" typeface="Vrinda"/>
+        <a:font script="Gujr" typeface="Shruti"/>
+        <a:font script="Khmr" typeface="DaunPenh"/>
+        <a:font script="Knda" typeface="Tunga"/>
+        <a:font script="Guru" typeface="Raavi"/>
+        <a:font script="Cans" typeface="Euphemia"/>
+        <a:font script="Cher" typeface="Plantagenet Cherokee"/>
+        <a:font script="Yiii" typeface="Microsoft Yi Baiti"/>
+        <a:font script="Tibt" typeface="Microsoft Himalaya"/>
+        <a:font script="Thaa" typeface="MV Boli"/>
+        <a:font script="Deva" typeface="Mangal"/>
+        <a:font script="Telu" typeface="Gautami"/>
+        <a:font script="Taml" typeface="Latha"/>
+        <a:font script="Syrc" typeface="Estrangelo Edessa"/>
+        <a:font script="Orya" typeface="Kalinga"/>
+        <a:font script="Mlym" typeface="Kartika"/>
+        <a:font script="Laoo" typeface="DokChampa"/>
+        <a:font script="Sinh" typeface="Iskoola Pota"/>
+        <a:font script="Mong" typeface="Mongolian Baiti"/>
+        <a:font script="Viet" typeface="Tahoma"/>
+        <a:font script="Uigh" typeface="Microsoft Uighur"/>
+        <a:font script="Geor" typeface="Sylfaen"/>
       </a:minorFont>
     </a:fontScheme>
-    <a:fmtScheme name="Office">
+    <a:fmtScheme name="ウィスプ">
       <a:fillStyleLst>
+        <a:solidFill>
+          <a:schemeClr val="phClr"/>
+        </a:solidFill>
+        <a:solidFill>
+          <a:schemeClr val="phClr">
+            <a:tint val="70000"/>
+            <a:lumMod val="104000"/>
+          </a:schemeClr>
+        </a:solidFill>
+        <a:gradFill rotWithShape="1">
+          <a:gsLst>
+            <a:gs pos="0">
+              <a:schemeClr val="phClr">
+                <a:tint val="96000"/>
+                <a:lumMod val="104000"/>
+              </a:schemeClr>
+            </a:gs>
+            <a:gs pos="100000">
+              <a:schemeClr val="phClr">
+                <a:shade val="98000"/>
+                <a:lumMod val="94000"/>
+              </a:schemeClr>
+            </a:gs>
+          </a:gsLst>
+          <a:lin ang="5400000" scaled="0"/>
+        </a:gradFill>
+      </a:fillStyleLst>
+      <a:lnStyleLst>
+        <a:ln w="9525" cap="rnd" cmpd="sng" algn="ctr">
+          <a:solidFill>
+            <a:schemeClr val="phClr">
+              <a:shade val="90000"/>
+            </a:schemeClr>
+          </a:solidFill>
+          <a:prstDash val="solid"/>
+        </a:ln>
+        <a:ln w="15875" cap="rnd" cmpd="sng" algn="ctr">
+          <a:solidFill>
+            <a:schemeClr val="phClr"/>
+          </a:solidFill>
+          <a:prstDash val="solid"/>
+        </a:ln>
+        <a:ln w="22225" cap="rnd" cmpd="sng" algn="ctr">
+          <a:solidFill>
+            <a:schemeClr val="phClr"/>
+          </a:solidFill>
+          <a:prstDash val="solid"/>
+        </a:ln>
+      </a:lnStyleLst>
+      <a:effectStyleLst>
+        <a:effectStyle>
+          <a:effectLst/>
+        </a:effectStyle>
+        <a:effectStyle>
+          <a:effectLst>
+            <a:outerShdw blurRad="38100" dist="25400" dir="5400000" rotWithShape="0">
+              <a:srgbClr val="000000">
+                <a:alpha val="25000"/>
+              </a:srgbClr>
+            </a:outerShdw>
+          </a:effectLst>
+        </a:effectStyle>
+        <a:effectStyle>
+          <a:effectLst>
+            <a:outerShdw blurRad="50800" dist="38100" dir="5400000" rotWithShape="0">
+              <a:srgbClr val="000000">
+                <a:alpha val="60000"/>
+              </a:srgbClr>
+            </a:outerShdw>
+          </a:effectLst>
+        </a:effectStyle>
+      </a:effectStyleLst>
+      <a:bgFillStyleLst>
         <a:solidFill>
           <a:schemeClr val="phClr"/>
         </a:solidFill>
@@ -4471,23 +8739,15 @@
           <a:gsLst>
             <a:gs pos="0">
               <a:schemeClr val="phClr">
-                <a:lumMod val="110000"/>
-                <a:satMod val="105000"/>
-                <a:tint val="67000"/>
-              </a:schemeClr>
-            </a:gs>
-            <a:gs pos="50000">
-              <a:schemeClr val="phClr">
-                <a:lumMod val="105000"/>
-                <a:satMod val="103000"/>
-                <a:tint val="73000"/>
+                <a:tint val="90000"/>
+                <a:lumMod val="120000"/>
               </a:schemeClr>
             </a:gs>
             <a:gs pos="100000">
               <a:schemeClr val="phClr">
-                <a:lumMod val="105000"/>
-                <a:satMod val="109000"/>
-                <a:tint val="81000"/>
+                <a:shade val="98000"/>
+                <a:satMod val="120000"/>
+                <a:lumMod val="98000"/>
               </a:schemeClr>
             </a:gs>
           </a:gsLst>
@@ -4497,105 +8757,22 @@
           <a:gsLst>
             <a:gs pos="0">
               <a:schemeClr val="phClr">
-                <a:satMod val="103000"/>
-                <a:lumMod val="102000"/>
-                <a:tint val="94000"/>
-              </a:schemeClr>
-            </a:gs>
-            <a:gs pos="50000">
-              <a:schemeClr val="phClr">
-                <a:satMod val="110000"/>
-                <a:lumMod val="100000"/>
-                <a:shade val="100000"/>
+                <a:tint val="90000"/>
+                <a:satMod val="92000"/>
+                <a:lumMod val="120000"/>
               </a:schemeClr>
             </a:gs>
             <a:gs pos="100000">
               <a:schemeClr val="phClr">
-                <a:lumMod val="99000"/>
+                <a:shade val="98000"/>
                 <a:satMod val="120000"/>
-                <a:shade val="78000"/>
+                <a:lumMod val="98000"/>
               </a:schemeClr>
             </a:gs>
           </a:gsLst>
-          <a:lin ang="5400000" scaled="0"/>
-        </a:gradFill>
-      </a:fillStyleLst>
-      <a:lnStyleLst>
-        <a:ln w="6350" cap="flat" cmpd="sng" algn="ctr">
-          <a:solidFill>
-            <a:schemeClr val="phClr"/>
-          </a:solidFill>
-          <a:prstDash val="solid"/>
-          <a:miter lim="800000"/>
-        </a:ln>
-        <a:ln w="12700" cap="flat" cmpd="sng" algn="ctr">
-          <a:solidFill>
-            <a:schemeClr val="phClr"/>
-          </a:solidFill>
-          <a:prstDash val="solid"/>
-          <a:miter lim="800000"/>
-        </a:ln>
-        <a:ln w="19050" cap="flat" cmpd="sng" algn="ctr">
-          <a:solidFill>
-            <a:schemeClr val="phClr"/>
-          </a:solidFill>
-          <a:prstDash val="solid"/>
-          <a:miter lim="800000"/>
-        </a:ln>
-      </a:lnStyleLst>
-      <a:effectStyleLst>
-        <a:effectStyle>
-          <a:effectLst/>
-        </a:effectStyle>
-        <a:effectStyle>
-          <a:effectLst/>
-        </a:effectStyle>
-        <a:effectStyle>
-          <a:effectLst>
-            <a:outerShdw blurRad="57150" dist="19050" dir="5400000" algn="ctr" rotWithShape="0">
-              <a:srgbClr val="000000">
-                <a:alpha val="63000"/>
-              </a:srgbClr>
-            </a:outerShdw>
-          </a:effectLst>
-        </a:effectStyle>
-      </a:effectStyleLst>
-      <a:bgFillStyleLst>
-        <a:solidFill>
-          <a:schemeClr val="phClr"/>
-        </a:solidFill>
-        <a:solidFill>
-          <a:schemeClr val="phClr">
-            <a:tint val="95000"/>
-            <a:satMod val="170000"/>
-          </a:schemeClr>
-        </a:solidFill>
-        <a:gradFill rotWithShape="1">
-          <a:gsLst>
-            <a:gs pos="0">
-              <a:schemeClr val="phClr">
-                <a:tint val="93000"/>
-                <a:satMod val="150000"/>
-                <a:shade val="98000"/>
-                <a:lumMod val="102000"/>
-              </a:schemeClr>
-            </a:gs>
-            <a:gs pos="50000">
-              <a:schemeClr val="phClr">
-                <a:tint val="98000"/>
-                <a:satMod val="130000"/>
-                <a:shade val="90000"/>
-                <a:lumMod val="103000"/>
-              </a:schemeClr>
-            </a:gs>
-            <a:gs pos="100000">
-              <a:schemeClr val="phClr">
-                <a:shade val="63000"/>
-                <a:satMod val="120000"/>
-              </a:schemeClr>
-            </a:gs>
-          </a:gsLst>
-          <a:lin ang="5400000" scaled="0"/>
+          <a:path path="circle">
+            <a:fillToRect l="50000" t="50000" r="100000" b="100000"/>
+          </a:path>
         </a:gradFill>
       </a:bgFillStyleLst>
     </a:fmtScheme>
@@ -4604,7 +8781,7 @@
   <a:extraClrSchemeLst/>
   <a:extLst>
     <a:ext uri="{05A4C25C-085E-4340-85A3-A5531E510DB2}">
-      <thm15:themeFamily xmlns:thm15="http://schemas.microsoft.com/office/thememl/2012/main" name="Office Theme" id="{62F939B6-93AF-4DB8-9C6B-D6C7DFDC589F}" vid="{4A3C46E8-61CC-4603-A589-7422A47A8E4A}"/>
+      <thm15:themeFamily xmlns:thm15="http://schemas.microsoft.com/office/thememl/2012/main" name="Wisp" id="{7CB32D59-10C0-40DD-B7BD-2E94284A981C}" vid="{24B1A44C-C006-48B2-A4D7-E5549B3D8CD4}"/>
     </a:ext>
   </a:extLst>
 </a:theme>
